--- a/Docs/4조 프로젝트 계획서.pptx
+++ b/Docs/4조 프로젝트 계획서.pptx
@@ -18,6 +18,7 @@
     <p:sldId id="262" r:id="rId14"/>
     <p:sldId id="263" r:id="rId15"/>
     <p:sldId id="264" r:id="rId16"/>
+    <p:sldId id="265" r:id="rId17"/>
   </p:sldIdLst>
   <p:sldSz cy="6858000" cx="12192000"/>
   <p:notesSz cx="6858000" cy="9144000"/>
@@ -301,7 +302,7 @@
       </p15:sldGuideLst>
     </p:ext>
     <p:ext uri="http://customooxmlschemas.google.com/">
-      <go:slidesCustomData xmlns:go="http://customooxmlschemas.google.com/" r:id="rId17" roundtripDataSignature="AMtx7miQFNzqebxNcwxDghuaDMtxVPY3Nw=="/>
+      <go:slidesCustomData xmlns:go="http://customooxmlschemas.google.com/" r:id="rId18" roundtripDataSignature="AMtx7mgBMgD/vCvRtmhHgcUraf2fR/T0/w=="/>
     </p:ext>
   </p:extLst>
 </p:presentation>
@@ -996,6 +997,131 @@
 </p:notes>
 </file>
 
+<file path=ppt/notesSlides/notesSlide10.xml><?xml version="1.0" encoding="utf-8"?>
+<p:notes xmlns:a="http://schemas.openxmlformats.org/drawingml/2006/main" xmlns:r="http://schemas.openxmlformats.org/officeDocument/2006/relationships" xmlns:mc="http://schemas.openxmlformats.org/markup-compatibility/2006" xmlns:mv="urn:schemas-microsoft-com:mac:vml" xmlns:p="http://schemas.openxmlformats.org/presentationml/2006/main" xmlns:c="http://schemas.openxmlformats.org/drawingml/2006/chart" xmlns:dgm="http://schemas.openxmlformats.org/drawingml/2006/diagram" xmlns:o="urn:schemas-microsoft-com:office:office" xmlns:v="urn:schemas-microsoft-com:vml" xmlns:pvml="urn:schemas-microsoft-com:office:powerpoint" xmlns:com="http://schemas.openxmlformats.org/drawingml/2006/compatibility" xmlns:p14="http://schemas.microsoft.com/office/powerpoint/2010/main" xmlns:p15="http://schemas.microsoft.com/office/powerpoint/2012/main" xmlns:ahyp="http://schemas.microsoft.com/office/drawing/2018/hyperlinkcolor" showMasterPhAnim="0" showMasterSp="0">
+  <p:cSld>
+    <p:spTree>
+      <p:nvGrpSpPr>
+        <p:cNvPr id="194" name="Shape 194"/>
+        <p:cNvGrpSpPr/>
+        <p:nvPr/>
+      </p:nvGrpSpPr>
+      <p:grpSpPr>
+        <a:xfrm>
+          <a:off x="0" y="0"/>
+          <a:ext cx="0" cy="0"/>
+          <a:chOff x="0" y="0"/>
+          <a:chExt cx="0" cy="0"/>
+        </a:xfrm>
+      </p:grpSpPr>
+      <p:sp>
+        <p:nvSpPr>
+          <p:cNvPr id="195" name="Google Shape;195;p10:notes"/>
+          <p:cNvSpPr txBox="1"/>
+          <p:nvPr>
+            <p:ph idx="1" type="body"/>
+          </p:nvPr>
+        </p:nvSpPr>
+        <p:spPr>
+          <a:xfrm>
+            <a:off x="685800" y="4343400"/>
+            <a:ext cx="5486400" cy="4114800"/>
+          </a:xfrm>
+          <a:prstGeom prst="rect">
+            <a:avLst/>
+          </a:prstGeom>
+          <a:noFill/>
+          <a:ln>
+            <a:noFill/>
+          </a:ln>
+        </p:spPr>
+        <p:txBody>
+          <a:bodyPr anchorCtr="0" anchor="t" bIns="91425" lIns="91425" spcFirstLastPara="1" rIns="91425" wrap="square" tIns="91425">
+            <a:noAutofit/>
+          </a:bodyPr>
+          <a:lstStyle/>
+          <a:p>
+            <a:pPr indent="0" lvl="0" marL="0" rtl="0" algn="l">
+              <a:lnSpc>
+                <a:spcPct val="100000"/>
+              </a:lnSpc>
+              <a:spcBef>
+                <a:spcPts val="0"/>
+              </a:spcBef>
+              <a:spcAft>
+                <a:spcPts val="0"/>
+              </a:spcAft>
+              <a:buClr>
+                <a:schemeClr val="dk1"/>
+              </a:buClr>
+              <a:buSzPts val="1100"/>
+              <a:buFont typeface="Arial"/>
+              <a:buNone/>
+            </a:pPr>
+            <a:r>
+              <a:t/>
+            </a:r>
+            <a:endParaRPr>
+              <a:solidFill>
+                <a:schemeClr val="dk1"/>
+              </a:solidFill>
+            </a:endParaRPr>
+          </a:p>
+        </p:txBody>
+      </p:sp>
+      <p:sp>
+        <p:nvSpPr>
+          <p:cNvPr id="196" name="Google Shape;196;p10:notes"/>
+          <p:cNvSpPr/>
+          <p:nvPr>
+            <p:ph idx="2" type="sldImg"/>
+          </p:nvPr>
+        </p:nvSpPr>
+        <p:spPr>
+          <a:xfrm>
+            <a:off x="381000" y="685800"/>
+            <a:ext cx="6096000" cy="3429000"/>
+          </a:xfrm>
+          <a:custGeom>
+            <a:rect b="b" l="l" r="r" t="t"/>
+            <a:pathLst>
+              <a:path extrusionOk="0" h="120000" w="120000">
+                <a:moveTo>
+                  <a:pt x="0" y="0"/>
+                </a:moveTo>
+                <a:lnTo>
+                  <a:pt x="120000" y="0"/>
+                </a:lnTo>
+                <a:lnTo>
+                  <a:pt x="120000" y="120000"/>
+                </a:lnTo>
+                <a:lnTo>
+                  <a:pt x="0" y="120000"/>
+                </a:lnTo>
+                <a:close/>
+              </a:path>
+            </a:pathLst>
+          </a:custGeom>
+          <a:noFill/>
+          <a:ln cap="flat" cmpd="sng" w="9525">
+            <a:solidFill>
+              <a:srgbClr val="000000"/>
+            </a:solidFill>
+            <a:prstDash val="solid"/>
+            <a:round/>
+            <a:headEnd len="sm" w="sm" type="none"/>
+            <a:tailEnd len="sm" w="sm" type="none"/>
+          </a:ln>
+        </p:spPr>
+      </p:sp>
+    </p:spTree>
+  </p:cSld>
+  <p:clrMapOvr>
+    <a:masterClrMapping/>
+  </p:clrMapOvr>
+</p:notes>
+</file>
+
 <file path=ppt/notesSlides/notesSlide2.xml><?xml version="1.0" encoding="utf-8"?>
 <p:notes xmlns:a="http://schemas.openxmlformats.org/drawingml/2006/main" xmlns:r="http://schemas.openxmlformats.org/officeDocument/2006/relationships" xmlns:mc="http://schemas.openxmlformats.org/markup-compatibility/2006" xmlns:mv="urn:schemas-microsoft-com:mac:vml" xmlns:p="http://schemas.openxmlformats.org/presentationml/2006/main" xmlns:c="http://schemas.openxmlformats.org/drawingml/2006/chart" xmlns:dgm="http://schemas.openxmlformats.org/drawingml/2006/diagram" xmlns:o="urn:schemas-microsoft-com:office:office" xmlns:v="urn:schemas-microsoft-com:vml" xmlns:pvml="urn:schemas-microsoft-com:office:powerpoint" xmlns:com="http://schemas.openxmlformats.org/drawingml/2006/compatibility" xmlns:p14="http://schemas.microsoft.com/office/powerpoint/2010/main" xmlns:p15="http://schemas.microsoft.com/office/powerpoint/2012/main" xmlns:ahyp="http://schemas.microsoft.com/office/drawing/2018/hyperlinkcolor" showMasterPhAnim="0" showMasterSp="0">
   <p:cSld>
@@ -1382,128 +1508,7 @@
       </p:grpSpPr>
       <p:sp>
         <p:nvSpPr>
-          <p:cNvPr id="85" name="Google Shape;85;p6:notes"/>
-          <p:cNvSpPr txBox="1"/>
-          <p:nvPr>
-            <p:ph idx="1" type="body"/>
-          </p:nvPr>
-        </p:nvSpPr>
-        <p:spPr>
-          <a:xfrm>
-            <a:off x="685800" y="4343400"/>
-            <a:ext cx="5486400" cy="4114800"/>
-          </a:xfrm>
-          <a:prstGeom prst="rect">
-            <a:avLst/>
-          </a:prstGeom>
-          <a:noFill/>
-          <a:ln>
-            <a:noFill/>
-          </a:ln>
-        </p:spPr>
-        <p:txBody>
-          <a:bodyPr anchorCtr="0" anchor="t" bIns="91425" lIns="91425" spcFirstLastPara="1" rIns="91425" wrap="square" tIns="91425">
-            <a:noAutofit/>
-          </a:bodyPr>
-          <a:lstStyle/>
-          <a:p>
-            <a:pPr indent="0" lvl="0" marL="0" rtl="0" algn="l">
-              <a:lnSpc>
-                <a:spcPct val="100000"/>
-              </a:lnSpc>
-              <a:spcBef>
-                <a:spcPts val="0"/>
-              </a:spcBef>
-              <a:spcAft>
-                <a:spcPts val="0"/>
-              </a:spcAft>
-              <a:buClr>
-                <a:schemeClr val="dk1"/>
-              </a:buClr>
-              <a:buSzPts val="1100"/>
-              <a:buFont typeface="Arial"/>
-              <a:buNone/>
-            </a:pPr>
-            <a:r>
-              <a:t/>
-            </a:r>
-            <a:endParaRPr/>
-          </a:p>
-        </p:txBody>
-      </p:sp>
-      <p:sp>
-        <p:nvSpPr>
-          <p:cNvPr id="86" name="Google Shape;86;p6:notes"/>
-          <p:cNvSpPr/>
-          <p:nvPr>
-            <p:ph idx="2" type="sldImg"/>
-          </p:nvPr>
-        </p:nvSpPr>
-        <p:spPr>
-          <a:xfrm>
-            <a:off x="381000" y="685800"/>
-            <a:ext cx="6096000" cy="3429000"/>
-          </a:xfrm>
-          <a:custGeom>
-            <a:rect b="b" l="l" r="r" t="t"/>
-            <a:pathLst>
-              <a:path extrusionOk="0" h="120000" w="120000">
-                <a:moveTo>
-                  <a:pt x="0" y="0"/>
-                </a:moveTo>
-                <a:lnTo>
-                  <a:pt x="120000" y="0"/>
-                </a:lnTo>
-                <a:lnTo>
-                  <a:pt x="120000" y="120000"/>
-                </a:lnTo>
-                <a:lnTo>
-                  <a:pt x="0" y="120000"/>
-                </a:lnTo>
-                <a:close/>
-              </a:path>
-            </a:pathLst>
-          </a:custGeom>
-          <a:noFill/>
-          <a:ln cap="flat" cmpd="sng" w="9525">
-            <a:solidFill>
-              <a:srgbClr val="000000"/>
-            </a:solidFill>
-            <a:prstDash val="solid"/>
-            <a:round/>
-            <a:headEnd len="sm" w="sm" type="none"/>
-            <a:tailEnd len="sm" w="sm" type="none"/>
-          </a:ln>
-        </p:spPr>
-      </p:sp>
-    </p:spTree>
-  </p:cSld>
-  <p:clrMapOvr>
-    <a:masterClrMapping/>
-  </p:clrMapOvr>
-</p:notes>
-</file>
-
-<file path=ppt/notesSlides/notesSlide6.xml><?xml version="1.0" encoding="utf-8"?>
-<p:notes xmlns:a="http://schemas.openxmlformats.org/drawingml/2006/main" xmlns:r="http://schemas.openxmlformats.org/officeDocument/2006/relationships" xmlns:mc="http://schemas.openxmlformats.org/markup-compatibility/2006" xmlns:mv="urn:schemas-microsoft-com:mac:vml" xmlns:p="http://schemas.openxmlformats.org/presentationml/2006/main" xmlns:c="http://schemas.openxmlformats.org/drawingml/2006/chart" xmlns:dgm="http://schemas.openxmlformats.org/drawingml/2006/diagram" xmlns:o="urn:schemas-microsoft-com:office:office" xmlns:v="urn:schemas-microsoft-com:vml" xmlns:pvml="urn:schemas-microsoft-com:office:powerpoint" xmlns:com="http://schemas.openxmlformats.org/drawingml/2006/compatibility" xmlns:p14="http://schemas.microsoft.com/office/powerpoint/2010/main" xmlns:p15="http://schemas.microsoft.com/office/powerpoint/2012/main" xmlns:ahyp="http://schemas.microsoft.com/office/drawing/2018/hyperlinkcolor" showMasterPhAnim="0" showMasterSp="0">
-  <p:cSld>
-    <p:spTree>
-      <p:nvGrpSpPr>
-        <p:cNvPr id="113" name="Shape 113"/>
-        <p:cNvGrpSpPr/>
-        <p:nvPr/>
-      </p:nvGrpSpPr>
-      <p:grpSpPr>
-        <a:xfrm>
-          <a:off x="0" y="0"/>
-          <a:ext cx="0" cy="0"/>
-          <a:chOff x="0" y="0"/>
-          <a:chExt cx="0" cy="0"/>
-        </a:xfrm>
-      </p:grpSpPr>
-      <p:sp>
-        <p:nvSpPr>
-          <p:cNvPr id="114" name="Google Shape;114;g15e82f3f442_33_1:notes"/>
+          <p:cNvPr id="85" name="Google Shape;85;g15e82f3f442_33_1:notes"/>
           <p:cNvSpPr/>
           <p:nvPr>
             <p:ph idx="2" type="sldImg"/>
@@ -1538,7 +1543,106 @@
       </p:sp>
       <p:sp>
         <p:nvSpPr>
-          <p:cNvPr id="115" name="Google Shape;115;g15e82f3f442_33_1:notes"/>
+          <p:cNvPr id="86" name="Google Shape;86;g15e82f3f442_33_1:notes"/>
+          <p:cNvSpPr txBox="1"/>
+          <p:nvPr>
+            <p:ph idx="1" type="body"/>
+          </p:nvPr>
+        </p:nvSpPr>
+        <p:spPr>
+          <a:xfrm>
+            <a:off x="685800" y="4343400"/>
+            <a:ext cx="5486400" cy="4114800"/>
+          </a:xfrm>
+          <a:prstGeom prst="rect">
+            <a:avLst/>
+          </a:prstGeom>
+        </p:spPr>
+        <p:txBody>
+          <a:bodyPr anchorCtr="0" anchor="t" bIns="91425" lIns="91425" spcFirstLastPara="1" rIns="91425" wrap="square" tIns="91425">
+            <a:noAutofit/>
+          </a:bodyPr>
+          <a:lstStyle/>
+          <a:p>
+            <a:pPr indent="0" lvl="0" marL="0" rtl="0" algn="l">
+              <a:spcBef>
+                <a:spcPts val="0"/>
+              </a:spcBef>
+              <a:spcAft>
+                <a:spcPts val="0"/>
+              </a:spcAft>
+              <a:buNone/>
+            </a:pPr>
+            <a:r>
+              <a:t/>
+            </a:r>
+            <a:endParaRPr/>
+          </a:p>
+        </p:txBody>
+      </p:sp>
+    </p:spTree>
+  </p:cSld>
+  <p:clrMapOvr>
+    <a:masterClrMapping/>
+  </p:clrMapOvr>
+</p:notes>
+</file>
+
+<file path=ppt/notesSlides/notesSlide6.xml><?xml version="1.0" encoding="utf-8"?>
+<p:notes xmlns:a="http://schemas.openxmlformats.org/drawingml/2006/main" xmlns:r="http://schemas.openxmlformats.org/officeDocument/2006/relationships" xmlns:mc="http://schemas.openxmlformats.org/markup-compatibility/2006" xmlns:mv="urn:schemas-microsoft-com:mac:vml" xmlns:p="http://schemas.openxmlformats.org/presentationml/2006/main" xmlns:c="http://schemas.openxmlformats.org/drawingml/2006/chart" xmlns:dgm="http://schemas.openxmlformats.org/drawingml/2006/diagram" xmlns:o="urn:schemas-microsoft-com:office:office" xmlns:v="urn:schemas-microsoft-com:vml" xmlns:pvml="urn:schemas-microsoft-com:office:powerpoint" xmlns:com="http://schemas.openxmlformats.org/drawingml/2006/compatibility" xmlns:p14="http://schemas.microsoft.com/office/powerpoint/2010/main" xmlns:p15="http://schemas.microsoft.com/office/powerpoint/2012/main" xmlns:ahyp="http://schemas.microsoft.com/office/drawing/2018/hyperlinkcolor" showMasterPhAnim="0" showMasterSp="0">
+  <p:cSld>
+    <p:spTree>
+      <p:nvGrpSpPr>
+        <p:cNvPr id="123" name="Shape 123"/>
+        <p:cNvGrpSpPr/>
+        <p:nvPr/>
+      </p:nvGrpSpPr>
+      <p:grpSpPr>
+        <a:xfrm>
+          <a:off x="0" y="0"/>
+          <a:ext cx="0" cy="0"/>
+          <a:chOff x="0" y="0"/>
+          <a:chExt cx="0" cy="0"/>
+        </a:xfrm>
+      </p:grpSpPr>
+      <p:sp>
+        <p:nvSpPr>
+          <p:cNvPr id="124" name="Google Shape;124;g1608cdc3bad_0_0:notes"/>
+          <p:cNvSpPr/>
+          <p:nvPr>
+            <p:ph idx="2" type="sldImg"/>
+          </p:nvPr>
+        </p:nvSpPr>
+        <p:spPr>
+          <a:xfrm>
+            <a:off x="1143225" y="685800"/>
+            <a:ext cx="4572300" cy="3429000"/>
+          </a:xfrm>
+          <a:custGeom>
+            <a:rect b="b" l="l" r="r" t="t"/>
+            <a:pathLst>
+              <a:path extrusionOk="0" h="120000" w="120000">
+                <a:moveTo>
+                  <a:pt x="0" y="0"/>
+                </a:moveTo>
+                <a:lnTo>
+                  <a:pt x="120000" y="0"/>
+                </a:lnTo>
+                <a:lnTo>
+                  <a:pt x="120000" y="120000"/>
+                </a:lnTo>
+                <a:lnTo>
+                  <a:pt x="0" y="120000"/>
+                </a:lnTo>
+                <a:close/>
+              </a:path>
+            </a:pathLst>
+          </a:custGeom>
+        </p:spPr>
+      </p:sp>
+      <p:sp>
+        <p:nvSpPr>
+          <p:cNvPr id="125" name="Google Shape;125;g1608cdc3bad_0_0:notes"/>
           <p:cNvSpPr txBox="1"/>
           <p:nvPr>
             <p:ph idx="1" type="body"/>
@@ -1588,7 +1692,7 @@
   <p:cSld>
     <p:spTree>
       <p:nvGrpSpPr>
-        <p:cNvPr id="136" name="Shape 136"/>
+        <p:cNvPr id="137" name="Shape 137"/>
         <p:cNvGrpSpPr/>
         <p:nvPr/>
       </p:nvGrpSpPr>
@@ -1602,7 +1706,7 @@
       </p:grpSpPr>
       <p:sp>
         <p:nvSpPr>
-          <p:cNvPr id="137" name="Google Shape;137;p7:notes"/>
+          <p:cNvPr id="138" name="Google Shape;138;p6:notes"/>
           <p:cNvSpPr txBox="1"/>
           <p:nvPr>
             <p:ph idx="1" type="body"/>
@@ -1653,7 +1757,7 @@
       </p:sp>
       <p:sp>
         <p:nvSpPr>
-          <p:cNvPr id="138" name="Google Shape;138;p7:notes"/>
+          <p:cNvPr id="139" name="Google Shape;139;p6:notes"/>
           <p:cNvSpPr/>
           <p:nvPr>
             <p:ph idx="2" type="sldImg"/>
@@ -1709,7 +1813,7 @@
   <p:cSld>
     <p:spTree>
       <p:nvGrpSpPr>
-        <p:cNvPr id="157" name="Shape 157"/>
+        <p:cNvPr id="166" name="Shape 166"/>
         <p:cNvGrpSpPr/>
         <p:nvPr/>
       </p:nvGrpSpPr>
@@ -1723,7 +1827,7 @@
       </p:grpSpPr>
       <p:sp>
         <p:nvSpPr>
-          <p:cNvPr id="158" name="Google Shape;158;p9:notes"/>
+          <p:cNvPr id="167" name="Google Shape;167;p7:notes"/>
           <p:cNvSpPr txBox="1"/>
           <p:nvPr>
             <p:ph idx="1" type="body"/>
@@ -1774,7 +1878,7 @@
       </p:sp>
       <p:sp>
         <p:nvSpPr>
-          <p:cNvPr id="159" name="Google Shape;159;p9:notes"/>
+          <p:cNvPr id="168" name="Google Shape;168;p7:notes"/>
           <p:cNvSpPr/>
           <p:nvPr>
             <p:ph idx="2" type="sldImg"/>
@@ -1830,7 +1934,7 @@
   <p:cSld>
     <p:spTree>
       <p:nvGrpSpPr>
-        <p:cNvPr id="164" name="Shape 164"/>
+        <p:cNvPr id="187" name="Shape 187"/>
         <p:cNvGrpSpPr/>
         <p:nvPr/>
       </p:nvGrpSpPr>
@@ -1844,7 +1948,7 @@
       </p:grpSpPr>
       <p:sp>
         <p:nvSpPr>
-          <p:cNvPr id="165" name="Google Shape;165;p10:notes"/>
+          <p:cNvPr id="188" name="Google Shape;188;p9:notes"/>
           <p:cNvSpPr txBox="1"/>
           <p:nvPr>
             <p:ph idx="1" type="body"/>
@@ -1889,17 +1993,13 @@
             <a:r>
               <a:t/>
             </a:r>
-            <a:endParaRPr>
-              <a:solidFill>
-                <a:schemeClr val="dk1"/>
-              </a:solidFill>
-            </a:endParaRPr>
+            <a:endParaRPr/>
           </a:p>
         </p:txBody>
       </p:sp>
       <p:sp>
         <p:nvSpPr>
-          <p:cNvPr id="166" name="Google Shape;166;p10:notes"/>
+          <p:cNvPr id="189" name="Google Shape;189;p9:notes"/>
           <p:cNvSpPr/>
           <p:nvPr>
             <p:ph idx="2" type="sldImg"/>
@@ -7499,6 +7599,97 @@
 </p:sld>
 </file>
 
+<file path=ppt/slides/slide10.xml><?xml version="1.0" encoding="utf-8"?>
+<p:sld xmlns:a="http://schemas.openxmlformats.org/drawingml/2006/main" xmlns:r="http://schemas.openxmlformats.org/officeDocument/2006/relationships" xmlns:mc="http://schemas.openxmlformats.org/markup-compatibility/2006" xmlns:mv="urn:schemas-microsoft-com:mac:vml" xmlns:p="http://schemas.openxmlformats.org/presentationml/2006/main" xmlns:c="http://schemas.openxmlformats.org/drawingml/2006/chart" xmlns:dgm="http://schemas.openxmlformats.org/drawingml/2006/diagram" xmlns:o="urn:schemas-microsoft-com:office:office" xmlns:v="urn:schemas-microsoft-com:vml" xmlns:pvml="urn:schemas-microsoft-com:office:powerpoint" xmlns:com="http://schemas.openxmlformats.org/drawingml/2006/compatibility" xmlns:p14="http://schemas.microsoft.com/office/powerpoint/2010/main" xmlns:p15="http://schemas.microsoft.com/office/powerpoint/2012/main" xmlns:ahyp="http://schemas.microsoft.com/office/drawing/2018/hyperlinkcolor">
+  <p:cSld>
+    <p:spTree>
+      <p:nvGrpSpPr>
+        <p:cNvPr id="197" name="Shape 197"/>
+        <p:cNvGrpSpPr/>
+        <p:nvPr/>
+      </p:nvGrpSpPr>
+      <p:grpSpPr>
+        <a:xfrm>
+          <a:off x="0" y="0"/>
+          <a:ext cx="0" cy="0"/>
+          <a:chOff x="0" y="0"/>
+          <a:chExt cx="0" cy="0"/>
+        </a:xfrm>
+      </p:grpSpPr>
+      <p:sp>
+        <p:nvSpPr>
+          <p:cNvPr id="198" name="Google Shape;198;p10"/>
+          <p:cNvSpPr txBox="1"/>
+          <p:nvPr/>
+        </p:nvSpPr>
+        <p:spPr>
+          <a:xfrm>
+            <a:off x="2502794" y="2846231"/>
+            <a:ext cx="7186412" cy="769441"/>
+          </a:xfrm>
+          <a:prstGeom prst="rect">
+            <a:avLst/>
+          </a:prstGeom>
+          <a:noFill/>
+          <a:ln>
+            <a:noFill/>
+          </a:ln>
+        </p:spPr>
+        <p:txBody>
+          <a:bodyPr anchorCtr="0" anchor="t" bIns="45700" lIns="91425" spcFirstLastPara="1" rIns="91425" wrap="square" tIns="45700">
+            <a:noAutofit/>
+          </a:bodyPr>
+          <a:lstStyle/>
+          <a:p>
+            <a:pPr indent="0" lvl="0" marL="0" marR="0" rtl="0" algn="ctr">
+              <a:lnSpc>
+                <a:spcPct val="100000"/>
+              </a:lnSpc>
+              <a:spcBef>
+                <a:spcPts val="0"/>
+              </a:spcBef>
+              <a:spcAft>
+                <a:spcPts val="0"/>
+              </a:spcAft>
+              <a:buClr>
+                <a:srgbClr val="000000"/>
+              </a:buClr>
+              <a:buSzPts val="4400"/>
+              <a:buFont typeface="Arial"/>
+              <a:buNone/>
+            </a:pPr>
+            <a:r>
+              <a:rPr b="0" i="0" lang="ko-KR" sz="4400" u="none" cap="none" strike="noStrike">
+                <a:solidFill>
+                  <a:schemeClr val="dk1"/>
+                </a:solidFill>
+                <a:latin typeface="Arial"/>
+                <a:ea typeface="Arial"/>
+                <a:cs typeface="Arial"/>
+                <a:sym typeface="Arial"/>
+              </a:rPr>
+              <a:t>End of Document</a:t>
+            </a:r>
+            <a:endParaRPr b="0" i="0" sz="4400" u="none" cap="none" strike="noStrike">
+              <a:solidFill>
+                <a:schemeClr val="dk1"/>
+              </a:solidFill>
+              <a:latin typeface="Arial"/>
+              <a:ea typeface="Arial"/>
+              <a:cs typeface="Arial"/>
+              <a:sym typeface="Arial"/>
+            </a:endParaRPr>
+          </a:p>
+        </p:txBody>
+      </p:sp>
+    </p:spTree>
+  </p:cSld>
+  <p:clrMapOvr>
+    <a:masterClrMapping/>
+  </p:clrMapOvr>
+</p:sld>
+</file>
+
 <file path=ppt/slides/slide2.xml><?xml version="1.0" encoding="utf-8"?>
 <p:sld xmlns:a="http://schemas.openxmlformats.org/drawingml/2006/main" xmlns:r="http://schemas.openxmlformats.org/officeDocument/2006/relationships" xmlns:mc="http://schemas.openxmlformats.org/markup-compatibility/2006" xmlns:mv="urn:schemas-microsoft-com:mac:vml" xmlns:p="http://schemas.openxmlformats.org/presentationml/2006/main" xmlns:c="http://schemas.openxmlformats.org/drawingml/2006/chart" xmlns:dgm="http://schemas.openxmlformats.org/drawingml/2006/diagram" xmlns:o="urn:schemas-microsoft-com:office:office" xmlns:v="urn:schemas-microsoft-com:vml" xmlns:pvml="urn:schemas-microsoft-com:office:powerpoint" xmlns:com="http://schemas.openxmlformats.org/drawingml/2006/compatibility" xmlns:p14="http://schemas.microsoft.com/office/powerpoint/2010/main" xmlns:p15="http://schemas.microsoft.com/office/powerpoint/2012/main" xmlns:ahyp="http://schemas.microsoft.com/office/drawing/2018/hyperlinkcolor">
   <p:cSld>
@@ -7708,7 +7899,7 @@
             </a:pPr>
             <a:r>
               <a:rPr b="1" lang="ko-KR" sz="2204"/>
-              <a:t>프로젝트 조직 및 역할</a:t>
+              <a:t>프로젝트 구성도</a:t>
             </a:r>
             <a:endParaRPr b="1" sz="2204"/>
           </a:p>
@@ -7731,7 +7922,7 @@
             </a:pPr>
             <a:r>
               <a:rPr b="1" lang="ko-KR" sz="2204"/>
-              <a:t>프로젝트 구성도</a:t>
+              <a:t>프로젝트 조직 및 역할</a:t>
             </a:r>
             <a:endParaRPr b="1" sz="2204"/>
           </a:p>
@@ -7962,7 +8153,7 @@
             </a:pPr>
             <a:r>
               <a:rPr lang="ko-KR"/>
-              <a:t>적조 현상 예측 모델 개발</a:t>
+              <a:t>적조 현상 예측 서비스 제공</a:t>
             </a:r>
             <a:r>
               <a:rPr b="1" i="0" lang="ko-KR" sz="2000" u="none" cap="none" strike="noStrike">
@@ -11007,7 +11198,7 @@
       </p:grpSpPr>
       <p:sp>
         <p:nvSpPr>
-          <p:cNvPr id="88" name="Google Shape;88;p6"/>
+          <p:cNvPr id="88" name="Google Shape;88;g15e82f3f442_33_1"/>
           <p:cNvSpPr txBox="1"/>
           <p:nvPr>
             <p:ph type="title"/>
@@ -11063,6 +11254,2144 @@
                 <a:cs typeface="Arial"/>
                 <a:sym typeface="Arial"/>
               </a:rPr>
+              <a:t>. 프로젝트 </a:t>
+            </a:r>
+            <a:r>
+              <a:rPr lang="ko-KR"/>
+              <a:t>구성도</a:t>
+            </a:r>
+            <a:endParaRPr/>
+          </a:p>
+        </p:txBody>
+      </p:sp>
+      <p:grpSp>
+        <p:nvGrpSpPr>
+          <p:cNvPr id="89" name="Google Shape;89;g15e82f3f442_33_1"/>
+          <p:cNvGrpSpPr/>
+          <p:nvPr/>
+        </p:nvGrpSpPr>
+        <p:grpSpPr>
+          <a:xfrm>
+            <a:off x="479435" y="977975"/>
+            <a:ext cx="10194039" cy="5532950"/>
+            <a:chOff x="-463382" y="957801"/>
+            <a:chExt cx="10025609" cy="5532950"/>
+          </a:xfrm>
+        </p:grpSpPr>
+        <p:sp>
+          <p:nvSpPr>
+            <p:cNvPr id="90" name="Google Shape;90;g15e82f3f442_33_1"/>
+            <p:cNvSpPr/>
+            <p:nvPr/>
+          </p:nvSpPr>
+          <p:spPr>
+            <a:xfrm>
+              <a:off x="2630727" y="1823951"/>
+              <a:ext cx="6931500" cy="4666800"/>
+            </a:xfrm>
+            <a:prstGeom prst="roundRect">
+              <a:avLst>
+                <a:gd fmla="val 16667" name="adj"/>
+              </a:avLst>
+            </a:prstGeom>
+            <a:solidFill>
+              <a:schemeClr val="lt2"/>
+            </a:solidFill>
+            <a:ln cap="flat" cmpd="sng" w="28575">
+              <a:solidFill>
+                <a:schemeClr val="dk2"/>
+              </a:solidFill>
+              <a:prstDash val="solid"/>
+              <a:round/>
+              <a:headEnd len="sm" w="sm" type="none"/>
+              <a:tailEnd len="sm" w="sm" type="none"/>
+            </a:ln>
+            <a:effectLst>
+              <a:outerShdw blurRad="57150" rotWithShape="0" algn="bl" dir="5400000" dist="19050">
+                <a:srgbClr val="000000">
+                  <a:alpha val="50000"/>
+                </a:srgbClr>
+              </a:outerShdw>
+            </a:effectLst>
+          </p:spPr>
+          <p:txBody>
+            <a:bodyPr anchorCtr="0" anchor="ctr" bIns="91425" lIns="91425" spcFirstLastPara="1" rIns="91425" wrap="square" tIns="91425">
+              <a:noAutofit/>
+            </a:bodyPr>
+            <a:lstStyle/>
+            <a:p>
+              <a:pPr indent="0" lvl="0" marL="0" rtl="0" algn="l">
+                <a:spcBef>
+                  <a:spcPts val="0"/>
+                </a:spcBef>
+                <a:spcAft>
+                  <a:spcPts val="0"/>
+                </a:spcAft>
+                <a:buNone/>
+              </a:pPr>
+              <a:r>
+                <a:t/>
+              </a:r>
+              <a:endParaRPr/>
+            </a:p>
+          </p:txBody>
+        </p:sp>
+        <p:sp>
+          <p:nvSpPr>
+            <p:cNvPr id="91" name="Google Shape;91;g15e82f3f442_33_1"/>
+            <p:cNvSpPr/>
+            <p:nvPr/>
+          </p:nvSpPr>
+          <p:spPr>
+            <a:xfrm>
+              <a:off x="-463382" y="3549124"/>
+              <a:ext cx="1203900" cy="1178100"/>
+            </a:xfrm>
+            <a:prstGeom prst="roundRect">
+              <a:avLst>
+                <a:gd fmla="val 16667" name="adj"/>
+              </a:avLst>
+            </a:prstGeom>
+            <a:solidFill>
+              <a:srgbClr val="D9D9D9"/>
+            </a:solidFill>
+            <a:ln cap="flat" cmpd="sng" w="28575">
+              <a:solidFill>
+                <a:schemeClr val="dk2"/>
+              </a:solidFill>
+              <a:prstDash val="solid"/>
+              <a:round/>
+              <a:headEnd len="sm" w="sm" type="none"/>
+              <a:tailEnd len="sm" w="sm" type="none"/>
+            </a:ln>
+          </p:spPr>
+          <p:txBody>
+            <a:bodyPr anchorCtr="0" anchor="ctr" bIns="91425" lIns="91425" spcFirstLastPara="1" rIns="91425" wrap="square" tIns="91425">
+              <a:noAutofit/>
+            </a:bodyPr>
+            <a:lstStyle/>
+            <a:p>
+              <a:pPr indent="0" lvl="0" marL="0" rtl="0" algn="ctr">
+                <a:spcBef>
+                  <a:spcPts val="0"/>
+                </a:spcBef>
+                <a:spcAft>
+                  <a:spcPts val="0"/>
+                </a:spcAft>
+                <a:buNone/>
+              </a:pPr>
+              <a:r>
+                <a:rPr b="1" lang="ko-KR" sz="1500"/>
+                <a:t>U</a:t>
+              </a:r>
+              <a:r>
+                <a:rPr b="1" lang="ko-KR" sz="1500"/>
+                <a:t>ser</a:t>
+              </a:r>
+              <a:endParaRPr b="1" sz="1500"/>
+            </a:p>
+          </p:txBody>
+        </p:sp>
+        <p:sp>
+          <p:nvSpPr>
+            <p:cNvPr id="92" name="Google Shape;92;g15e82f3f442_33_1"/>
+            <p:cNvSpPr txBox="1"/>
+            <p:nvPr/>
+          </p:nvSpPr>
+          <p:spPr>
+            <a:xfrm>
+              <a:off x="878612" y="4380176"/>
+              <a:ext cx="1614000" cy="1339200"/>
+            </a:xfrm>
+            <a:prstGeom prst="rect">
+              <a:avLst/>
+            </a:prstGeom>
+            <a:noFill/>
+            <a:ln cap="flat" cmpd="sng" w="28575">
+              <a:solidFill>
+                <a:srgbClr val="000000"/>
+              </a:solidFill>
+              <a:prstDash val="solid"/>
+              <a:round/>
+              <a:headEnd len="sm" w="sm" type="none"/>
+              <a:tailEnd len="sm" w="sm" type="none"/>
+            </a:ln>
+          </p:spPr>
+          <p:txBody>
+            <a:bodyPr anchorCtr="0" anchor="t" bIns="91425" lIns="91425" spcFirstLastPara="1" rIns="91425" wrap="square" tIns="91425">
+              <a:spAutoFit/>
+            </a:bodyPr>
+            <a:lstStyle/>
+            <a:p>
+              <a:pPr indent="0" lvl="0" marL="0" rtl="0" algn="ctr">
+                <a:spcBef>
+                  <a:spcPts val="0"/>
+                </a:spcBef>
+                <a:spcAft>
+                  <a:spcPts val="0"/>
+                </a:spcAft>
+                <a:buNone/>
+              </a:pPr>
+              <a:r>
+                <a:rPr b="1" lang="ko-KR" sz="1500"/>
+                <a:t>적조 예측값</a:t>
+              </a:r>
+              <a:endParaRPr b="1" sz="1500"/>
+            </a:p>
+            <a:p>
+              <a:pPr indent="0" lvl="0" marL="0" rtl="0" algn="ctr">
+                <a:spcBef>
+                  <a:spcPts val="0"/>
+                </a:spcBef>
+                <a:spcAft>
+                  <a:spcPts val="0"/>
+                </a:spcAft>
+                <a:buNone/>
+              </a:pPr>
+              <a:r>
+                <a:rPr b="1" lang="ko-KR" sz="1500"/>
+                <a:t>적조 정보</a:t>
+              </a:r>
+              <a:endParaRPr b="1" sz="1500"/>
+            </a:p>
+            <a:p>
+              <a:pPr indent="0" lvl="0" marL="0" rtl="0" algn="ctr">
+                <a:spcBef>
+                  <a:spcPts val="0"/>
+                </a:spcBef>
+                <a:spcAft>
+                  <a:spcPts val="0"/>
+                </a:spcAft>
+                <a:buNone/>
+              </a:pPr>
+              <a:r>
+                <a:rPr b="1" lang="ko-KR" sz="1500"/>
+                <a:t>관광 정보</a:t>
+              </a:r>
+              <a:endParaRPr b="1" sz="1500"/>
+            </a:p>
+            <a:p>
+              <a:pPr indent="0" lvl="0" marL="0" rtl="0" algn="ctr">
+                <a:spcBef>
+                  <a:spcPts val="0"/>
+                </a:spcBef>
+                <a:spcAft>
+                  <a:spcPts val="0"/>
+                </a:spcAft>
+                <a:buNone/>
+              </a:pPr>
+              <a:r>
+                <a:rPr b="1" lang="ko-KR" sz="1500"/>
+                <a:t>날씨 정보</a:t>
+              </a:r>
+              <a:endParaRPr b="1" sz="1500"/>
+            </a:p>
+            <a:p>
+              <a:pPr indent="0" lvl="0" marL="0" rtl="0" algn="ctr">
+                <a:spcBef>
+                  <a:spcPts val="0"/>
+                </a:spcBef>
+                <a:spcAft>
+                  <a:spcPts val="0"/>
+                </a:spcAft>
+                <a:buNone/>
+              </a:pPr>
+              <a:r>
+                <a:rPr b="1" lang="ko-KR" sz="1500"/>
+                <a:t>광고 제공</a:t>
+              </a:r>
+              <a:endParaRPr b="1" sz="1500"/>
+            </a:p>
+          </p:txBody>
+        </p:sp>
+        <p:sp>
+          <p:nvSpPr>
+            <p:cNvPr id="93" name="Google Shape;93;g15e82f3f442_33_1"/>
+            <p:cNvSpPr/>
+            <p:nvPr/>
+          </p:nvSpPr>
+          <p:spPr>
+            <a:xfrm>
+              <a:off x="4384878" y="2308925"/>
+              <a:ext cx="1411200" cy="805800"/>
+            </a:xfrm>
+            <a:prstGeom prst="roundRect">
+              <a:avLst>
+                <a:gd fmla="val 16667" name="adj"/>
+              </a:avLst>
+            </a:prstGeom>
+            <a:solidFill>
+              <a:srgbClr val="D6CCC2"/>
+            </a:solidFill>
+            <a:ln cap="flat" cmpd="sng" w="28575">
+              <a:solidFill>
+                <a:schemeClr val="dk2"/>
+              </a:solidFill>
+              <a:prstDash val="solid"/>
+              <a:round/>
+              <a:headEnd len="sm" w="sm" type="none"/>
+              <a:tailEnd len="sm" w="sm" type="none"/>
+            </a:ln>
+          </p:spPr>
+          <p:txBody>
+            <a:bodyPr anchorCtr="0" anchor="ctr" bIns="91425" lIns="91425" spcFirstLastPara="1" rIns="91425" wrap="square" tIns="91425">
+              <a:noAutofit/>
+            </a:bodyPr>
+            <a:lstStyle/>
+            <a:p>
+              <a:pPr indent="0" lvl="0" marL="0" rtl="0" algn="ctr">
+                <a:spcBef>
+                  <a:spcPts val="0"/>
+                </a:spcBef>
+                <a:spcAft>
+                  <a:spcPts val="0"/>
+                </a:spcAft>
+                <a:buNone/>
+              </a:pPr>
+              <a:r>
+                <a:rPr b="1" lang="ko-KR" sz="1500"/>
+                <a:t>R</a:t>
+              </a:r>
+              <a:r>
+                <a:rPr b="1" lang="ko-KR" sz="1500"/>
+                <a:t>awData</a:t>
+              </a:r>
+              <a:endParaRPr b="1" sz="1500"/>
+            </a:p>
+            <a:p>
+              <a:pPr indent="0" lvl="0" marL="0" rtl="0" algn="ctr">
+                <a:spcBef>
+                  <a:spcPts val="0"/>
+                </a:spcBef>
+                <a:spcAft>
+                  <a:spcPts val="0"/>
+                </a:spcAft>
+                <a:buNone/>
+              </a:pPr>
+              <a:r>
+                <a:rPr b="1" lang="ko-KR" sz="1500"/>
+                <a:t>수집 모듈</a:t>
+              </a:r>
+              <a:endParaRPr b="1" sz="1500"/>
+            </a:p>
+          </p:txBody>
+        </p:sp>
+        <p:sp>
+          <p:nvSpPr>
+            <p:cNvPr id="94" name="Google Shape;94;g15e82f3f442_33_1"/>
+            <p:cNvSpPr txBox="1"/>
+            <p:nvPr/>
+          </p:nvSpPr>
+          <p:spPr>
+            <a:xfrm>
+              <a:off x="878612" y="3257826"/>
+              <a:ext cx="1614000" cy="687900"/>
+            </a:xfrm>
+            <a:prstGeom prst="rect">
+              <a:avLst/>
+            </a:prstGeom>
+            <a:noFill/>
+            <a:ln cap="flat" cmpd="sng" w="28575">
+              <a:solidFill>
+                <a:srgbClr val="000000"/>
+              </a:solidFill>
+              <a:prstDash val="solid"/>
+              <a:round/>
+              <a:headEnd len="sm" w="sm" type="none"/>
+              <a:tailEnd len="sm" w="sm" type="none"/>
+            </a:ln>
+          </p:spPr>
+          <p:txBody>
+            <a:bodyPr anchorCtr="0" anchor="t" bIns="91425" lIns="91425" spcFirstLastPara="1" rIns="91425" wrap="square" tIns="91425">
+              <a:noAutofit/>
+            </a:bodyPr>
+            <a:lstStyle/>
+            <a:p>
+              <a:pPr indent="0" lvl="0" marL="0" rtl="0" algn="ctr">
+                <a:spcBef>
+                  <a:spcPts val="0"/>
+                </a:spcBef>
+                <a:spcAft>
+                  <a:spcPts val="0"/>
+                </a:spcAft>
+                <a:buNone/>
+              </a:pPr>
+              <a:r>
+                <a:rPr b="1" lang="ko-KR" sz="1500"/>
+                <a:t>위치 데이터</a:t>
+              </a:r>
+              <a:endParaRPr b="1" sz="1500"/>
+            </a:p>
+            <a:p>
+              <a:pPr indent="0" lvl="0" marL="0" rtl="0" algn="ctr">
+                <a:spcBef>
+                  <a:spcPts val="0"/>
+                </a:spcBef>
+                <a:spcAft>
+                  <a:spcPts val="0"/>
+                </a:spcAft>
+                <a:buNone/>
+              </a:pPr>
+              <a:r>
+                <a:rPr b="1" lang="ko-KR" sz="1500"/>
+                <a:t>개인정보 데이터</a:t>
+              </a:r>
+              <a:endParaRPr b="1" sz="1500"/>
+            </a:p>
+          </p:txBody>
+        </p:sp>
+        <p:sp>
+          <p:nvSpPr>
+            <p:cNvPr id="95" name="Google Shape;95;g15e82f3f442_33_1"/>
+            <p:cNvSpPr/>
+            <p:nvPr/>
+          </p:nvSpPr>
+          <p:spPr>
+            <a:xfrm>
+              <a:off x="2103935" y="957801"/>
+              <a:ext cx="1800000" cy="687900"/>
+            </a:xfrm>
+            <a:prstGeom prst="roundRect">
+              <a:avLst>
+                <a:gd fmla="val 16667" name="adj"/>
+              </a:avLst>
+            </a:prstGeom>
+            <a:solidFill>
+              <a:srgbClr val="EDEDE9"/>
+            </a:solidFill>
+            <a:ln cap="flat" cmpd="sng" w="28575">
+              <a:solidFill>
+                <a:schemeClr val="dk2"/>
+              </a:solidFill>
+              <a:prstDash val="solid"/>
+              <a:round/>
+              <a:headEnd len="sm" w="sm" type="none"/>
+              <a:tailEnd len="sm" w="sm" type="none"/>
+            </a:ln>
+          </p:spPr>
+          <p:txBody>
+            <a:bodyPr anchorCtr="0" anchor="ctr" bIns="91425" lIns="91425" spcFirstLastPara="1" rIns="91425" wrap="square" tIns="91425">
+              <a:noAutofit/>
+            </a:bodyPr>
+            <a:lstStyle/>
+            <a:p>
+              <a:pPr indent="0" lvl="0" marL="0" rtl="0" algn="ctr">
+                <a:spcBef>
+                  <a:spcPts val="0"/>
+                </a:spcBef>
+                <a:spcAft>
+                  <a:spcPts val="0"/>
+                </a:spcAft>
+                <a:buNone/>
+              </a:pPr>
+              <a:r>
+                <a:rPr b="1" lang="ko-KR" sz="1500"/>
+                <a:t>기상청 Open API </a:t>
+              </a:r>
+              <a:endParaRPr b="1" sz="1500"/>
+            </a:p>
+          </p:txBody>
+        </p:sp>
+        <p:sp>
+          <p:nvSpPr>
+            <p:cNvPr id="96" name="Google Shape;96;g15e82f3f442_33_1"/>
+            <p:cNvSpPr/>
+            <p:nvPr/>
+          </p:nvSpPr>
+          <p:spPr>
+            <a:xfrm>
+              <a:off x="6277075" y="2297250"/>
+              <a:ext cx="1411200" cy="805800"/>
+            </a:xfrm>
+            <a:prstGeom prst="roundRect">
+              <a:avLst>
+                <a:gd fmla="val 16667" name="adj"/>
+              </a:avLst>
+            </a:prstGeom>
+            <a:solidFill>
+              <a:srgbClr val="D6CCC2"/>
+            </a:solidFill>
+            <a:ln cap="flat" cmpd="sng" w="28575">
+              <a:solidFill>
+                <a:schemeClr val="dk2"/>
+              </a:solidFill>
+              <a:prstDash val="solid"/>
+              <a:round/>
+              <a:headEnd len="sm" w="sm" type="none"/>
+              <a:tailEnd len="sm" w="sm" type="none"/>
+            </a:ln>
+          </p:spPr>
+          <p:txBody>
+            <a:bodyPr anchorCtr="0" anchor="ctr" bIns="91425" lIns="91425" spcFirstLastPara="1" rIns="91425" wrap="square" tIns="91425">
+              <a:noAutofit/>
+            </a:bodyPr>
+            <a:lstStyle/>
+            <a:p>
+              <a:pPr indent="0" lvl="0" marL="0" rtl="0" algn="ctr">
+                <a:spcBef>
+                  <a:spcPts val="0"/>
+                </a:spcBef>
+                <a:spcAft>
+                  <a:spcPts val="0"/>
+                </a:spcAft>
+                <a:buNone/>
+              </a:pPr>
+              <a:r>
+                <a:rPr b="1" lang="ko-KR" sz="1500"/>
+                <a:t>데이터 전처리 모듈</a:t>
+              </a:r>
+              <a:endParaRPr b="1" sz="1500"/>
+            </a:p>
+          </p:txBody>
+        </p:sp>
+        <p:sp>
+          <p:nvSpPr>
+            <p:cNvPr id="97" name="Google Shape;97;g15e82f3f442_33_1"/>
+            <p:cNvSpPr/>
+            <p:nvPr/>
+          </p:nvSpPr>
+          <p:spPr>
+            <a:xfrm>
+              <a:off x="8292165" y="2338326"/>
+              <a:ext cx="1038000" cy="3600000"/>
+            </a:xfrm>
+            <a:prstGeom prst="roundRect">
+              <a:avLst>
+                <a:gd fmla="val 16667" name="adj"/>
+              </a:avLst>
+            </a:prstGeom>
+            <a:solidFill>
+              <a:srgbClr val="D5BDAF"/>
+            </a:solidFill>
+            <a:ln cap="flat" cmpd="sng" w="28575">
+              <a:solidFill>
+                <a:schemeClr val="dk2"/>
+              </a:solidFill>
+              <a:prstDash val="solid"/>
+              <a:round/>
+              <a:headEnd len="sm" w="sm" type="none"/>
+              <a:tailEnd len="sm" w="sm" type="none"/>
+            </a:ln>
+          </p:spPr>
+          <p:txBody>
+            <a:bodyPr anchorCtr="0" anchor="ctr" bIns="91425" lIns="91425" spcFirstLastPara="1" rIns="91425" wrap="square" tIns="91425">
+              <a:noAutofit/>
+            </a:bodyPr>
+            <a:lstStyle/>
+            <a:p>
+              <a:pPr indent="0" lvl="0" marL="0" rtl="0" algn="ctr">
+                <a:spcBef>
+                  <a:spcPts val="0"/>
+                </a:spcBef>
+                <a:spcAft>
+                  <a:spcPts val="0"/>
+                </a:spcAft>
+                <a:buNone/>
+              </a:pPr>
+              <a:r>
+                <a:rPr b="1" lang="ko-KR" sz="1500"/>
+                <a:t>관계형 DB</a:t>
+              </a:r>
+              <a:endParaRPr b="1" sz="1500"/>
+            </a:p>
+          </p:txBody>
+        </p:sp>
+        <p:sp>
+          <p:nvSpPr>
+            <p:cNvPr id="98" name="Google Shape;98;g15e82f3f442_33_1"/>
+            <p:cNvSpPr/>
+            <p:nvPr/>
+          </p:nvSpPr>
+          <p:spPr>
+            <a:xfrm>
+              <a:off x="2865876" y="2338176"/>
+              <a:ext cx="1038000" cy="3600000"/>
+            </a:xfrm>
+            <a:prstGeom prst="roundRect">
+              <a:avLst>
+                <a:gd fmla="val 16667" name="adj"/>
+              </a:avLst>
+            </a:prstGeom>
+            <a:solidFill>
+              <a:srgbClr val="D5BDAF"/>
+            </a:solidFill>
+            <a:ln cap="flat" cmpd="sng" w="28575">
+              <a:solidFill>
+                <a:schemeClr val="dk2"/>
+              </a:solidFill>
+              <a:prstDash val="solid"/>
+              <a:round/>
+              <a:headEnd len="sm" w="sm" type="none"/>
+              <a:tailEnd len="sm" w="sm" type="none"/>
+            </a:ln>
+          </p:spPr>
+          <p:txBody>
+            <a:bodyPr anchorCtr="0" anchor="ctr" bIns="91425" lIns="91425" spcFirstLastPara="1" rIns="91425" wrap="square" tIns="91425">
+              <a:noAutofit/>
+            </a:bodyPr>
+            <a:lstStyle/>
+            <a:p>
+              <a:pPr indent="0" lvl="0" marL="0" rtl="0" algn="ctr">
+                <a:spcBef>
+                  <a:spcPts val="0"/>
+                </a:spcBef>
+                <a:spcAft>
+                  <a:spcPts val="0"/>
+                </a:spcAft>
+                <a:buNone/>
+              </a:pPr>
+              <a:r>
+                <a:rPr b="1" lang="ko-KR" sz="1500"/>
+                <a:t>적조 알라미</a:t>
+              </a:r>
+              <a:endParaRPr b="1" sz="1500"/>
+            </a:p>
+            <a:p>
+              <a:pPr indent="0" lvl="0" marL="0" rtl="0" algn="ctr">
+                <a:spcBef>
+                  <a:spcPts val="0"/>
+                </a:spcBef>
+                <a:spcAft>
+                  <a:spcPts val="0"/>
+                </a:spcAft>
+                <a:buNone/>
+              </a:pPr>
+              <a:r>
+                <a:rPr b="1" lang="ko-KR" sz="1500"/>
+                <a:t>GUI</a:t>
+              </a:r>
+              <a:endParaRPr b="1" sz="1500"/>
+            </a:p>
+          </p:txBody>
+        </p:sp>
+        <p:sp>
+          <p:nvSpPr>
+            <p:cNvPr id="99" name="Google Shape;99;g15e82f3f442_33_1"/>
+            <p:cNvSpPr/>
+            <p:nvPr/>
+          </p:nvSpPr>
+          <p:spPr>
+            <a:xfrm>
+              <a:off x="4388580" y="4240788"/>
+              <a:ext cx="1411200" cy="805800"/>
+            </a:xfrm>
+            <a:prstGeom prst="roundRect">
+              <a:avLst>
+                <a:gd fmla="val 16667" name="adj"/>
+              </a:avLst>
+            </a:prstGeom>
+            <a:solidFill>
+              <a:srgbClr val="E3D5CA"/>
+            </a:solidFill>
+            <a:ln cap="flat" cmpd="sng" w="28575">
+              <a:solidFill>
+                <a:schemeClr val="dk2"/>
+              </a:solidFill>
+              <a:prstDash val="solid"/>
+              <a:round/>
+              <a:headEnd len="sm" w="sm" type="none"/>
+              <a:tailEnd len="sm" w="sm" type="none"/>
+            </a:ln>
+          </p:spPr>
+          <p:txBody>
+            <a:bodyPr anchorCtr="0" anchor="ctr" bIns="91425" lIns="91425" spcFirstLastPara="1" rIns="91425" wrap="square" tIns="91425">
+              <a:noAutofit/>
+            </a:bodyPr>
+            <a:lstStyle/>
+            <a:p>
+              <a:pPr indent="0" lvl="0" marL="0" rtl="0" algn="ctr">
+                <a:spcBef>
+                  <a:spcPts val="0"/>
+                </a:spcBef>
+                <a:spcAft>
+                  <a:spcPts val="0"/>
+                </a:spcAft>
+                <a:buNone/>
+              </a:pPr>
+              <a:r>
+                <a:rPr b="1" lang="ko-KR" sz="1500"/>
+                <a:t>관광 정보 제공</a:t>
+              </a:r>
+              <a:endParaRPr b="1" sz="1500"/>
+            </a:p>
+            <a:p>
+              <a:pPr indent="0" lvl="0" marL="0" rtl="0" algn="ctr">
+                <a:spcBef>
+                  <a:spcPts val="0"/>
+                </a:spcBef>
+                <a:spcAft>
+                  <a:spcPts val="0"/>
+                </a:spcAft>
+                <a:buNone/>
+              </a:pPr>
+              <a:r>
+                <a:rPr b="1" lang="ko-KR" sz="1500"/>
+                <a:t>시스템</a:t>
+              </a:r>
+              <a:endParaRPr b="1" sz="1500"/>
+            </a:p>
+          </p:txBody>
+        </p:sp>
+        <p:sp>
+          <p:nvSpPr>
+            <p:cNvPr id="100" name="Google Shape;100;g15e82f3f442_33_1"/>
+            <p:cNvSpPr/>
+            <p:nvPr/>
+          </p:nvSpPr>
+          <p:spPr>
+            <a:xfrm>
+              <a:off x="4384871" y="3274848"/>
+              <a:ext cx="1411200" cy="805800"/>
+            </a:xfrm>
+            <a:prstGeom prst="roundRect">
+              <a:avLst>
+                <a:gd fmla="val 16667" name="adj"/>
+              </a:avLst>
+            </a:prstGeom>
+            <a:solidFill>
+              <a:srgbClr val="E3D5CA"/>
+            </a:solidFill>
+            <a:ln cap="flat" cmpd="sng" w="28575">
+              <a:solidFill>
+                <a:schemeClr val="dk2"/>
+              </a:solidFill>
+              <a:prstDash val="solid"/>
+              <a:round/>
+              <a:headEnd len="sm" w="sm" type="none"/>
+              <a:tailEnd len="sm" w="sm" type="none"/>
+            </a:ln>
+          </p:spPr>
+          <p:txBody>
+            <a:bodyPr anchorCtr="0" anchor="ctr" bIns="91425" lIns="91425" spcFirstLastPara="1" rIns="91425" wrap="square" tIns="91425">
+              <a:noAutofit/>
+            </a:bodyPr>
+            <a:lstStyle/>
+            <a:p>
+              <a:pPr indent="0" lvl="0" marL="0" rtl="0" algn="ctr">
+                <a:spcBef>
+                  <a:spcPts val="0"/>
+                </a:spcBef>
+                <a:spcAft>
+                  <a:spcPts val="0"/>
+                </a:spcAft>
+                <a:buNone/>
+              </a:pPr>
+              <a:r>
+                <a:rPr b="1" lang="ko-KR" sz="1500"/>
+                <a:t>적조 예측 시스템</a:t>
+              </a:r>
+              <a:endParaRPr b="1" sz="1500"/>
+            </a:p>
+          </p:txBody>
+        </p:sp>
+        <p:sp>
+          <p:nvSpPr>
+            <p:cNvPr id="101" name="Google Shape;101;g15e82f3f442_33_1"/>
+            <p:cNvSpPr/>
+            <p:nvPr/>
+          </p:nvSpPr>
+          <p:spPr>
+            <a:xfrm>
+              <a:off x="4194201" y="957801"/>
+              <a:ext cx="1800000" cy="687900"/>
+            </a:xfrm>
+            <a:prstGeom prst="roundRect">
+              <a:avLst>
+                <a:gd fmla="val 16667" name="adj"/>
+              </a:avLst>
+            </a:prstGeom>
+            <a:solidFill>
+              <a:srgbClr val="EDEDE9"/>
+            </a:solidFill>
+            <a:ln cap="flat" cmpd="sng" w="28575">
+              <a:solidFill>
+                <a:schemeClr val="dk2"/>
+              </a:solidFill>
+              <a:prstDash val="solid"/>
+              <a:round/>
+              <a:headEnd len="sm" w="sm" type="none"/>
+              <a:tailEnd len="sm" w="sm" type="none"/>
+            </a:ln>
+          </p:spPr>
+          <p:txBody>
+            <a:bodyPr anchorCtr="0" anchor="ctr" bIns="91425" lIns="91425" spcFirstLastPara="1" rIns="91425" wrap="square" tIns="91425">
+              <a:noAutofit/>
+            </a:bodyPr>
+            <a:lstStyle/>
+            <a:p>
+              <a:pPr indent="0" lvl="0" marL="0" rtl="0" algn="ctr">
+                <a:spcBef>
+                  <a:spcPts val="0"/>
+                </a:spcBef>
+                <a:spcAft>
+                  <a:spcPts val="0"/>
+                </a:spcAft>
+                <a:buNone/>
+              </a:pPr>
+              <a:r>
+                <a:rPr b="1" lang="ko-KR" sz="1500"/>
+                <a:t>관광 정보 시스템</a:t>
+              </a:r>
+              <a:r>
+                <a:rPr b="1" lang="ko-KR" sz="1500"/>
+                <a:t> </a:t>
+              </a:r>
+              <a:endParaRPr b="1" sz="1500"/>
+            </a:p>
+          </p:txBody>
+        </p:sp>
+        <p:sp>
+          <p:nvSpPr>
+            <p:cNvPr id="102" name="Google Shape;102;g15e82f3f442_33_1"/>
+            <p:cNvSpPr/>
+            <p:nvPr/>
+          </p:nvSpPr>
+          <p:spPr>
+            <a:xfrm>
+              <a:off x="6277075" y="3270613"/>
+              <a:ext cx="1411200" cy="805800"/>
+            </a:xfrm>
+            <a:prstGeom prst="roundRect">
+              <a:avLst>
+                <a:gd fmla="val 16667" name="adj"/>
+              </a:avLst>
+            </a:prstGeom>
+            <a:solidFill>
+              <a:srgbClr val="F5EBE0"/>
+            </a:solidFill>
+            <a:ln cap="flat" cmpd="sng" w="28575">
+              <a:solidFill>
+                <a:schemeClr val="dk2"/>
+              </a:solidFill>
+              <a:prstDash val="solid"/>
+              <a:round/>
+              <a:headEnd len="sm" w="sm" type="none"/>
+              <a:tailEnd len="sm" w="sm" type="none"/>
+            </a:ln>
+          </p:spPr>
+          <p:txBody>
+            <a:bodyPr anchorCtr="0" anchor="ctr" bIns="91425" lIns="91425" spcFirstLastPara="1" rIns="91425" wrap="square" tIns="91425">
+              <a:noAutofit/>
+            </a:bodyPr>
+            <a:lstStyle/>
+            <a:p>
+              <a:pPr indent="0" lvl="0" marL="0" rtl="0" algn="ctr">
+                <a:spcBef>
+                  <a:spcPts val="0"/>
+                </a:spcBef>
+                <a:spcAft>
+                  <a:spcPts val="0"/>
+                </a:spcAft>
+                <a:buNone/>
+              </a:pPr>
+              <a:r>
+                <a:rPr b="1" lang="ko-KR" sz="1500"/>
+                <a:t>예측</a:t>
+              </a:r>
+              <a:endParaRPr b="1" sz="1500"/>
+            </a:p>
+            <a:p>
+              <a:pPr indent="0" lvl="0" marL="0" rtl="0" algn="ctr">
+                <a:spcBef>
+                  <a:spcPts val="0"/>
+                </a:spcBef>
+                <a:spcAft>
+                  <a:spcPts val="0"/>
+                </a:spcAft>
+                <a:buNone/>
+              </a:pPr>
+              <a:r>
+                <a:rPr b="1" lang="ko-KR" sz="1500"/>
+                <a:t>Model</a:t>
+              </a:r>
+              <a:endParaRPr b="1" sz="1500"/>
+            </a:p>
+          </p:txBody>
+        </p:sp>
+        <p:sp>
+          <p:nvSpPr>
+            <p:cNvPr id="103" name="Google Shape;103;g15e82f3f442_33_1"/>
+            <p:cNvSpPr/>
+            <p:nvPr/>
+          </p:nvSpPr>
+          <p:spPr>
+            <a:xfrm>
+              <a:off x="4388580" y="5210400"/>
+              <a:ext cx="1411200" cy="805800"/>
+            </a:xfrm>
+            <a:prstGeom prst="roundRect">
+              <a:avLst>
+                <a:gd fmla="val 16667" name="adj"/>
+              </a:avLst>
+            </a:prstGeom>
+            <a:solidFill>
+              <a:srgbClr val="E3D5CA"/>
+            </a:solidFill>
+            <a:ln cap="flat" cmpd="sng" w="28575">
+              <a:solidFill>
+                <a:schemeClr val="dk2"/>
+              </a:solidFill>
+              <a:prstDash val="solid"/>
+              <a:round/>
+              <a:headEnd len="sm" w="sm" type="none"/>
+              <a:tailEnd len="sm" w="sm" type="none"/>
+            </a:ln>
+          </p:spPr>
+          <p:txBody>
+            <a:bodyPr anchorCtr="0" anchor="ctr" bIns="91425" lIns="91425" spcFirstLastPara="1" rIns="91425" wrap="square" tIns="91425">
+              <a:noAutofit/>
+            </a:bodyPr>
+            <a:lstStyle/>
+            <a:p>
+              <a:pPr indent="0" lvl="0" marL="0" rtl="0" algn="ctr">
+                <a:spcBef>
+                  <a:spcPts val="0"/>
+                </a:spcBef>
+                <a:spcAft>
+                  <a:spcPts val="0"/>
+                </a:spcAft>
+                <a:buNone/>
+              </a:pPr>
+              <a:r>
+                <a:rPr b="1" lang="ko-KR" sz="1500"/>
+                <a:t>날씨</a:t>
+              </a:r>
+              <a:r>
+                <a:rPr b="1" lang="ko-KR" sz="1500"/>
+                <a:t> 정보 제공</a:t>
+              </a:r>
+              <a:endParaRPr b="1" sz="1500"/>
+            </a:p>
+            <a:p>
+              <a:pPr indent="0" lvl="0" marL="0" rtl="0" algn="ctr">
+                <a:spcBef>
+                  <a:spcPts val="0"/>
+                </a:spcBef>
+                <a:spcAft>
+                  <a:spcPts val="0"/>
+                </a:spcAft>
+                <a:buNone/>
+              </a:pPr>
+              <a:r>
+                <a:rPr b="1" lang="ko-KR" sz="1500"/>
+                <a:t>시스템</a:t>
+              </a:r>
+              <a:endParaRPr b="1" sz="1500"/>
+            </a:p>
+          </p:txBody>
+        </p:sp>
+        <p:cxnSp>
+          <p:nvCxnSpPr>
+            <p:cNvPr id="104" name="Google Shape;104;g15e82f3f442_33_1"/>
+            <p:cNvCxnSpPr>
+              <a:stCxn id="98" idx="3"/>
+              <a:endCxn id="93" idx="1"/>
+            </p:cNvCxnSpPr>
+            <p:nvPr/>
+          </p:nvCxnSpPr>
+          <p:spPr>
+            <a:xfrm flipH="1" rot="10800000">
+              <a:off x="3903876" y="2711676"/>
+              <a:ext cx="480900" cy="1426500"/>
+            </a:xfrm>
+            <a:prstGeom prst="straightConnector1">
+              <a:avLst/>
+            </a:prstGeom>
+            <a:noFill/>
+            <a:ln cap="flat" cmpd="sng" w="28575">
+              <a:solidFill>
+                <a:schemeClr val="dk2"/>
+              </a:solidFill>
+              <a:prstDash val="solid"/>
+              <a:round/>
+              <a:headEnd len="med" w="med" type="none"/>
+              <a:tailEnd len="med" w="med" type="stealth"/>
+            </a:ln>
+          </p:spPr>
+        </p:cxnSp>
+        <p:cxnSp>
+          <p:nvCxnSpPr>
+            <p:cNvPr id="105" name="Google Shape;105;g15e82f3f442_33_1"/>
+            <p:cNvCxnSpPr>
+              <a:stCxn id="93" idx="0"/>
+              <a:endCxn id="95" idx="2"/>
+            </p:cNvCxnSpPr>
+            <p:nvPr/>
+          </p:nvCxnSpPr>
+          <p:spPr>
+            <a:xfrm rot="10800000">
+              <a:off x="3003978" y="1645625"/>
+              <a:ext cx="2086500" cy="663300"/>
+            </a:xfrm>
+            <a:prstGeom prst="straightConnector1">
+              <a:avLst/>
+            </a:prstGeom>
+            <a:noFill/>
+            <a:ln cap="flat" cmpd="sng" w="28575">
+              <a:solidFill>
+                <a:schemeClr val="dk2"/>
+              </a:solidFill>
+              <a:prstDash val="solid"/>
+              <a:round/>
+              <a:headEnd len="med" w="med" type="stealth"/>
+              <a:tailEnd len="med" w="med" type="stealth"/>
+            </a:ln>
+          </p:spPr>
+        </p:cxnSp>
+        <p:cxnSp>
+          <p:nvCxnSpPr>
+            <p:cNvPr id="106" name="Google Shape;106;g15e82f3f442_33_1"/>
+            <p:cNvCxnSpPr>
+              <a:stCxn id="93" idx="0"/>
+              <a:endCxn id="101" idx="2"/>
+            </p:cNvCxnSpPr>
+            <p:nvPr/>
+          </p:nvCxnSpPr>
+          <p:spPr>
+            <a:xfrm flipH="1" rot="10800000">
+              <a:off x="5090478" y="1645625"/>
+              <a:ext cx="3600" cy="663300"/>
+            </a:xfrm>
+            <a:prstGeom prst="straightConnector1">
+              <a:avLst/>
+            </a:prstGeom>
+            <a:noFill/>
+            <a:ln cap="flat" cmpd="sng" w="28575">
+              <a:solidFill>
+                <a:schemeClr val="dk2"/>
+              </a:solidFill>
+              <a:prstDash val="solid"/>
+              <a:round/>
+              <a:headEnd len="med" w="med" type="stealth"/>
+              <a:tailEnd len="med" w="med" type="stealth"/>
+            </a:ln>
+          </p:spPr>
+        </p:cxnSp>
+        <p:cxnSp>
+          <p:nvCxnSpPr>
+            <p:cNvPr id="107" name="Google Shape;107;g15e82f3f442_33_1"/>
+            <p:cNvCxnSpPr>
+              <a:stCxn id="93" idx="3"/>
+              <a:endCxn id="96" idx="1"/>
+            </p:cNvCxnSpPr>
+            <p:nvPr/>
+          </p:nvCxnSpPr>
+          <p:spPr>
+            <a:xfrm flipH="1" rot="10800000">
+              <a:off x="5796078" y="2700125"/>
+              <a:ext cx="480900" cy="11700"/>
+            </a:xfrm>
+            <a:prstGeom prst="straightConnector1">
+              <a:avLst/>
+            </a:prstGeom>
+            <a:noFill/>
+            <a:ln cap="flat" cmpd="sng" w="28575">
+              <a:solidFill>
+                <a:schemeClr val="dk2"/>
+              </a:solidFill>
+              <a:prstDash val="solid"/>
+              <a:round/>
+              <a:headEnd len="med" w="med" type="none"/>
+              <a:tailEnd len="med" w="med" type="stealth"/>
+            </a:ln>
+          </p:spPr>
+        </p:cxnSp>
+        <p:cxnSp>
+          <p:nvCxnSpPr>
+            <p:cNvPr id="108" name="Google Shape;108;g15e82f3f442_33_1"/>
+            <p:cNvCxnSpPr>
+              <a:stCxn id="96" idx="3"/>
+              <a:endCxn id="97" idx="1"/>
+            </p:cNvCxnSpPr>
+            <p:nvPr/>
+          </p:nvCxnSpPr>
+          <p:spPr>
+            <a:xfrm>
+              <a:off x="7688275" y="2700150"/>
+              <a:ext cx="603900" cy="1438200"/>
+            </a:xfrm>
+            <a:prstGeom prst="straightConnector1">
+              <a:avLst/>
+            </a:prstGeom>
+            <a:noFill/>
+            <a:ln cap="flat" cmpd="sng" w="28575">
+              <a:solidFill>
+                <a:schemeClr val="dk2"/>
+              </a:solidFill>
+              <a:prstDash val="solid"/>
+              <a:round/>
+              <a:headEnd len="med" w="med" type="none"/>
+              <a:tailEnd len="med" w="med" type="stealth"/>
+            </a:ln>
+          </p:spPr>
+        </p:cxnSp>
+        <p:cxnSp>
+          <p:nvCxnSpPr>
+            <p:cNvPr id="109" name="Google Shape;109;g15e82f3f442_33_1"/>
+            <p:cNvCxnSpPr>
+              <a:stCxn id="97" idx="1"/>
+              <a:endCxn id="102" idx="3"/>
+            </p:cNvCxnSpPr>
+            <p:nvPr/>
+          </p:nvCxnSpPr>
+          <p:spPr>
+            <a:xfrm rot="10800000">
+              <a:off x="7688265" y="3673626"/>
+              <a:ext cx="603900" cy="464700"/>
+            </a:xfrm>
+            <a:prstGeom prst="straightConnector1">
+              <a:avLst/>
+            </a:prstGeom>
+            <a:noFill/>
+            <a:ln cap="flat" cmpd="sng" w="28575">
+              <a:solidFill>
+                <a:schemeClr val="dk2"/>
+              </a:solidFill>
+              <a:prstDash val="solid"/>
+              <a:round/>
+              <a:headEnd len="med" w="med" type="none"/>
+              <a:tailEnd len="med" w="med" type="stealth"/>
+            </a:ln>
+          </p:spPr>
+        </p:cxnSp>
+        <p:cxnSp>
+          <p:nvCxnSpPr>
+            <p:cNvPr id="110" name="Google Shape;110;g15e82f3f442_33_1"/>
+            <p:cNvCxnSpPr>
+              <a:stCxn id="111" idx="1"/>
+              <a:endCxn id="103" idx="3"/>
+            </p:cNvCxnSpPr>
+            <p:nvPr/>
+          </p:nvCxnSpPr>
+          <p:spPr>
+            <a:xfrm flipH="1">
+              <a:off x="5799669" y="4651926"/>
+              <a:ext cx="484800" cy="961500"/>
+            </a:xfrm>
+            <a:prstGeom prst="straightConnector1">
+              <a:avLst/>
+            </a:prstGeom>
+            <a:noFill/>
+            <a:ln cap="flat" cmpd="sng" w="28575">
+              <a:solidFill>
+                <a:schemeClr val="dk2"/>
+              </a:solidFill>
+              <a:prstDash val="solid"/>
+              <a:round/>
+              <a:headEnd len="med" w="med" type="none"/>
+              <a:tailEnd len="med" w="med" type="stealth"/>
+            </a:ln>
+          </p:spPr>
+        </p:cxnSp>
+        <p:cxnSp>
+          <p:nvCxnSpPr>
+            <p:cNvPr id="112" name="Google Shape;112;g15e82f3f442_33_1"/>
+            <p:cNvCxnSpPr>
+              <a:stCxn id="102" idx="1"/>
+              <a:endCxn id="100" idx="3"/>
+            </p:cNvCxnSpPr>
+            <p:nvPr/>
+          </p:nvCxnSpPr>
+          <p:spPr>
+            <a:xfrm flipH="1">
+              <a:off x="5796175" y="3673513"/>
+              <a:ext cx="480900" cy="4200"/>
+            </a:xfrm>
+            <a:prstGeom prst="straightConnector1">
+              <a:avLst/>
+            </a:prstGeom>
+            <a:noFill/>
+            <a:ln cap="flat" cmpd="sng" w="28575">
+              <a:solidFill>
+                <a:schemeClr val="dk2"/>
+              </a:solidFill>
+              <a:prstDash val="solid"/>
+              <a:round/>
+              <a:headEnd len="med" w="med" type="none"/>
+              <a:tailEnd len="med" w="med" type="stealth"/>
+            </a:ln>
+          </p:spPr>
+        </p:cxnSp>
+        <p:cxnSp>
+          <p:nvCxnSpPr>
+            <p:cNvPr id="113" name="Google Shape;113;g15e82f3f442_33_1"/>
+            <p:cNvCxnSpPr>
+              <a:stCxn id="97" idx="1"/>
+              <a:endCxn id="111" idx="3"/>
+            </p:cNvCxnSpPr>
+            <p:nvPr/>
+          </p:nvCxnSpPr>
+          <p:spPr>
+            <a:xfrm flipH="1">
+              <a:off x="7672365" y="4138326"/>
+              <a:ext cx="619800" cy="513600"/>
+            </a:xfrm>
+            <a:prstGeom prst="straightConnector1">
+              <a:avLst/>
+            </a:prstGeom>
+            <a:noFill/>
+            <a:ln cap="flat" cmpd="sng" w="28575">
+              <a:solidFill>
+                <a:schemeClr val="dk2"/>
+              </a:solidFill>
+              <a:prstDash val="solid"/>
+              <a:round/>
+              <a:headEnd len="med" w="med" type="none"/>
+              <a:tailEnd len="med" w="med" type="stealth"/>
+            </a:ln>
+          </p:spPr>
+        </p:cxnSp>
+        <p:cxnSp>
+          <p:nvCxnSpPr>
+            <p:cNvPr id="114" name="Google Shape;114;g15e82f3f442_33_1"/>
+            <p:cNvCxnSpPr>
+              <a:stCxn id="99" idx="1"/>
+              <a:endCxn id="98" idx="3"/>
+            </p:cNvCxnSpPr>
+            <p:nvPr/>
+          </p:nvCxnSpPr>
+          <p:spPr>
+            <a:xfrm rot="10800000">
+              <a:off x="3903780" y="4138188"/>
+              <a:ext cx="484800" cy="505500"/>
+            </a:xfrm>
+            <a:prstGeom prst="straightConnector1">
+              <a:avLst/>
+            </a:prstGeom>
+            <a:noFill/>
+            <a:ln cap="flat" cmpd="sng" w="28575">
+              <a:solidFill>
+                <a:schemeClr val="dk2"/>
+              </a:solidFill>
+              <a:prstDash val="solid"/>
+              <a:round/>
+              <a:headEnd len="med" w="med" type="none"/>
+              <a:tailEnd len="med" w="med" type="stealth"/>
+            </a:ln>
+          </p:spPr>
+        </p:cxnSp>
+        <p:cxnSp>
+          <p:nvCxnSpPr>
+            <p:cNvPr id="115" name="Google Shape;115;g15e82f3f442_33_1"/>
+            <p:cNvCxnSpPr>
+              <a:stCxn id="100" idx="1"/>
+              <a:endCxn id="98" idx="3"/>
+            </p:cNvCxnSpPr>
+            <p:nvPr/>
+          </p:nvCxnSpPr>
+          <p:spPr>
+            <a:xfrm flipH="1">
+              <a:off x="3903971" y="3677748"/>
+              <a:ext cx="480900" cy="460500"/>
+            </a:xfrm>
+            <a:prstGeom prst="straightConnector1">
+              <a:avLst/>
+            </a:prstGeom>
+            <a:noFill/>
+            <a:ln cap="flat" cmpd="sng" w="28575">
+              <a:solidFill>
+                <a:schemeClr val="dk2"/>
+              </a:solidFill>
+              <a:prstDash val="solid"/>
+              <a:round/>
+              <a:headEnd len="med" w="med" type="none"/>
+              <a:tailEnd len="med" w="med" type="stealth"/>
+            </a:ln>
+          </p:spPr>
+        </p:cxnSp>
+        <p:cxnSp>
+          <p:nvCxnSpPr>
+            <p:cNvPr id="116" name="Google Shape;116;g15e82f3f442_33_1"/>
+            <p:cNvCxnSpPr>
+              <a:stCxn id="103" idx="1"/>
+              <a:endCxn id="98" idx="3"/>
+            </p:cNvCxnSpPr>
+            <p:nvPr/>
+          </p:nvCxnSpPr>
+          <p:spPr>
+            <a:xfrm rot="10800000">
+              <a:off x="3903780" y="4138200"/>
+              <a:ext cx="484800" cy="1475100"/>
+            </a:xfrm>
+            <a:prstGeom prst="straightConnector1">
+              <a:avLst/>
+            </a:prstGeom>
+            <a:noFill/>
+            <a:ln cap="flat" cmpd="sng" w="28575">
+              <a:solidFill>
+                <a:schemeClr val="dk2"/>
+              </a:solidFill>
+              <a:prstDash val="solid"/>
+              <a:round/>
+              <a:headEnd len="med" w="med" type="none"/>
+              <a:tailEnd len="med" w="med" type="stealth"/>
+            </a:ln>
+          </p:spPr>
+        </p:cxnSp>
+      </p:grpSp>
+      <p:sp>
+        <p:nvSpPr>
+          <p:cNvPr id="117" name="Google Shape;117;g15e82f3f442_33_1"/>
+          <p:cNvSpPr/>
+          <p:nvPr/>
+        </p:nvSpPr>
+        <p:spPr>
+          <a:xfrm>
+            <a:off x="7340638" y="977976"/>
+            <a:ext cx="1800000" cy="687900"/>
+          </a:xfrm>
+          <a:prstGeom prst="roundRect">
+            <a:avLst>
+              <a:gd fmla="val 16667" name="adj"/>
+            </a:avLst>
+          </a:prstGeom>
+          <a:solidFill>
+            <a:srgbClr val="EDEDE9"/>
+          </a:solidFill>
+          <a:ln cap="flat" cmpd="sng" w="28575">
+            <a:solidFill>
+              <a:schemeClr val="dk2"/>
+            </a:solidFill>
+            <a:prstDash val="solid"/>
+            <a:round/>
+            <a:headEnd len="sm" w="sm" type="none"/>
+            <a:tailEnd len="sm" w="sm" type="none"/>
+          </a:ln>
+        </p:spPr>
+        <p:txBody>
+          <a:bodyPr anchorCtr="0" anchor="ctr" bIns="91425" lIns="91425" spcFirstLastPara="1" rIns="91425" wrap="square" tIns="91425">
+            <a:noAutofit/>
+          </a:bodyPr>
+          <a:lstStyle/>
+          <a:p>
+            <a:pPr indent="0" lvl="0" marL="0" rtl="0" algn="ctr">
+              <a:spcBef>
+                <a:spcPts val="0"/>
+              </a:spcBef>
+              <a:spcAft>
+                <a:spcPts val="0"/>
+              </a:spcAft>
+              <a:buNone/>
+            </a:pPr>
+            <a:r>
+              <a:rPr b="1" lang="ko-KR" sz="1500"/>
+              <a:t>적조 정보 API</a:t>
+            </a:r>
+            <a:endParaRPr b="1" sz="1500"/>
+          </a:p>
+        </p:txBody>
+      </p:sp>
+      <p:sp>
+        <p:nvSpPr>
+          <p:cNvPr id="111" name="Google Shape;111;g15e82f3f442_33_1"/>
+          <p:cNvSpPr/>
+          <p:nvPr/>
+        </p:nvSpPr>
+        <p:spPr>
+          <a:xfrm>
+            <a:off x="7340650" y="4269200"/>
+            <a:ext cx="1411200" cy="805800"/>
+          </a:xfrm>
+          <a:prstGeom prst="roundRect">
+            <a:avLst>
+              <a:gd fmla="val 16667" name="adj"/>
+            </a:avLst>
+          </a:prstGeom>
+          <a:solidFill>
+            <a:srgbClr val="F5EBE0"/>
+          </a:solidFill>
+          <a:ln cap="flat" cmpd="sng" w="28575">
+            <a:solidFill>
+              <a:schemeClr val="dk2"/>
+            </a:solidFill>
+            <a:prstDash val="solid"/>
+            <a:round/>
+            <a:headEnd len="sm" w="sm" type="none"/>
+            <a:tailEnd len="sm" w="sm" type="none"/>
+          </a:ln>
+        </p:spPr>
+        <p:txBody>
+          <a:bodyPr anchorCtr="0" anchor="ctr" bIns="91425" lIns="91425" spcFirstLastPara="1" rIns="91425" wrap="square" tIns="91425">
+            <a:noAutofit/>
+          </a:bodyPr>
+          <a:lstStyle/>
+          <a:p>
+            <a:pPr indent="0" lvl="0" marL="0" rtl="0" algn="ctr">
+              <a:spcBef>
+                <a:spcPts val="0"/>
+              </a:spcBef>
+              <a:spcAft>
+                <a:spcPts val="0"/>
+              </a:spcAft>
+              <a:buNone/>
+            </a:pPr>
+            <a:r>
+              <a:rPr b="1" lang="ko-KR" sz="1500"/>
+              <a:t>정보 정제</a:t>
+            </a:r>
+            <a:endParaRPr b="1" sz="1500"/>
+          </a:p>
+          <a:p>
+            <a:pPr indent="0" lvl="0" marL="0" rtl="0" algn="ctr">
+              <a:spcBef>
+                <a:spcPts val="0"/>
+              </a:spcBef>
+              <a:spcAft>
+                <a:spcPts val="0"/>
+              </a:spcAft>
+              <a:buNone/>
+            </a:pPr>
+            <a:r>
+              <a:rPr b="1" lang="ko-KR" sz="1500"/>
+              <a:t>모듈</a:t>
+            </a:r>
+            <a:endParaRPr b="1" sz="1500"/>
+          </a:p>
+        </p:txBody>
+      </p:sp>
+      <p:cxnSp>
+        <p:nvCxnSpPr>
+          <p:cNvPr id="118" name="Google Shape;118;g15e82f3f442_33_1"/>
+          <p:cNvCxnSpPr>
+            <a:stCxn id="111" idx="1"/>
+            <a:endCxn id="99" idx="3"/>
+          </p:cNvCxnSpPr>
+          <p:nvPr/>
+        </p:nvCxnSpPr>
+        <p:spPr>
+          <a:xfrm rot="10800000">
+            <a:off x="6847750" y="4664000"/>
+            <a:ext cx="492900" cy="8100"/>
+          </a:xfrm>
+          <a:prstGeom prst="straightConnector1">
+            <a:avLst/>
+          </a:prstGeom>
+          <a:noFill/>
+          <a:ln cap="flat" cmpd="sng" w="28575">
+            <a:solidFill>
+              <a:schemeClr val="dk2"/>
+            </a:solidFill>
+            <a:prstDash val="solid"/>
+            <a:round/>
+            <a:headEnd len="med" w="med" type="none"/>
+            <a:tailEnd len="med" w="med" type="stealth"/>
+          </a:ln>
+        </p:spPr>
+      </p:cxnSp>
+      <p:cxnSp>
+        <p:nvCxnSpPr>
+          <p:cNvPr id="119" name="Google Shape;119;g15e82f3f442_33_1"/>
+          <p:cNvCxnSpPr>
+            <a:stCxn id="111" idx="1"/>
+            <a:endCxn id="100" idx="3"/>
+          </p:cNvCxnSpPr>
+          <p:nvPr/>
+        </p:nvCxnSpPr>
+        <p:spPr>
+          <a:xfrm rot="10800000">
+            <a:off x="6844150" y="3698000"/>
+            <a:ext cx="496500" cy="974100"/>
+          </a:xfrm>
+          <a:prstGeom prst="straightConnector1">
+            <a:avLst/>
+          </a:prstGeom>
+          <a:noFill/>
+          <a:ln cap="flat" cmpd="sng" w="28575">
+            <a:solidFill>
+              <a:schemeClr val="dk2"/>
+            </a:solidFill>
+            <a:prstDash val="solid"/>
+            <a:round/>
+            <a:headEnd len="med" w="med" type="none"/>
+            <a:tailEnd len="med" w="med" type="stealth"/>
+          </a:ln>
+        </p:spPr>
+      </p:cxnSp>
+      <p:cxnSp>
+        <p:nvCxnSpPr>
+          <p:cNvPr id="120" name="Google Shape;120;g15e82f3f442_33_1"/>
+          <p:cNvCxnSpPr>
+            <a:stCxn id="93" idx="0"/>
+            <a:endCxn id="117" idx="2"/>
+          </p:cNvCxnSpPr>
+          <p:nvPr/>
+        </p:nvCxnSpPr>
+        <p:spPr>
+          <a:xfrm flipH="1" rot="10800000">
+            <a:off x="6126600" y="1665799"/>
+            <a:ext cx="2114100" cy="663300"/>
+          </a:xfrm>
+          <a:prstGeom prst="straightConnector1">
+            <a:avLst/>
+          </a:prstGeom>
+          <a:noFill/>
+          <a:ln cap="flat" cmpd="sng" w="28575">
+            <a:solidFill>
+              <a:schemeClr val="dk2"/>
+            </a:solidFill>
+            <a:prstDash val="solid"/>
+            <a:round/>
+            <a:headEnd len="med" w="med" type="stealth"/>
+            <a:tailEnd len="med" w="med" type="stealth"/>
+          </a:ln>
+        </p:spPr>
+      </p:cxnSp>
+      <p:cxnSp>
+        <p:nvCxnSpPr>
+          <p:cNvPr id="121" name="Google Shape;121;g15e82f3f442_33_1"/>
+          <p:cNvCxnSpPr/>
+          <p:nvPr/>
+        </p:nvCxnSpPr>
+        <p:spPr>
+          <a:xfrm>
+            <a:off x="1703560" y="4082148"/>
+            <a:ext cx="2161200" cy="0"/>
+          </a:xfrm>
+          <a:prstGeom prst="straightConnector1">
+            <a:avLst/>
+          </a:prstGeom>
+          <a:noFill/>
+          <a:ln cap="flat" cmpd="sng" w="28575">
+            <a:solidFill>
+              <a:schemeClr val="dk2"/>
+            </a:solidFill>
+            <a:prstDash val="solid"/>
+            <a:round/>
+            <a:headEnd len="med" w="med" type="none"/>
+            <a:tailEnd len="med" w="med" type="stealth"/>
+          </a:ln>
+        </p:spPr>
+      </p:cxnSp>
+      <p:cxnSp>
+        <p:nvCxnSpPr>
+          <p:cNvPr id="122" name="Google Shape;122;g15e82f3f442_33_1"/>
+          <p:cNvCxnSpPr/>
+          <p:nvPr/>
+        </p:nvCxnSpPr>
+        <p:spPr>
+          <a:xfrm rot="10800000">
+            <a:off x="1703425" y="4234550"/>
+            <a:ext cx="2161200" cy="0"/>
+          </a:xfrm>
+          <a:prstGeom prst="straightConnector1">
+            <a:avLst/>
+          </a:prstGeom>
+          <a:noFill/>
+          <a:ln cap="flat" cmpd="sng" w="28575">
+            <a:solidFill>
+              <a:schemeClr val="dk2"/>
+            </a:solidFill>
+            <a:prstDash val="solid"/>
+            <a:round/>
+            <a:headEnd len="med" w="med" type="none"/>
+            <a:tailEnd len="med" w="med" type="stealth"/>
+          </a:ln>
+        </p:spPr>
+      </p:cxnSp>
+    </p:spTree>
+  </p:cSld>
+  <p:clrMapOvr>
+    <a:masterClrMapping/>
+  </p:clrMapOvr>
+</p:sld>
+</file>
+
+<file path=ppt/slides/slide6.xml><?xml version="1.0" encoding="utf-8"?>
+<p:sld xmlns:a="http://schemas.openxmlformats.org/drawingml/2006/main" xmlns:r="http://schemas.openxmlformats.org/officeDocument/2006/relationships" xmlns:mc="http://schemas.openxmlformats.org/markup-compatibility/2006" xmlns:mv="urn:schemas-microsoft-com:mac:vml" xmlns:p="http://schemas.openxmlformats.org/presentationml/2006/main" xmlns:c="http://schemas.openxmlformats.org/drawingml/2006/chart" xmlns:dgm="http://schemas.openxmlformats.org/drawingml/2006/diagram" xmlns:o="urn:schemas-microsoft-com:office:office" xmlns:v="urn:schemas-microsoft-com:vml" xmlns:pvml="urn:schemas-microsoft-com:office:powerpoint" xmlns:com="http://schemas.openxmlformats.org/drawingml/2006/compatibility" xmlns:p14="http://schemas.microsoft.com/office/powerpoint/2010/main" xmlns:p15="http://schemas.microsoft.com/office/powerpoint/2012/main" xmlns:ahyp="http://schemas.microsoft.com/office/drawing/2018/hyperlinkcolor">
+  <p:cSld>
+    <p:spTree>
+      <p:nvGrpSpPr>
+        <p:cNvPr id="126" name="Shape 126"/>
+        <p:cNvGrpSpPr/>
+        <p:nvPr/>
+      </p:nvGrpSpPr>
+      <p:grpSpPr>
+        <a:xfrm>
+          <a:off x="0" y="0"/>
+          <a:ext cx="0" cy="0"/>
+          <a:chOff x="0" y="0"/>
+          <a:chExt cx="0" cy="0"/>
+        </a:xfrm>
+      </p:grpSpPr>
+      <p:sp>
+        <p:nvSpPr>
+          <p:cNvPr id="127" name="Google Shape;127;g1608cdc3bad_0_0"/>
+          <p:cNvSpPr txBox="1"/>
+          <p:nvPr>
+            <p:ph type="title"/>
+          </p:nvPr>
+        </p:nvSpPr>
+        <p:spPr>
+          <a:xfrm>
+            <a:off x="479425" y="135136"/>
+            <a:ext cx="10515600" cy="484500"/>
+          </a:xfrm>
+          <a:prstGeom prst="rect">
+            <a:avLst/>
+          </a:prstGeom>
+        </p:spPr>
+        <p:txBody>
+          <a:bodyPr anchorCtr="0" anchor="t" bIns="45700" lIns="91425" spcFirstLastPara="1" rIns="91425" wrap="square" tIns="45700">
+            <a:noAutofit/>
+          </a:bodyPr>
+          <a:lstStyle/>
+          <a:p>
+            <a:pPr indent="0" lvl="0" marL="0" rtl="0" algn="l">
+              <a:spcBef>
+                <a:spcPts val="0"/>
+              </a:spcBef>
+              <a:spcAft>
+                <a:spcPts val="0"/>
+              </a:spcAft>
+              <a:buNone/>
+            </a:pPr>
+            <a:r>
+              <a:rPr lang="ko-KR"/>
+              <a:t>시퀀스 다이어그렘</a:t>
+            </a:r>
+            <a:endParaRPr/>
+          </a:p>
+        </p:txBody>
+      </p:sp>
+      <p:sp>
+        <p:nvSpPr>
+          <p:cNvPr id="128" name="Google Shape;128;g1608cdc3bad_0_0"/>
+          <p:cNvSpPr/>
+          <p:nvPr/>
+        </p:nvSpPr>
+        <p:spPr>
+          <a:xfrm>
+            <a:off x="2357625" y="1983625"/>
+            <a:ext cx="139500" cy="3917400"/>
+          </a:xfrm>
+          <a:prstGeom prst="rect">
+            <a:avLst/>
+          </a:prstGeom>
+          <a:solidFill>
+            <a:srgbClr val="1F497D"/>
+          </a:solidFill>
+          <a:ln cap="flat" cmpd="sng" w="9525">
+            <a:solidFill>
+              <a:schemeClr val="dk2"/>
+            </a:solidFill>
+            <a:prstDash val="solid"/>
+            <a:round/>
+            <a:headEnd len="sm" w="sm" type="none"/>
+            <a:tailEnd len="sm" w="sm" type="none"/>
+          </a:ln>
+        </p:spPr>
+        <p:txBody>
+          <a:bodyPr anchorCtr="0" anchor="ctr" bIns="91425" lIns="91425" spcFirstLastPara="1" rIns="91425" wrap="square" tIns="91425">
+            <a:noAutofit/>
+          </a:bodyPr>
+          <a:lstStyle/>
+          <a:p>
+            <a:pPr indent="0" lvl="0" marL="0" rtl="0" algn="l">
+              <a:spcBef>
+                <a:spcPts val="0"/>
+              </a:spcBef>
+              <a:spcAft>
+                <a:spcPts val="0"/>
+              </a:spcAft>
+              <a:buNone/>
+            </a:pPr>
+            <a:r>
+              <a:t/>
+            </a:r>
+            <a:endParaRPr/>
+          </a:p>
+        </p:txBody>
+      </p:sp>
+      <p:sp>
+        <p:nvSpPr>
+          <p:cNvPr id="129" name="Google Shape;129;g1608cdc3bad_0_0"/>
+          <p:cNvSpPr/>
+          <p:nvPr/>
+        </p:nvSpPr>
+        <p:spPr>
+          <a:xfrm>
+            <a:off x="4743550" y="1983625"/>
+            <a:ext cx="139500" cy="3917400"/>
+          </a:xfrm>
+          <a:prstGeom prst="rect">
+            <a:avLst/>
+          </a:prstGeom>
+          <a:solidFill>
+            <a:srgbClr val="1F497D"/>
+          </a:solidFill>
+          <a:ln cap="flat" cmpd="sng" w="9525">
+            <a:solidFill>
+              <a:schemeClr val="dk2"/>
+            </a:solidFill>
+            <a:prstDash val="solid"/>
+            <a:round/>
+            <a:headEnd len="sm" w="sm" type="none"/>
+            <a:tailEnd len="sm" w="sm" type="none"/>
+          </a:ln>
+        </p:spPr>
+        <p:txBody>
+          <a:bodyPr anchorCtr="0" anchor="ctr" bIns="91425" lIns="91425" spcFirstLastPara="1" rIns="91425" wrap="square" tIns="91425">
+            <a:noAutofit/>
+          </a:bodyPr>
+          <a:lstStyle/>
+          <a:p>
+            <a:pPr indent="0" lvl="0" marL="0" rtl="0" algn="l">
+              <a:spcBef>
+                <a:spcPts val="0"/>
+              </a:spcBef>
+              <a:spcAft>
+                <a:spcPts val="0"/>
+              </a:spcAft>
+              <a:buNone/>
+            </a:pPr>
+            <a:r>
+              <a:t/>
+            </a:r>
+            <a:endParaRPr/>
+          </a:p>
+        </p:txBody>
+      </p:sp>
+      <p:sp>
+        <p:nvSpPr>
+          <p:cNvPr id="130" name="Google Shape;130;g1608cdc3bad_0_0"/>
+          <p:cNvSpPr/>
+          <p:nvPr/>
+        </p:nvSpPr>
+        <p:spPr>
+          <a:xfrm>
+            <a:off x="7129463" y="1983625"/>
+            <a:ext cx="139500" cy="3917400"/>
+          </a:xfrm>
+          <a:prstGeom prst="rect">
+            <a:avLst/>
+          </a:prstGeom>
+          <a:solidFill>
+            <a:srgbClr val="1F497D"/>
+          </a:solidFill>
+          <a:ln cap="flat" cmpd="sng" w="9525">
+            <a:solidFill>
+              <a:schemeClr val="dk2"/>
+            </a:solidFill>
+            <a:prstDash val="solid"/>
+            <a:round/>
+            <a:headEnd len="sm" w="sm" type="none"/>
+            <a:tailEnd len="sm" w="sm" type="none"/>
+          </a:ln>
+        </p:spPr>
+        <p:txBody>
+          <a:bodyPr anchorCtr="0" anchor="ctr" bIns="91425" lIns="91425" spcFirstLastPara="1" rIns="91425" wrap="square" tIns="91425">
+            <a:noAutofit/>
+          </a:bodyPr>
+          <a:lstStyle/>
+          <a:p>
+            <a:pPr indent="0" lvl="0" marL="0" rtl="0" algn="l">
+              <a:spcBef>
+                <a:spcPts val="0"/>
+              </a:spcBef>
+              <a:spcAft>
+                <a:spcPts val="0"/>
+              </a:spcAft>
+              <a:buNone/>
+            </a:pPr>
+            <a:r>
+              <a:t/>
+            </a:r>
+            <a:endParaRPr/>
+          </a:p>
+        </p:txBody>
+      </p:sp>
+      <p:sp>
+        <p:nvSpPr>
+          <p:cNvPr id="131" name="Google Shape;131;g1608cdc3bad_0_0"/>
+          <p:cNvSpPr/>
+          <p:nvPr/>
+        </p:nvSpPr>
+        <p:spPr>
+          <a:xfrm>
+            <a:off x="4265050" y="1415425"/>
+            <a:ext cx="1096500" cy="568200"/>
+          </a:xfrm>
+          <a:prstGeom prst="roundRect">
+            <a:avLst>
+              <a:gd fmla="val 16667" name="adj"/>
+            </a:avLst>
+          </a:prstGeom>
+          <a:solidFill>
+            <a:schemeClr val="lt2"/>
+          </a:solidFill>
+          <a:ln cap="flat" cmpd="sng" w="9525">
+            <a:solidFill>
+              <a:schemeClr val="dk2"/>
+            </a:solidFill>
+            <a:prstDash val="solid"/>
+            <a:round/>
+            <a:headEnd len="sm" w="sm" type="none"/>
+            <a:tailEnd len="sm" w="sm" type="none"/>
+          </a:ln>
+        </p:spPr>
+        <p:txBody>
+          <a:bodyPr anchorCtr="0" anchor="ctr" bIns="91425" lIns="91425" spcFirstLastPara="1" rIns="91425" wrap="square" tIns="91425">
+            <a:noAutofit/>
+          </a:bodyPr>
+          <a:lstStyle/>
+          <a:p>
+            <a:pPr indent="0" lvl="0" marL="0" rtl="0" algn="ctr">
+              <a:spcBef>
+                <a:spcPts val="0"/>
+              </a:spcBef>
+              <a:spcAft>
+                <a:spcPts val="0"/>
+              </a:spcAft>
+              <a:buNone/>
+            </a:pPr>
+            <a:r>
+              <a:rPr b="1" lang="ko-KR" sz="1200"/>
+              <a:t>시스템</a:t>
+            </a:r>
+            <a:endParaRPr b="1" sz="1200"/>
+          </a:p>
+        </p:txBody>
+      </p:sp>
+      <p:sp>
+        <p:nvSpPr>
+          <p:cNvPr id="132" name="Google Shape;132;g1608cdc3bad_0_0"/>
+          <p:cNvSpPr/>
+          <p:nvPr/>
+        </p:nvSpPr>
+        <p:spPr>
+          <a:xfrm>
+            <a:off x="9036900" y="1415413"/>
+            <a:ext cx="1096500" cy="568200"/>
+          </a:xfrm>
+          <a:prstGeom prst="roundRect">
+            <a:avLst>
+              <a:gd fmla="val 16667" name="adj"/>
+            </a:avLst>
+          </a:prstGeom>
+          <a:solidFill>
+            <a:schemeClr val="lt2"/>
+          </a:solidFill>
+          <a:ln cap="flat" cmpd="sng" w="9525">
+            <a:solidFill>
+              <a:schemeClr val="dk2"/>
+            </a:solidFill>
+            <a:prstDash val="solid"/>
+            <a:round/>
+            <a:headEnd len="sm" w="sm" type="none"/>
+            <a:tailEnd len="sm" w="sm" type="none"/>
+          </a:ln>
+        </p:spPr>
+        <p:txBody>
+          <a:bodyPr anchorCtr="0" anchor="ctr" bIns="91425" lIns="91425" spcFirstLastPara="1" rIns="91425" wrap="square" tIns="91425">
+            <a:noAutofit/>
+          </a:bodyPr>
+          <a:lstStyle/>
+          <a:p>
+            <a:pPr indent="0" lvl="0" marL="0" rtl="0" algn="ctr">
+              <a:spcBef>
+                <a:spcPts val="0"/>
+              </a:spcBef>
+              <a:spcAft>
+                <a:spcPts val="0"/>
+              </a:spcAft>
+              <a:buNone/>
+            </a:pPr>
+            <a:r>
+              <a:rPr b="1" lang="ko-KR" sz="1200"/>
+              <a:t>외부 데이터</a:t>
+            </a:r>
+            <a:endParaRPr b="1" sz="1200"/>
+          </a:p>
+        </p:txBody>
+      </p:sp>
+      <p:sp>
+        <p:nvSpPr>
+          <p:cNvPr id="133" name="Google Shape;133;g1608cdc3bad_0_0"/>
+          <p:cNvSpPr/>
+          <p:nvPr/>
+        </p:nvSpPr>
+        <p:spPr>
+          <a:xfrm>
+            <a:off x="6650975" y="1415425"/>
+            <a:ext cx="1096500" cy="568200"/>
+          </a:xfrm>
+          <a:prstGeom prst="roundRect">
+            <a:avLst>
+              <a:gd fmla="val 16667" name="adj"/>
+            </a:avLst>
+          </a:prstGeom>
+          <a:solidFill>
+            <a:schemeClr val="lt2"/>
+          </a:solidFill>
+          <a:ln cap="flat" cmpd="sng" w="9525">
+            <a:solidFill>
+              <a:schemeClr val="dk2"/>
+            </a:solidFill>
+            <a:prstDash val="solid"/>
+            <a:round/>
+            <a:headEnd len="sm" w="sm" type="none"/>
+            <a:tailEnd len="sm" w="sm" type="none"/>
+          </a:ln>
+        </p:spPr>
+        <p:txBody>
+          <a:bodyPr anchorCtr="0" anchor="ctr" bIns="91425" lIns="91425" spcFirstLastPara="1" rIns="91425" wrap="square" tIns="91425">
+            <a:noAutofit/>
+          </a:bodyPr>
+          <a:lstStyle/>
+          <a:p>
+            <a:pPr indent="0" lvl="0" marL="0" rtl="0" algn="ctr">
+              <a:spcBef>
+                <a:spcPts val="0"/>
+              </a:spcBef>
+              <a:spcAft>
+                <a:spcPts val="0"/>
+              </a:spcAft>
+              <a:buNone/>
+            </a:pPr>
+            <a:r>
+              <a:rPr b="1" lang="ko-KR" sz="1200"/>
+              <a:t>DB</a:t>
+            </a:r>
+            <a:endParaRPr b="1" sz="1200"/>
+          </a:p>
+        </p:txBody>
+      </p:sp>
+      <p:sp>
+        <p:nvSpPr>
+          <p:cNvPr id="134" name="Google Shape;134;g1608cdc3bad_0_0"/>
+          <p:cNvSpPr/>
+          <p:nvPr/>
+        </p:nvSpPr>
+        <p:spPr>
+          <a:xfrm>
+            <a:off x="9515400" y="1983625"/>
+            <a:ext cx="139500" cy="3917400"/>
+          </a:xfrm>
+          <a:prstGeom prst="rect">
+            <a:avLst/>
+          </a:prstGeom>
+          <a:solidFill>
+            <a:srgbClr val="1F497D"/>
+          </a:solidFill>
+          <a:ln cap="flat" cmpd="sng" w="9525">
+            <a:solidFill>
+              <a:schemeClr val="dk2"/>
+            </a:solidFill>
+            <a:prstDash val="solid"/>
+            <a:round/>
+            <a:headEnd len="sm" w="sm" type="none"/>
+            <a:tailEnd len="sm" w="sm" type="none"/>
+          </a:ln>
+        </p:spPr>
+        <p:txBody>
+          <a:bodyPr anchorCtr="0" anchor="ctr" bIns="91425" lIns="91425" spcFirstLastPara="1" rIns="91425" wrap="square" tIns="91425">
+            <a:noAutofit/>
+          </a:bodyPr>
+          <a:lstStyle/>
+          <a:p>
+            <a:pPr indent="0" lvl="0" marL="0" rtl="0" algn="l">
+              <a:spcBef>
+                <a:spcPts val="0"/>
+              </a:spcBef>
+              <a:spcAft>
+                <a:spcPts val="0"/>
+              </a:spcAft>
+              <a:buNone/>
+            </a:pPr>
+            <a:r>
+              <a:t/>
+            </a:r>
+            <a:endParaRPr/>
+          </a:p>
+        </p:txBody>
+      </p:sp>
+      <p:sp>
+        <p:nvSpPr>
+          <p:cNvPr id="135" name="Google Shape;135;g1608cdc3bad_0_0"/>
+          <p:cNvSpPr/>
+          <p:nvPr/>
+        </p:nvSpPr>
+        <p:spPr>
+          <a:xfrm>
+            <a:off x="1879125" y="1415425"/>
+            <a:ext cx="1096500" cy="568200"/>
+          </a:xfrm>
+          <a:prstGeom prst="roundRect">
+            <a:avLst>
+              <a:gd fmla="val 16667" name="adj"/>
+            </a:avLst>
+          </a:prstGeom>
+          <a:solidFill>
+            <a:schemeClr val="lt2"/>
+          </a:solidFill>
+          <a:ln cap="flat" cmpd="sng" w="9525">
+            <a:solidFill>
+              <a:schemeClr val="dk2"/>
+            </a:solidFill>
+            <a:prstDash val="solid"/>
+            <a:round/>
+            <a:headEnd len="sm" w="sm" type="none"/>
+            <a:tailEnd len="sm" w="sm" type="none"/>
+          </a:ln>
+        </p:spPr>
+        <p:txBody>
+          <a:bodyPr anchorCtr="0" anchor="ctr" bIns="91425" lIns="91425" spcFirstLastPara="1" rIns="91425" wrap="square" tIns="91425">
+            <a:noAutofit/>
+          </a:bodyPr>
+          <a:lstStyle/>
+          <a:p>
+            <a:pPr indent="0" lvl="0" marL="0" rtl="0" algn="ctr">
+              <a:spcBef>
+                <a:spcPts val="0"/>
+              </a:spcBef>
+              <a:spcAft>
+                <a:spcPts val="0"/>
+              </a:spcAft>
+              <a:buNone/>
+            </a:pPr>
+            <a:r>
+              <a:rPr b="1" lang="ko-KR" sz="1200"/>
+              <a:t>유저</a:t>
+            </a:r>
+            <a:endParaRPr b="1" sz="1200"/>
+          </a:p>
+        </p:txBody>
+      </p:sp>
+      <p:sp>
+        <p:nvSpPr>
+          <p:cNvPr id="136" name="Google Shape;136;g1608cdc3bad_0_0"/>
+          <p:cNvSpPr/>
+          <p:nvPr/>
+        </p:nvSpPr>
+        <p:spPr>
+          <a:xfrm>
+            <a:off x="2497125" y="2337625"/>
+            <a:ext cx="2246400" cy="273000"/>
+          </a:xfrm>
+          <a:prstGeom prst="rightArrow">
+            <a:avLst>
+              <a:gd fmla="val 16708" name="adj1"/>
+              <a:gd fmla="val 50000" name="adj2"/>
+            </a:avLst>
+          </a:prstGeom>
+          <a:solidFill>
+            <a:schemeClr val="lt2"/>
+          </a:solidFill>
+          <a:ln cap="flat" cmpd="sng" w="9525">
+            <a:solidFill>
+              <a:schemeClr val="dk2"/>
+            </a:solidFill>
+            <a:prstDash val="solid"/>
+            <a:round/>
+            <a:headEnd len="sm" w="sm" type="none"/>
+            <a:tailEnd len="sm" w="sm" type="none"/>
+          </a:ln>
+        </p:spPr>
+        <p:txBody>
+          <a:bodyPr anchorCtr="0" anchor="ctr" bIns="91425" lIns="91425" spcFirstLastPara="1" rIns="91425" wrap="square" tIns="91425">
+            <a:noAutofit/>
+          </a:bodyPr>
+          <a:lstStyle/>
+          <a:p>
+            <a:pPr indent="0" lvl="0" marL="0" rtl="0" algn="l">
+              <a:spcBef>
+                <a:spcPts val="0"/>
+              </a:spcBef>
+              <a:spcAft>
+                <a:spcPts val="0"/>
+              </a:spcAft>
+              <a:buNone/>
+            </a:pPr>
+            <a:r>
+              <a:t/>
+            </a:r>
+            <a:endParaRPr/>
+          </a:p>
+        </p:txBody>
+      </p:sp>
+    </p:spTree>
+  </p:cSld>
+  <p:clrMapOvr>
+    <a:masterClrMapping/>
+  </p:clrMapOvr>
+</p:sld>
+</file>
+
+<file path=ppt/slides/slide7.xml><?xml version="1.0" encoding="utf-8"?>
+<p:sld xmlns:a="http://schemas.openxmlformats.org/drawingml/2006/main" xmlns:r="http://schemas.openxmlformats.org/officeDocument/2006/relationships" xmlns:mc="http://schemas.openxmlformats.org/markup-compatibility/2006" xmlns:mv="urn:schemas-microsoft-com:mac:vml" xmlns:p="http://schemas.openxmlformats.org/presentationml/2006/main" xmlns:c="http://schemas.openxmlformats.org/drawingml/2006/chart" xmlns:dgm="http://schemas.openxmlformats.org/drawingml/2006/diagram" xmlns:o="urn:schemas-microsoft-com:office:office" xmlns:v="urn:schemas-microsoft-com:vml" xmlns:pvml="urn:schemas-microsoft-com:office:powerpoint" xmlns:com="http://schemas.openxmlformats.org/drawingml/2006/compatibility" xmlns:p14="http://schemas.microsoft.com/office/powerpoint/2010/main" xmlns:p15="http://schemas.microsoft.com/office/powerpoint/2012/main" xmlns:ahyp="http://schemas.microsoft.com/office/drawing/2018/hyperlinkcolor">
+  <p:cSld>
+    <p:spTree>
+      <p:nvGrpSpPr>
+        <p:cNvPr id="140" name="Shape 140"/>
+        <p:cNvGrpSpPr/>
+        <p:nvPr/>
+      </p:nvGrpSpPr>
+      <p:grpSpPr>
+        <a:xfrm>
+          <a:off x="0" y="0"/>
+          <a:ext cx="0" cy="0"/>
+          <a:chOff x="0" y="0"/>
+          <a:chExt cx="0" cy="0"/>
+        </a:xfrm>
+      </p:grpSpPr>
+      <p:sp>
+        <p:nvSpPr>
+          <p:cNvPr id="141" name="Google Shape;141;p6"/>
+          <p:cNvSpPr txBox="1"/>
+          <p:nvPr>
+            <p:ph type="title"/>
+          </p:nvPr>
+        </p:nvSpPr>
+        <p:spPr>
+          <a:xfrm>
+            <a:off x="599925" y="64861"/>
+            <a:ext cx="10515600" cy="484500"/>
+          </a:xfrm>
+          <a:prstGeom prst="rect">
+            <a:avLst/>
+          </a:prstGeom>
+          <a:noFill/>
+          <a:ln>
+            <a:noFill/>
+          </a:ln>
+        </p:spPr>
+        <p:txBody>
+          <a:bodyPr anchorCtr="0" anchor="t" bIns="45700" lIns="91425" spcFirstLastPara="1" rIns="91425" wrap="square" tIns="45700">
+            <a:noAutofit/>
+          </a:bodyPr>
+          <a:lstStyle/>
+          <a:p>
+            <a:pPr indent="0" lvl="0" marL="0" marR="0" rtl="0" algn="l">
+              <a:lnSpc>
+                <a:spcPct val="90000"/>
+              </a:lnSpc>
+              <a:spcBef>
+                <a:spcPts val="0"/>
+              </a:spcBef>
+              <a:spcAft>
+                <a:spcPts val="0"/>
+              </a:spcAft>
+              <a:buClr>
+                <a:schemeClr val="dk1"/>
+              </a:buClr>
+              <a:buSzPts val="2800"/>
+              <a:buFont typeface="Arial"/>
+              <a:buNone/>
+            </a:pPr>
+            <a:r>
+              <a:rPr lang="ko-KR"/>
+              <a:t>4</a:t>
+            </a:r>
+            <a:r>
+              <a:rPr b="1" i="0" lang="ko-KR" sz="2800" u="none" cap="none" strike="noStrike">
+                <a:solidFill>
+                  <a:schemeClr val="dk1"/>
+                </a:solidFill>
+                <a:latin typeface="Arial"/>
+                <a:ea typeface="Arial"/>
+                <a:cs typeface="Arial"/>
+                <a:sym typeface="Arial"/>
+              </a:rPr>
               <a:t>. 프로젝트 조직 및 역할</a:t>
             </a:r>
             <a:endParaRPr/>
@@ -11071,7 +13400,7 @@
       </p:sp>
       <p:sp>
         <p:nvSpPr>
-          <p:cNvPr id="89" name="Google Shape;89;p6"/>
+          <p:cNvPr id="142" name="Google Shape;142;p6"/>
           <p:cNvSpPr txBox="1"/>
           <p:nvPr>
             <p:ph idx="1" type="body"/>
@@ -11143,21 +13472,21 @@
       </p:sp>
       <p:grpSp>
         <p:nvGrpSpPr>
-          <p:cNvPr id="90" name="Google Shape;90;p6"/>
+          <p:cNvPr id="143" name="Google Shape;143;p6"/>
           <p:cNvGrpSpPr/>
           <p:nvPr/>
         </p:nvGrpSpPr>
         <p:grpSpPr>
           <a:xfrm>
-            <a:off x="498657" y="1736113"/>
-            <a:ext cx="10804074" cy="4252650"/>
-            <a:chOff x="498657" y="1736113"/>
-            <a:chExt cx="10804074" cy="4252650"/>
+            <a:off x="498659" y="1736113"/>
+            <a:ext cx="10804072" cy="4252515"/>
+            <a:chOff x="498659" y="1736113"/>
+            <a:chExt cx="10804072" cy="4252515"/>
           </a:xfrm>
         </p:grpSpPr>
         <p:cxnSp>
           <p:nvCxnSpPr>
-            <p:cNvPr id="91" name="Google Shape;91;p6"/>
+            <p:cNvPr id="144" name="Google Shape;144;p6"/>
             <p:cNvCxnSpPr/>
             <p:nvPr/>
           </p:nvCxnSpPr>
@@ -11183,7 +13512,7 @@
         </p:cxnSp>
         <p:sp>
           <p:nvSpPr>
-            <p:cNvPr id="92" name="Google Shape;92;p6"/>
+            <p:cNvPr id="145" name="Google Shape;145;p6"/>
             <p:cNvSpPr/>
             <p:nvPr/>
           </p:nvSpPr>
@@ -11249,28 +13578,28 @@
         </p:sp>
         <p:grpSp>
           <p:nvGrpSpPr>
-            <p:cNvPr id="93" name="Google Shape;93;p6"/>
+            <p:cNvPr id="146" name="Google Shape;146;p6"/>
             <p:cNvGrpSpPr/>
             <p:nvPr/>
           </p:nvGrpSpPr>
           <p:grpSpPr>
             <a:xfrm>
-              <a:off x="498657" y="2862382"/>
-              <a:ext cx="10803770" cy="3126380"/>
-              <a:chOff x="479425" y="2766937"/>
-              <a:chExt cx="5888576" cy="1871188"/>
+              <a:off x="498659" y="2754050"/>
+              <a:ext cx="10803610" cy="3234578"/>
+              <a:chOff x="479426" y="2702098"/>
+              <a:chExt cx="5888489" cy="1935945"/>
             </a:xfrm>
           </p:grpSpPr>
           <p:sp>
             <p:nvSpPr>
-              <p:cNvPr id="94" name="Google Shape;94;p6"/>
+              <p:cNvPr id="147" name="Google Shape;147;p6"/>
               <p:cNvSpPr/>
               <p:nvPr/>
             </p:nvSpPr>
             <p:spPr>
               <a:xfrm>
-                <a:off x="2588093" y="2766937"/>
-                <a:ext cx="1670400" cy="456000"/>
+                <a:off x="2588090" y="2702098"/>
+                <a:ext cx="1670400" cy="521100"/>
               </a:xfrm>
               <a:prstGeom prst="rect">
                 <a:avLst/>
@@ -11327,21 +13656,21 @@
           </p:sp>
           <p:cxnSp>
             <p:nvCxnSpPr>
-              <p:cNvPr id="95" name="Google Shape;95;p6"/>
+              <p:cNvPr id="148" name="Google Shape;148;p6"/>
               <p:cNvCxnSpPr>
-                <a:stCxn id="94" idx="2"/>
-                <a:endCxn id="96" idx="0"/>
+                <a:stCxn id="147" idx="2"/>
+                <a:endCxn id="149" idx="0"/>
               </p:cNvCxnSpPr>
               <p:nvPr/>
             </p:nvCxnSpPr>
             <p:spPr>
               <a:xfrm flipH="1" rot="-5400000">
-                <a:off x="3466043" y="3180187"/>
-                <a:ext cx="664200" cy="749700"/>
+                <a:off x="3466190" y="3180298"/>
+                <a:ext cx="663900" cy="749700"/>
               </a:xfrm>
               <a:prstGeom prst="bentConnector3">
                 <a:avLst>
-                  <a:gd fmla="val 50007" name="adj1"/>
+                  <a:gd fmla="val 50010" name="adj1"/>
                 </a:avLst>
               </a:prstGeom>
               <a:noFill/>
@@ -11358,42 +13687,42 @@
           </p:cxnSp>
           <p:grpSp>
             <p:nvGrpSpPr>
-              <p:cNvPr id="97" name="Google Shape;97;p6"/>
+              <p:cNvPr id="150" name="Google Shape;150;p6"/>
               <p:cNvGrpSpPr/>
               <p:nvPr/>
             </p:nvGrpSpPr>
             <p:grpSpPr>
               <a:xfrm>
-                <a:off x="479425" y="3887235"/>
-                <a:ext cx="5888576" cy="750889"/>
-                <a:chOff x="1236843" y="3887235"/>
-                <a:chExt cx="6951602" cy="750889"/>
+                <a:off x="479426" y="3887234"/>
+                <a:ext cx="5888489" cy="750810"/>
+                <a:chOff x="1236844" y="3887234"/>
+                <a:chExt cx="6951499" cy="750810"/>
               </a:xfrm>
             </p:grpSpPr>
             <p:grpSp>
               <p:nvGrpSpPr>
-                <p:cNvPr id="98" name="Google Shape;98;p6"/>
+                <p:cNvPr id="151" name="Google Shape;151;p6"/>
                 <p:cNvGrpSpPr/>
                 <p:nvPr/>
               </p:nvGrpSpPr>
               <p:grpSpPr>
                 <a:xfrm>
-                  <a:off x="1236843" y="3887235"/>
-                  <a:ext cx="1671405" cy="747711"/>
-                  <a:chOff x="3798888" y="2497558"/>
-                  <a:chExt cx="1671405" cy="747711"/>
+                  <a:off x="1236844" y="3887234"/>
+                  <a:ext cx="1671300" cy="747711"/>
+                  <a:chOff x="3798889" y="2497557"/>
+                  <a:chExt cx="1671300" cy="747711"/>
                 </a:xfrm>
               </p:grpSpPr>
               <p:sp>
                 <p:nvSpPr>
-                  <p:cNvPr id="99" name="Google Shape;99;p6"/>
+                  <p:cNvPr id="152" name="Google Shape;152;p6"/>
                   <p:cNvSpPr/>
                   <p:nvPr/>
                 </p:nvSpPr>
                 <p:spPr>
                   <a:xfrm>
-                    <a:off x="3798888" y="2789238"/>
-                    <a:ext cx="1670259" cy="456031"/>
+                    <a:off x="3798889" y="2718768"/>
+                    <a:ext cx="1670400" cy="526500"/>
                   </a:xfrm>
                   <a:prstGeom prst="rect">
                     <a:avLst/>
@@ -11433,10 +13762,9 @@
                       <a:buNone/>
                     </a:pPr>
                     <a:r>
-                      <a:rPr lang="ko-KR" sz="1500"/>
-                      <a:t>데이터 수집 및 분석,</a:t>
+                      <a:t/>
                     </a:r>
-                    <a:endParaRPr sz="1500"/>
+                    <a:endParaRPr sz="1300"/>
                   </a:p>
                   <a:p>
                     <a:pPr indent="0" lvl="0" marL="0" marR="0" rtl="0" algn="ctr">
@@ -11457,8 +13785,103 @@
                       <a:buNone/>
                     </a:pPr>
                     <a:r>
-                      <a:rPr lang="ko-KR" sz="1500"/>
-                      <a:t>데이터 전처리 모듈</a:t>
+                      <a:rPr lang="ko-KR" sz="1300"/>
+                      <a:t>데이터 수집 및 분석,</a:t>
+                    </a:r>
+                    <a:endParaRPr sz="1300"/>
+                  </a:p>
+                  <a:p>
+                    <a:pPr indent="0" lvl="0" marL="0" marR="0" rtl="0" algn="ctr">
+                      <a:lnSpc>
+                        <a:spcPct val="100000"/>
+                      </a:lnSpc>
+                      <a:spcBef>
+                        <a:spcPts val="0"/>
+                      </a:spcBef>
+                      <a:spcAft>
+                        <a:spcPts val="0"/>
+                      </a:spcAft>
+                      <a:buClr>
+                        <a:srgbClr val="000000"/>
+                      </a:buClr>
+                      <a:buSzPts val="1200"/>
+                      <a:buFont typeface="Arial"/>
+                      <a:buNone/>
+                    </a:pPr>
+                    <a:r>
+                      <a:rPr lang="ko-KR" sz="1300"/>
+                      <a:t>Raw Data 수집 모듈,</a:t>
+                    </a:r>
+                    <a:endParaRPr sz="1300"/>
+                  </a:p>
+                  <a:p>
+                    <a:pPr indent="0" lvl="0" marL="0" marR="0" rtl="0" algn="ctr">
+                      <a:lnSpc>
+                        <a:spcPct val="100000"/>
+                      </a:lnSpc>
+                      <a:spcBef>
+                        <a:spcPts val="0"/>
+                      </a:spcBef>
+                      <a:spcAft>
+                        <a:spcPts val="0"/>
+                      </a:spcAft>
+                      <a:buClr>
+                        <a:srgbClr val="000000"/>
+                      </a:buClr>
+                      <a:buSzPts val="1200"/>
+                      <a:buFont typeface="Arial"/>
+                      <a:buNone/>
+                    </a:pPr>
+                    <a:r>
+                      <a:rPr lang="ko-KR" sz="1300"/>
+                      <a:t>데이터 전처리 모듈,</a:t>
+                    </a:r>
+                    <a:endParaRPr sz="1300"/>
+                  </a:p>
+                  <a:p>
+                    <a:pPr indent="0" lvl="0" marL="0" marR="0" rtl="0" algn="ctr">
+                      <a:lnSpc>
+                        <a:spcPct val="100000"/>
+                      </a:lnSpc>
+                      <a:spcBef>
+                        <a:spcPts val="0"/>
+                      </a:spcBef>
+                      <a:spcAft>
+                        <a:spcPts val="0"/>
+                      </a:spcAft>
+                      <a:buClr>
+                        <a:srgbClr val="000000"/>
+                      </a:buClr>
+                      <a:buSzPts val="1200"/>
+                      <a:buFont typeface="Arial"/>
+                      <a:buNone/>
+                    </a:pPr>
+                    <a:r>
+                      <a:rPr lang="ko-KR" sz="1300"/>
+                      <a:t>관계형 DB</a:t>
+                    </a:r>
+                    <a:endParaRPr sz="1300"/>
+                  </a:p>
+                  <a:p>
+                    <a:pPr indent="0" lvl="0" marL="0" marR="0" rtl="0" algn="ctr">
+                      <a:lnSpc>
+                        <a:spcPct val="100000"/>
+                      </a:lnSpc>
+                      <a:spcBef>
+                        <a:spcPts val="0"/>
+                      </a:spcBef>
+                      <a:spcAft>
+                        <a:spcPts val="0"/>
+                      </a:spcAft>
+                      <a:buClr>
+                        <a:srgbClr val="000000"/>
+                      </a:buClr>
+                      <a:buSzPts val="1200"/>
+                      <a:buFont typeface="Arial"/>
+                      <a:buNone/>
+                    </a:pPr>
+                    <a:r>
+                      <a:t/>
                     </a:r>
                     <a:endParaRPr sz="1500"/>
                   </a:p>
@@ -11466,14 +13889,14 @@
               </p:sp>
               <p:sp>
                 <p:nvSpPr>
-                  <p:cNvPr descr="강-4단" id="100" name="Google Shape;100;p6"/>
+                  <p:cNvPr descr="강-4단" id="153" name="Google Shape;153;p6"/>
                   <p:cNvSpPr/>
                   <p:nvPr/>
                 </p:nvSpPr>
                 <p:spPr>
                   <a:xfrm>
-                    <a:off x="3798888" y="2497558"/>
-                    <a:ext cx="1671405" cy="288925"/>
+                    <a:off x="3798889" y="2497557"/>
+                    <a:ext cx="1671300" cy="221100"/>
                   </a:xfrm>
                   <a:prstGeom prst="rect">
                     <a:avLst/>
@@ -11545,28 +13968,28 @@
             </p:grpSp>
             <p:grpSp>
               <p:nvGrpSpPr>
-                <p:cNvPr id="101" name="Google Shape;101;p6"/>
+                <p:cNvPr id="154" name="Google Shape;154;p6"/>
                 <p:cNvGrpSpPr/>
                 <p:nvPr/>
               </p:nvGrpSpPr>
               <p:grpSpPr>
                 <a:xfrm>
-                  <a:off x="2999240" y="3890444"/>
-                  <a:ext cx="1671300" cy="747680"/>
-                  <a:chOff x="3834943" y="2500767"/>
-                  <a:chExt cx="1671300" cy="747680"/>
+                  <a:off x="2999243" y="3890449"/>
+                  <a:ext cx="1671300" cy="747594"/>
+                  <a:chOff x="3834946" y="2500772"/>
+                  <a:chExt cx="1671300" cy="747594"/>
                 </a:xfrm>
               </p:grpSpPr>
               <p:sp>
                 <p:nvSpPr>
-                  <p:cNvPr id="102" name="Google Shape;102;p6"/>
+                  <p:cNvPr id="155" name="Google Shape;155;p6"/>
                   <p:cNvSpPr/>
                   <p:nvPr/>
                 </p:nvSpPr>
                 <p:spPr>
                   <a:xfrm>
-                    <a:off x="3834943" y="2792447"/>
-                    <a:ext cx="1670400" cy="456000"/>
+                    <a:off x="3834946" y="2721867"/>
+                    <a:ext cx="1670400" cy="526500"/>
                   </a:xfrm>
                   <a:prstGeom prst="rect">
                     <a:avLst/>
@@ -11603,14 +14026,14 @@
                       <a:buNone/>
                     </a:pPr>
                     <a:r>
-                      <a:rPr lang="ko-KR" sz="1500">
+                      <a:rPr lang="ko-KR" sz="1300">
                         <a:solidFill>
                           <a:schemeClr val="dk1"/>
                         </a:solidFill>
                       </a:rPr>
                       <a:t>데이터 수집 및 분석,</a:t>
                     </a:r>
-                    <a:endParaRPr sz="1500">
+                    <a:endParaRPr sz="1300">
                       <a:solidFill>
                         <a:schemeClr val="dk1"/>
                       </a:solidFill>
@@ -11632,14 +14055,72 @@
                       <a:buNone/>
                     </a:pPr>
                     <a:r>
-                      <a:rPr lang="ko-KR" sz="1500">
+                      <a:rPr lang="ko-KR" sz="1300">
                         <a:solidFill>
                           <a:schemeClr val="dk1"/>
                         </a:solidFill>
                       </a:rPr>
-                      <a:t>Raw Data 수집 모듈</a:t>
+                      <a:t>정보 정제 모듈,</a:t>
                     </a:r>
-                    <a:endParaRPr sz="1500">
+                    <a:endParaRPr sz="1300">
+                      <a:solidFill>
+                        <a:schemeClr val="dk1"/>
+                      </a:solidFill>
+                    </a:endParaRPr>
+                  </a:p>
+                  <a:p>
+                    <a:pPr indent="0" lvl="0" marL="0" rtl="0" algn="ctr">
+                      <a:spcBef>
+                        <a:spcPts val="0"/>
+                      </a:spcBef>
+                      <a:spcAft>
+                        <a:spcPts val="0"/>
+                      </a:spcAft>
+                      <a:buClr>
+                        <a:schemeClr val="dk1"/>
+                      </a:buClr>
+                      <a:buSzPts val="1200"/>
+                      <a:buFont typeface="Arial"/>
+                      <a:buNone/>
+                    </a:pPr>
+                    <a:r>
+                      <a:rPr lang="ko-KR" sz="1300">
+                        <a:solidFill>
+                          <a:schemeClr val="dk1"/>
+                        </a:solidFill>
+                      </a:rPr>
+                      <a:t>관광 데이터 제공 시스템,</a:t>
+                    </a:r>
+                    <a:endParaRPr sz="1300">
+                      <a:solidFill>
+                        <a:schemeClr val="dk1"/>
+                      </a:solidFill>
+                    </a:endParaRPr>
+                  </a:p>
+                  <a:p>
+                    <a:pPr indent="0" lvl="0" marL="0" rtl="0" algn="ctr">
+                      <a:spcBef>
+                        <a:spcPts val="0"/>
+                      </a:spcBef>
+                      <a:spcAft>
+                        <a:spcPts val="0"/>
+                      </a:spcAft>
+                      <a:buClr>
+                        <a:schemeClr val="dk1"/>
+                      </a:buClr>
+                      <a:buSzPts val="1200"/>
+                      <a:buFont typeface="Arial"/>
+                      <a:buNone/>
+                    </a:pPr>
+                    <a:r>
+                      <a:rPr lang="ko-KR" sz="1300">
+                        <a:solidFill>
+                          <a:schemeClr val="dk1"/>
+                        </a:solidFill>
+                      </a:rPr>
+                      <a:t>적조 알라미 GUI</a:t>
+                    </a:r>
+                    <a:endParaRPr sz="1300">
                       <a:solidFill>
                         <a:schemeClr val="dk1"/>
                       </a:solidFill>
@@ -11649,14 +14130,14 @@
               </p:sp>
               <p:sp>
                 <p:nvSpPr>
-                  <p:cNvPr descr="강-4단" id="103" name="Google Shape;103;p6"/>
+                  <p:cNvPr descr="강-4단" id="156" name="Google Shape;156;p6"/>
                   <p:cNvSpPr/>
                   <p:nvPr/>
                 </p:nvSpPr>
                 <p:spPr>
                   <a:xfrm>
-                    <a:off x="3834943" y="2500767"/>
-                    <a:ext cx="1671300" cy="288900"/>
+                    <a:off x="3834946" y="2500772"/>
+                    <a:ext cx="1671300" cy="221100"/>
                   </a:xfrm>
                   <a:prstGeom prst="rect">
                     <a:avLst/>
@@ -11716,28 +14197,28 @@
             </p:grpSp>
             <p:grpSp>
               <p:nvGrpSpPr>
-                <p:cNvPr id="104" name="Google Shape;104;p6"/>
+                <p:cNvPr id="157" name="Google Shape;157;p6"/>
                 <p:cNvGrpSpPr/>
                 <p:nvPr/>
               </p:nvGrpSpPr>
               <p:grpSpPr>
                 <a:xfrm>
-                  <a:off x="4761631" y="3887235"/>
-                  <a:ext cx="1671405" cy="747711"/>
-                  <a:chOff x="3798888" y="2497558"/>
-                  <a:chExt cx="1671405" cy="747711"/>
+                  <a:off x="4761626" y="3887234"/>
+                  <a:ext cx="1671300" cy="747711"/>
+                  <a:chOff x="3798883" y="2497557"/>
+                  <a:chExt cx="1671300" cy="747711"/>
                 </a:xfrm>
               </p:grpSpPr>
               <p:sp>
                 <p:nvSpPr>
-                  <p:cNvPr id="105" name="Google Shape;105;p6"/>
+                  <p:cNvPr id="158" name="Google Shape;158;p6"/>
                   <p:cNvSpPr/>
                   <p:nvPr/>
                 </p:nvSpPr>
                 <p:spPr>
                   <a:xfrm>
-                    <a:off x="3798888" y="2789238"/>
-                    <a:ext cx="1670259" cy="456031"/>
+                    <a:off x="3798883" y="2718768"/>
+                    <a:ext cx="1670400" cy="526500"/>
                   </a:xfrm>
                   <a:prstGeom prst="rect">
                     <a:avLst/>
@@ -11774,14 +14255,9 @@
                       <a:buNone/>
                     </a:pPr>
                     <a:r>
-                      <a:rPr lang="ko-KR" sz="1500">
-                        <a:solidFill>
-                          <a:schemeClr val="dk1"/>
-                        </a:solidFill>
-                      </a:rPr>
-                      <a:t>데이터 수집 및 분석,</a:t>
+                      <a:t/>
                     </a:r>
-                    <a:endParaRPr sz="1500">
+                    <a:endParaRPr sz="1300">
                       <a:solidFill>
                         <a:schemeClr val="dk1"/>
                       </a:solidFill>
@@ -11803,14 +14279,125 @@
                       <a:buNone/>
                     </a:pPr>
                     <a:r>
-                      <a:rPr lang="ko-KR" sz="1500">
+                      <a:rPr lang="ko-KR" sz="1300">
                         <a:solidFill>
                           <a:schemeClr val="dk1"/>
                         </a:solidFill>
                       </a:rPr>
-                      <a:t>관계형 DB구축</a:t>
+                      <a:t>데이터 수집 및 분석,</a:t>
                     </a:r>
-                    <a:endParaRPr sz="1500">
+                    <a:endParaRPr sz="1300">
+                      <a:solidFill>
+                        <a:schemeClr val="dk1"/>
+                      </a:solidFill>
+                    </a:endParaRPr>
+                  </a:p>
+                  <a:p>
+                    <a:pPr indent="0" lvl="0" marL="0" rtl="0" algn="ctr">
+                      <a:spcBef>
+                        <a:spcPts val="0"/>
+                      </a:spcBef>
+                      <a:spcAft>
+                        <a:spcPts val="0"/>
+                      </a:spcAft>
+                      <a:buClr>
+                        <a:schemeClr val="dk1"/>
+                      </a:buClr>
+                      <a:buSzPts val="1200"/>
+                      <a:buFont typeface="Arial"/>
+                      <a:buNone/>
+                    </a:pPr>
+                    <a:r>
+                      <a:rPr lang="ko-KR" sz="1300">
+                        <a:solidFill>
+                          <a:schemeClr val="dk1"/>
+                        </a:solidFill>
+                      </a:rPr>
+                      <a:t>정보 정제 모듈,</a:t>
+                    </a:r>
+                    <a:endParaRPr sz="1300">
+                      <a:solidFill>
+                        <a:schemeClr val="dk1"/>
+                      </a:solidFill>
+                    </a:endParaRPr>
+                  </a:p>
+                  <a:p>
+                    <a:pPr indent="0" lvl="0" marL="0" rtl="0" algn="ctr">
+                      <a:spcBef>
+                        <a:spcPts val="0"/>
+                      </a:spcBef>
+                      <a:spcAft>
+                        <a:spcPts val="0"/>
+                      </a:spcAft>
+                      <a:buClr>
+                        <a:schemeClr val="dk1"/>
+                      </a:buClr>
+                      <a:buSzPts val="1200"/>
+                      <a:buFont typeface="Arial"/>
+                      <a:buNone/>
+                    </a:pPr>
+                    <a:r>
+                      <a:rPr lang="ko-KR" sz="1300">
+                        <a:solidFill>
+                          <a:schemeClr val="dk1"/>
+                        </a:solidFill>
+                      </a:rPr>
+                      <a:t>날씨 정보 제공 시스템,</a:t>
+                    </a:r>
+                    <a:endParaRPr sz="1300">
+                      <a:solidFill>
+                        <a:schemeClr val="dk1"/>
+                      </a:solidFill>
+                    </a:endParaRPr>
+                  </a:p>
+                  <a:p>
+                    <a:pPr indent="0" lvl="0" marL="0" rtl="0" algn="ctr">
+                      <a:spcBef>
+                        <a:spcPts val="0"/>
+                      </a:spcBef>
+                      <a:spcAft>
+                        <a:spcPts val="0"/>
+                      </a:spcAft>
+                      <a:buClr>
+                        <a:schemeClr val="dk1"/>
+                      </a:buClr>
+                      <a:buSzPts val="1200"/>
+                      <a:buFont typeface="Arial"/>
+                      <a:buNone/>
+                    </a:pPr>
+                    <a:r>
+                      <a:rPr lang="ko-KR" sz="1300">
+                        <a:solidFill>
+                          <a:schemeClr val="dk1"/>
+                        </a:solidFill>
+                      </a:rPr>
+                      <a:t>적조 알라미 GUI</a:t>
+                    </a:r>
+                    <a:endParaRPr sz="1300">
+                      <a:solidFill>
+                        <a:schemeClr val="dk1"/>
+                      </a:solidFill>
+                    </a:endParaRPr>
+                  </a:p>
+                  <a:p>
+                    <a:pPr indent="0" lvl="0" marL="0" rtl="0" algn="ctr">
+                      <a:spcBef>
+                        <a:spcPts val="0"/>
+                      </a:spcBef>
+                      <a:spcAft>
+                        <a:spcPts val="0"/>
+                      </a:spcAft>
+                      <a:buClr>
+                        <a:schemeClr val="dk1"/>
+                      </a:buClr>
+                      <a:buSzPts val="1200"/>
+                      <a:buFont typeface="Arial"/>
+                      <a:buNone/>
+                    </a:pPr>
+                    <a:r>
+                      <a:t/>
+                    </a:r>
+                    <a:endParaRPr sz="1300">
                       <a:solidFill>
                         <a:schemeClr val="dk1"/>
                       </a:solidFill>
@@ -11820,14 +14407,14 @@
               </p:sp>
               <p:sp>
                 <p:nvSpPr>
-                  <p:cNvPr descr="강-4단" id="96" name="Google Shape;96;p6"/>
+                  <p:cNvPr descr="강-4단" id="149" name="Google Shape;149;p6"/>
                   <p:cNvSpPr/>
                   <p:nvPr/>
                 </p:nvSpPr>
                 <p:spPr>
                   <a:xfrm>
-                    <a:off x="3798888" y="2497558"/>
-                    <a:ext cx="1671405" cy="288925"/>
+                    <a:off x="3798883" y="2497557"/>
+                    <a:ext cx="1671300" cy="221100"/>
                   </a:xfrm>
                   <a:prstGeom prst="rect">
                     <a:avLst/>
@@ -11888,28 +14475,28 @@
             </p:grpSp>
             <p:grpSp>
               <p:nvGrpSpPr>
-                <p:cNvPr id="106" name="Google Shape;106;p6"/>
+                <p:cNvPr id="159" name="Google Shape;159;p6"/>
                 <p:cNvGrpSpPr/>
                 <p:nvPr/>
               </p:nvGrpSpPr>
               <p:grpSpPr>
                 <a:xfrm>
-                  <a:off x="6517040" y="3887235"/>
-                  <a:ext cx="1671405" cy="747711"/>
-                  <a:chOff x="3798888" y="2497558"/>
-                  <a:chExt cx="1671405" cy="747711"/>
+                  <a:off x="6517043" y="3887234"/>
+                  <a:ext cx="1671300" cy="747711"/>
+                  <a:chOff x="3798891" y="2497557"/>
+                  <a:chExt cx="1671300" cy="747711"/>
                 </a:xfrm>
               </p:grpSpPr>
               <p:sp>
                 <p:nvSpPr>
-                  <p:cNvPr id="107" name="Google Shape;107;p6"/>
+                  <p:cNvPr id="160" name="Google Shape;160;p6"/>
                   <p:cNvSpPr/>
                   <p:nvPr/>
                 </p:nvSpPr>
                 <p:spPr>
                   <a:xfrm>
-                    <a:off x="3798888" y="2789238"/>
-                    <a:ext cx="1670259" cy="456031"/>
+                    <a:off x="3798891" y="2718768"/>
+                    <a:ext cx="1670400" cy="526500"/>
                   </a:xfrm>
                   <a:prstGeom prst="rect">
                     <a:avLst/>
@@ -11946,14 +14533,14 @@
                       <a:buNone/>
                     </a:pPr>
                     <a:r>
-                      <a:rPr lang="ko-KR" sz="1500">
+                      <a:rPr lang="ko-KR" sz="1300">
                         <a:solidFill>
                           <a:schemeClr val="dk1"/>
                         </a:solidFill>
                       </a:rPr>
                       <a:t>데이터 수집 및 분석,</a:t>
                     </a:r>
-                    <a:endParaRPr sz="1500">
+                    <a:endParaRPr sz="1300">
                       <a:solidFill>
                         <a:schemeClr val="dk1"/>
                       </a:solidFill>
@@ -11975,27 +14562,60 @@
                       <a:buNone/>
                     </a:pPr>
                     <a:r>
-                      <a:rPr lang="ko-KR" sz="1500">
+                      <a:rPr lang="ko-KR" sz="1300">
                         <a:solidFill>
                           <a:schemeClr val="dk1"/>
                         </a:solidFill>
                       </a:rPr>
-                      <a:t>모델 개발</a:t>
+                      <a:t>예측 Model,</a:t>
                     </a:r>
-                    <a:endParaRPr sz="1700"/>
+                    <a:endParaRPr sz="1300">
+                      <a:solidFill>
+                        <a:schemeClr val="dk1"/>
+                      </a:solidFill>
+                    </a:endParaRPr>
+                  </a:p>
+                  <a:p>
+                    <a:pPr indent="0" lvl="0" marL="0" rtl="0" algn="ctr">
+                      <a:spcBef>
+                        <a:spcPts val="0"/>
+                      </a:spcBef>
+                      <a:spcAft>
+                        <a:spcPts val="0"/>
+                      </a:spcAft>
+                      <a:buClr>
+                        <a:schemeClr val="dk1"/>
+                      </a:buClr>
+                      <a:buSzPts val="1200"/>
+                      <a:buFont typeface="Arial"/>
+                      <a:buNone/>
+                    </a:pPr>
+                    <a:r>
+                      <a:rPr lang="ko-KR" sz="1300">
+                        <a:solidFill>
+                          <a:schemeClr val="dk1"/>
+                        </a:solidFill>
+                      </a:rPr>
+                      <a:t>적조 예측 시스템</a:t>
+                    </a:r>
+                    <a:endParaRPr sz="1300">
+                      <a:solidFill>
+                        <a:schemeClr val="dk1"/>
+                      </a:solidFill>
+                    </a:endParaRPr>
                   </a:p>
                 </p:txBody>
               </p:sp>
               <p:sp>
                 <p:nvSpPr>
-                  <p:cNvPr descr="강-4단" id="108" name="Google Shape;108;p6"/>
+                  <p:cNvPr descr="강-4단" id="161" name="Google Shape;161;p6"/>
                   <p:cNvSpPr/>
                   <p:nvPr/>
                 </p:nvSpPr>
                 <p:spPr>
                   <a:xfrm>
-                    <a:off x="3798888" y="2497558"/>
-                    <a:ext cx="1671405" cy="288925"/>
+                    <a:off x="3798891" y="2497557"/>
+                    <a:ext cx="1671300" cy="221100"/>
                   </a:xfrm>
                   <a:prstGeom prst="rect">
                     <a:avLst/>
@@ -12053,21 +14673,21 @@
           </p:grpSp>
           <p:cxnSp>
             <p:nvCxnSpPr>
-              <p:cNvPr id="109" name="Google Shape;109;p6"/>
+              <p:cNvPr id="162" name="Google Shape;162;p6"/>
               <p:cNvCxnSpPr>
-                <a:stCxn id="94" idx="2"/>
-                <a:endCxn id="108" idx="0"/>
+                <a:stCxn id="147" idx="2"/>
+                <a:endCxn id="161" idx="0"/>
               </p:cNvCxnSpPr>
               <p:nvPr/>
             </p:nvCxnSpPr>
             <p:spPr>
               <a:xfrm flipH="1" rot="-5400000">
-                <a:off x="4209593" y="2436637"/>
-                <a:ext cx="664200" cy="2236800"/>
+                <a:off x="4209740" y="2436748"/>
+                <a:ext cx="663900" cy="2236800"/>
               </a:xfrm>
               <a:prstGeom prst="bentConnector3">
                 <a:avLst>
-                  <a:gd fmla="val 50007" name="adj1"/>
+                  <a:gd fmla="val 50010" name="adj1"/>
                 </a:avLst>
               </a:prstGeom>
               <a:noFill/>
@@ -12084,21 +14704,21 @@
           </p:cxnSp>
           <p:cxnSp>
             <p:nvCxnSpPr>
-              <p:cNvPr id="110" name="Google Shape;110;p6"/>
+              <p:cNvPr id="163" name="Google Shape;163;p6"/>
               <p:cNvCxnSpPr>
-                <a:stCxn id="94" idx="2"/>
-                <a:endCxn id="100" idx="0"/>
+                <a:stCxn id="147" idx="2"/>
+                <a:endCxn id="153" idx="0"/>
               </p:cNvCxnSpPr>
               <p:nvPr/>
             </p:nvCxnSpPr>
             <p:spPr>
               <a:xfrm rot="5400000">
-                <a:off x="1973243" y="2437087"/>
-                <a:ext cx="664200" cy="2235900"/>
+                <a:off x="1973390" y="2437198"/>
+                <a:ext cx="663900" cy="2235900"/>
               </a:xfrm>
               <a:prstGeom prst="bentConnector3">
                 <a:avLst>
-                  <a:gd fmla="val 50007" name="adj1"/>
+                  <a:gd fmla="val 50010" name="adj1"/>
                 </a:avLst>
               </a:prstGeom>
               <a:noFill/>
@@ -12115,21 +14735,21 @@
           </p:cxnSp>
           <p:cxnSp>
             <p:nvCxnSpPr>
-              <p:cNvPr id="111" name="Google Shape;111;p6"/>
+              <p:cNvPr id="164" name="Google Shape;164;p6"/>
               <p:cNvCxnSpPr>
-                <a:stCxn id="94" idx="2"/>
-                <a:endCxn id="103" idx="0"/>
+                <a:stCxn id="147" idx="2"/>
+                <a:endCxn id="156" idx="0"/>
               </p:cNvCxnSpPr>
               <p:nvPr/>
             </p:nvCxnSpPr>
             <p:spPr>
               <a:xfrm rot="5400000">
-                <a:off x="2717993" y="3185137"/>
-                <a:ext cx="667500" cy="743100"/>
+                <a:off x="2718140" y="3185248"/>
+                <a:ext cx="667200" cy="743100"/>
               </a:xfrm>
               <a:prstGeom prst="bentConnector3">
                 <a:avLst>
-                  <a:gd fmla="val 50001" name="adj1"/>
+                  <a:gd fmla="val 50004" name="adj1"/>
                 </a:avLst>
               </a:prstGeom>
               <a:noFill/>
@@ -12147,14 +14767,14 @@
         </p:grpSp>
         <p:sp>
           <p:nvSpPr>
-            <p:cNvPr descr="강-4단" id="112" name="Google Shape;112;p6"/>
+            <p:cNvPr descr="강-4단" id="165" name="Google Shape;165;p6"/>
             <p:cNvSpPr/>
             <p:nvPr/>
           </p:nvSpPr>
           <p:spPr>
             <a:xfrm>
               <a:off x="4379225" y="2384750"/>
-              <a:ext cx="3051000" cy="482700"/>
+              <a:ext cx="3051000" cy="369300"/>
             </a:xfrm>
             <a:prstGeom prst="rect">
               <a:avLst/>
@@ -12220,12 +14840,12 @@
 </p:sld>
 </file>
 
-<file path=ppt/slides/slide6.xml><?xml version="1.0" encoding="utf-8"?>
+<file path=ppt/slides/slide8.xml><?xml version="1.0" encoding="utf-8"?>
 <p:sld xmlns:a="http://schemas.openxmlformats.org/drawingml/2006/main" xmlns:r="http://schemas.openxmlformats.org/officeDocument/2006/relationships" xmlns:mc="http://schemas.openxmlformats.org/markup-compatibility/2006" xmlns:mv="urn:schemas-microsoft-com:mac:vml" xmlns:p="http://schemas.openxmlformats.org/presentationml/2006/main" xmlns:c="http://schemas.openxmlformats.org/drawingml/2006/chart" xmlns:dgm="http://schemas.openxmlformats.org/drawingml/2006/diagram" xmlns:o="urn:schemas-microsoft-com:office:office" xmlns:v="urn:schemas-microsoft-com:vml" xmlns:pvml="urn:schemas-microsoft-com:office:powerpoint" xmlns:com="http://schemas.openxmlformats.org/drawingml/2006/compatibility" xmlns:p14="http://schemas.microsoft.com/office/powerpoint/2010/main" xmlns:p15="http://schemas.microsoft.com/office/powerpoint/2012/main" xmlns:ahyp="http://schemas.microsoft.com/office/drawing/2018/hyperlinkcolor">
   <p:cSld>
     <p:spTree>
       <p:nvGrpSpPr>
-        <p:cNvPr id="116" name="Shape 116"/>
+        <p:cNvPr id="169" name="Shape 169"/>
         <p:cNvGrpSpPr/>
         <p:nvPr/>
       </p:nvGrpSpPr>
@@ -12239,814 +14859,7 @@
       </p:grpSpPr>
       <p:sp>
         <p:nvSpPr>
-          <p:cNvPr id="117" name="Google Shape;117;g15e82f3f442_33_1"/>
-          <p:cNvSpPr txBox="1"/>
-          <p:nvPr>
-            <p:ph type="title"/>
-          </p:nvPr>
-        </p:nvSpPr>
-        <p:spPr>
-          <a:xfrm>
-            <a:off x="479425" y="135136"/>
-            <a:ext cx="10515600" cy="484500"/>
-          </a:xfrm>
-          <a:prstGeom prst="rect">
-            <a:avLst/>
-          </a:prstGeom>
-          <a:noFill/>
-          <a:ln>
-            <a:noFill/>
-          </a:ln>
-        </p:spPr>
-        <p:txBody>
-          <a:bodyPr anchorCtr="0" anchor="t" bIns="45700" lIns="91425" spcFirstLastPara="1" rIns="91425" wrap="square" tIns="45700">
-            <a:noAutofit/>
-          </a:bodyPr>
-          <a:lstStyle/>
-          <a:p>
-            <a:pPr indent="0" lvl="0" marL="0" marR="0" rtl="0" algn="l">
-              <a:lnSpc>
-                <a:spcPct val="90000"/>
-              </a:lnSpc>
-              <a:spcBef>
-                <a:spcPts val="0"/>
-              </a:spcBef>
-              <a:spcAft>
-                <a:spcPts val="0"/>
-              </a:spcAft>
-              <a:buClr>
-                <a:schemeClr val="dk1"/>
-              </a:buClr>
-              <a:buSzPts val="2800"/>
-              <a:buFont typeface="Arial"/>
-              <a:buNone/>
-            </a:pPr>
-            <a:r>
-              <a:rPr lang="ko-KR"/>
-              <a:t>4</a:t>
-            </a:r>
-            <a:r>
-              <a:rPr b="1" i="0" lang="ko-KR" sz="2800" u="none" cap="none" strike="noStrike">
-                <a:solidFill>
-                  <a:schemeClr val="dk1"/>
-                </a:solidFill>
-                <a:latin typeface="Arial"/>
-                <a:ea typeface="Arial"/>
-                <a:cs typeface="Arial"/>
-                <a:sym typeface="Arial"/>
-              </a:rPr>
-              <a:t>. 프로젝트 </a:t>
-            </a:r>
-            <a:r>
-              <a:rPr lang="ko-KR"/>
-              <a:t>구성도</a:t>
-            </a:r>
-            <a:endParaRPr/>
-          </a:p>
-        </p:txBody>
-      </p:sp>
-      <p:grpSp>
-        <p:nvGrpSpPr>
-          <p:cNvPr id="118" name="Google Shape;118;g15e82f3f442_33_1"/>
-          <p:cNvGrpSpPr/>
-          <p:nvPr/>
-        </p:nvGrpSpPr>
-        <p:grpSpPr>
-          <a:xfrm>
-            <a:off x="1591449" y="1129878"/>
-            <a:ext cx="9009098" cy="5306425"/>
-            <a:chOff x="1484499" y="1107353"/>
-            <a:chExt cx="9009098" cy="5306425"/>
-          </a:xfrm>
-        </p:grpSpPr>
-        <p:grpSp>
-          <p:nvGrpSpPr>
-            <p:cNvPr id="119" name="Google Shape;119;g15e82f3f442_33_1"/>
-            <p:cNvGrpSpPr/>
-            <p:nvPr/>
-          </p:nvGrpSpPr>
-          <p:grpSpPr>
-            <a:xfrm>
-              <a:off x="1484499" y="1107353"/>
-              <a:ext cx="9009098" cy="4703425"/>
-              <a:chOff x="2286420" y="1231125"/>
-              <a:chExt cx="8043119" cy="3971816"/>
-            </a:xfrm>
-          </p:grpSpPr>
-          <p:sp>
-            <p:nvSpPr>
-              <p:cNvPr id="120" name="Google Shape;120;g15e82f3f442_33_1"/>
-              <p:cNvSpPr/>
-              <p:nvPr/>
-            </p:nvSpPr>
-            <p:spPr>
-              <a:xfrm>
-                <a:off x="9069539" y="2867086"/>
-                <a:ext cx="1260000" cy="1260000"/>
-              </a:xfrm>
-              <a:prstGeom prst="roundRect">
-                <a:avLst>
-                  <a:gd fmla="val 16667" name="adj"/>
-                </a:avLst>
-              </a:prstGeom>
-              <a:solidFill>
-                <a:schemeClr val="lt2"/>
-              </a:solidFill>
-              <a:ln cap="flat" cmpd="sng" w="28575">
-                <a:solidFill>
-                  <a:schemeClr val="dk2"/>
-                </a:solidFill>
-                <a:prstDash val="solid"/>
-                <a:round/>
-                <a:headEnd len="sm" w="sm" type="none"/>
-                <a:tailEnd len="sm" w="sm" type="none"/>
-              </a:ln>
-            </p:spPr>
-            <p:txBody>
-              <a:bodyPr anchorCtr="0" anchor="ctr" bIns="91425" lIns="91425" spcFirstLastPara="1" rIns="91425" wrap="square" tIns="91425">
-                <a:noAutofit/>
-              </a:bodyPr>
-              <a:lstStyle/>
-              <a:p>
-                <a:pPr indent="0" lvl="0" marL="0" rtl="0" algn="ctr">
-                  <a:spcBef>
-                    <a:spcPts val="0"/>
-                  </a:spcBef>
-                  <a:spcAft>
-                    <a:spcPts val="0"/>
-                  </a:spcAft>
-                  <a:buNone/>
-                </a:pPr>
-                <a:r>
-                  <a:rPr b="1" lang="ko-KR" sz="1500"/>
-                  <a:t>U</a:t>
-                </a:r>
-                <a:r>
-                  <a:rPr b="1" lang="ko-KR" sz="1500"/>
-                  <a:t>ser</a:t>
-                </a:r>
-                <a:endParaRPr b="1" sz="1500"/>
-              </a:p>
-            </p:txBody>
-          </p:sp>
-          <p:cxnSp>
-            <p:nvCxnSpPr>
-              <p:cNvPr id="121" name="Google Shape;121;g15e82f3f442_33_1"/>
-              <p:cNvCxnSpPr>
-                <a:stCxn id="122" idx="3"/>
-                <a:endCxn id="120" idx="1"/>
-              </p:cNvCxnSpPr>
-              <p:nvPr/>
-            </p:nvCxnSpPr>
-            <p:spPr>
-              <a:xfrm flipH="1" rot="10800000">
-                <a:off x="8164015" y="3497135"/>
-                <a:ext cx="905400" cy="999000"/>
-              </a:xfrm>
-              <a:prstGeom prst="straightConnector1">
-                <a:avLst/>
-              </a:prstGeom>
-              <a:noFill/>
-              <a:ln cap="flat" cmpd="sng" w="28575">
-                <a:solidFill>
-                  <a:schemeClr val="dk2"/>
-                </a:solidFill>
-                <a:prstDash val="solid"/>
-                <a:round/>
-                <a:headEnd len="med" w="med" type="none"/>
-                <a:tailEnd len="med" w="med" type="stealth"/>
-              </a:ln>
-            </p:spPr>
-          </p:cxnSp>
-          <p:sp>
-            <p:nvSpPr>
-              <p:cNvPr id="123" name="Google Shape;123;g15e82f3f442_33_1"/>
-              <p:cNvSpPr txBox="1"/>
-              <p:nvPr/>
-            </p:nvSpPr>
-            <p:spPr>
-              <a:xfrm>
-                <a:off x="8433551" y="4127079"/>
-                <a:ext cx="1407600" cy="390000"/>
-              </a:xfrm>
-              <a:prstGeom prst="rect">
-                <a:avLst/>
-              </a:prstGeom>
-              <a:noFill/>
-              <a:ln>
-                <a:noFill/>
-              </a:ln>
-            </p:spPr>
-            <p:txBody>
-              <a:bodyPr anchorCtr="0" anchor="t" bIns="91425" lIns="91425" spcFirstLastPara="1" rIns="91425" wrap="square" tIns="91425">
-                <a:spAutoFit/>
-              </a:bodyPr>
-              <a:lstStyle/>
-              <a:p>
-                <a:pPr indent="0" lvl="0" marL="0" rtl="0" algn="ctr">
-                  <a:spcBef>
-                    <a:spcPts val="0"/>
-                  </a:spcBef>
-                  <a:spcAft>
-                    <a:spcPts val="0"/>
-                  </a:spcAft>
-                  <a:buNone/>
-                </a:pPr>
-                <a:r>
-                  <a:rPr b="1" lang="ko-KR" sz="1800"/>
-                  <a:t>적조 예측값</a:t>
-                </a:r>
-                <a:endParaRPr b="1" sz="1800"/>
-              </a:p>
-            </p:txBody>
-          </p:sp>
-          <p:sp>
-            <p:nvSpPr>
-              <p:cNvPr id="124" name="Google Shape;124;g15e82f3f442_33_1"/>
-              <p:cNvSpPr/>
-              <p:nvPr/>
-            </p:nvSpPr>
-            <p:spPr>
-              <a:xfrm>
-                <a:off x="2286420" y="2867084"/>
-                <a:ext cx="1260000" cy="1260000"/>
-              </a:xfrm>
-              <a:prstGeom prst="roundRect">
-                <a:avLst>
-                  <a:gd fmla="val 16667" name="adj"/>
-                </a:avLst>
-              </a:prstGeom>
-              <a:solidFill>
-                <a:schemeClr val="lt2"/>
-              </a:solidFill>
-              <a:ln cap="flat" cmpd="sng" w="28575">
-                <a:solidFill>
-                  <a:schemeClr val="dk2"/>
-                </a:solidFill>
-                <a:prstDash val="solid"/>
-                <a:round/>
-                <a:headEnd len="sm" w="sm" type="none"/>
-                <a:tailEnd len="sm" w="sm" type="none"/>
-              </a:ln>
-            </p:spPr>
-            <p:txBody>
-              <a:bodyPr anchorCtr="0" anchor="ctr" bIns="91425" lIns="91425" spcFirstLastPara="1" rIns="91425" wrap="square" tIns="91425">
-                <a:noAutofit/>
-              </a:bodyPr>
-              <a:lstStyle/>
-              <a:p>
-                <a:pPr indent="0" lvl="0" marL="0" rtl="0" algn="ctr">
-                  <a:spcBef>
-                    <a:spcPts val="0"/>
-                  </a:spcBef>
-                  <a:spcAft>
-                    <a:spcPts val="0"/>
-                  </a:spcAft>
-                  <a:buNone/>
-                </a:pPr>
-                <a:r>
-                  <a:rPr b="1" lang="ko-KR" sz="1500"/>
-                  <a:t>R</a:t>
-                </a:r>
-                <a:r>
-                  <a:rPr b="1" lang="ko-KR" sz="1500"/>
-                  <a:t>aw</a:t>
-                </a:r>
-                <a:endParaRPr b="1" sz="1500"/>
-              </a:p>
-              <a:p>
-                <a:pPr indent="0" lvl="0" marL="0" rtl="0" algn="ctr">
-                  <a:spcBef>
-                    <a:spcPts val="0"/>
-                  </a:spcBef>
-                  <a:spcAft>
-                    <a:spcPts val="0"/>
-                  </a:spcAft>
-                  <a:buNone/>
-                </a:pPr>
-                <a:r>
-                  <a:rPr b="1" lang="ko-KR" sz="1500"/>
-                  <a:t>Data</a:t>
-                </a:r>
-                <a:endParaRPr b="1" sz="1500"/>
-              </a:p>
-              <a:p>
-                <a:pPr indent="0" lvl="0" marL="0" rtl="0" algn="ctr">
-                  <a:spcBef>
-                    <a:spcPts val="0"/>
-                  </a:spcBef>
-                  <a:spcAft>
-                    <a:spcPts val="0"/>
-                  </a:spcAft>
-                  <a:buNone/>
-                </a:pPr>
-                <a:r>
-                  <a:rPr b="1" lang="ko-KR" sz="1500"/>
-                  <a:t>수집</a:t>
-                </a:r>
-                <a:endParaRPr b="1" sz="1500"/>
-              </a:p>
-            </p:txBody>
-          </p:sp>
-          <p:cxnSp>
-            <p:nvCxnSpPr>
-              <p:cNvPr id="125" name="Google Shape;125;g15e82f3f442_33_1"/>
-              <p:cNvCxnSpPr>
-                <a:stCxn id="124" idx="3"/>
-                <a:endCxn id="126" idx="1"/>
-              </p:cNvCxnSpPr>
-              <p:nvPr/>
-            </p:nvCxnSpPr>
-            <p:spPr>
-              <a:xfrm>
-                <a:off x="3546420" y="3497084"/>
-                <a:ext cx="834300" cy="292200"/>
-              </a:xfrm>
-              <a:prstGeom prst="straightConnector1">
-                <a:avLst/>
-              </a:prstGeom>
-              <a:noFill/>
-              <a:ln cap="flat" cmpd="sng" w="28575">
-                <a:solidFill>
-                  <a:schemeClr val="dk2"/>
-                </a:solidFill>
-                <a:prstDash val="solid"/>
-                <a:round/>
-                <a:headEnd len="med" w="med" type="none"/>
-                <a:tailEnd len="med" w="med" type="stealth"/>
-              </a:ln>
-            </p:spPr>
-          </p:cxnSp>
-          <p:cxnSp>
-            <p:nvCxnSpPr>
-              <p:cNvPr id="127" name="Google Shape;127;g15e82f3f442_33_1"/>
-              <p:cNvCxnSpPr>
-                <a:stCxn id="128" idx="0"/>
-                <a:endCxn id="126" idx="2"/>
-              </p:cNvCxnSpPr>
-              <p:nvPr/>
-            </p:nvCxnSpPr>
-            <p:spPr>
-              <a:xfrm rot="10800000">
-                <a:off x="5185798" y="4298637"/>
-                <a:ext cx="0" cy="395100"/>
-              </a:xfrm>
-              <a:prstGeom prst="straightConnector1">
-                <a:avLst/>
-              </a:prstGeom>
-              <a:noFill/>
-              <a:ln cap="flat" cmpd="sng" w="28575">
-                <a:solidFill>
-                  <a:schemeClr val="dk2"/>
-                </a:solidFill>
-                <a:prstDash val="solid"/>
-                <a:round/>
-                <a:headEnd len="med" w="med" type="stealth"/>
-                <a:tailEnd len="med" w="med" type="stealth"/>
-              </a:ln>
-            </p:spPr>
-          </p:cxnSp>
-          <p:cxnSp>
-            <p:nvCxnSpPr>
-              <p:cNvPr id="129" name="Google Shape;129;g15e82f3f442_33_1"/>
-              <p:cNvCxnSpPr>
-                <a:stCxn id="120" idx="1"/>
-                <a:endCxn id="130" idx="2"/>
-              </p:cNvCxnSpPr>
-              <p:nvPr/>
-            </p:nvCxnSpPr>
-            <p:spPr>
-              <a:xfrm rot="10800000">
-                <a:off x="6063239" y="2033986"/>
-                <a:ext cx="3006300" cy="1463100"/>
-              </a:xfrm>
-              <a:prstGeom prst="straightConnector1">
-                <a:avLst/>
-              </a:prstGeom>
-              <a:noFill/>
-              <a:ln cap="flat" cmpd="sng" w="28575">
-                <a:solidFill>
-                  <a:schemeClr val="dk2"/>
-                </a:solidFill>
-                <a:prstDash val="solid"/>
-                <a:round/>
-                <a:headEnd len="med" w="med" type="none"/>
-                <a:tailEnd len="med" w="med" type="stealth"/>
-              </a:ln>
-            </p:spPr>
-          </p:cxnSp>
-          <p:cxnSp>
-            <p:nvCxnSpPr>
-              <p:cNvPr id="131" name="Google Shape;131;g15e82f3f442_33_1"/>
-              <p:cNvCxnSpPr>
-                <a:stCxn id="128" idx="3"/>
-                <a:endCxn id="122" idx="1"/>
-              </p:cNvCxnSpPr>
-              <p:nvPr/>
-            </p:nvCxnSpPr>
-            <p:spPr>
-              <a:xfrm flipH="1" rot="10800000">
-                <a:off x="5990905" y="4496141"/>
-                <a:ext cx="566100" cy="706800"/>
-              </a:xfrm>
-              <a:prstGeom prst="straightConnector1">
-                <a:avLst/>
-              </a:prstGeom>
-              <a:noFill/>
-              <a:ln cap="flat" cmpd="sng" w="28575">
-                <a:solidFill>
-                  <a:schemeClr val="dk2"/>
-                </a:solidFill>
-                <a:prstDash val="solid"/>
-                <a:round/>
-                <a:headEnd len="med" w="med" type="none"/>
-                <a:tailEnd len="med" w="med" type="stealth"/>
-              </a:ln>
-            </p:spPr>
-          </p:cxnSp>
-          <p:sp>
-            <p:nvSpPr>
-              <p:cNvPr id="132" name="Google Shape;132;g15e82f3f442_33_1"/>
-              <p:cNvSpPr txBox="1"/>
-              <p:nvPr/>
-            </p:nvSpPr>
-            <p:spPr>
-              <a:xfrm>
-                <a:off x="7399906" y="2382529"/>
-                <a:ext cx="1669500" cy="390000"/>
-              </a:xfrm>
-              <a:prstGeom prst="rect">
-                <a:avLst/>
-              </a:prstGeom>
-              <a:noFill/>
-              <a:ln>
-                <a:noFill/>
-              </a:ln>
-            </p:spPr>
-            <p:txBody>
-              <a:bodyPr anchorCtr="0" anchor="t" bIns="91425" lIns="91425" spcFirstLastPara="1" rIns="91425" wrap="square" tIns="91425">
-                <a:spAutoFit/>
-              </a:bodyPr>
-              <a:lstStyle/>
-              <a:p>
-                <a:pPr indent="0" lvl="0" marL="0" rtl="0" algn="ctr">
-                  <a:spcBef>
-                    <a:spcPts val="0"/>
-                  </a:spcBef>
-                  <a:spcAft>
-                    <a:spcPts val="0"/>
-                  </a:spcAft>
-                  <a:buNone/>
-                </a:pPr>
-                <a:r>
-                  <a:rPr b="1" lang="ko-KR" sz="1800"/>
-                  <a:t>위치 데이터</a:t>
-                </a:r>
-                <a:endParaRPr b="1" sz="1800"/>
-              </a:p>
-            </p:txBody>
-          </p:sp>
-          <p:sp>
-            <p:nvSpPr>
-              <p:cNvPr id="130" name="Google Shape;130;g15e82f3f442_33_1"/>
-              <p:cNvSpPr/>
-              <p:nvPr/>
-            </p:nvSpPr>
-            <p:spPr>
-              <a:xfrm>
-                <a:off x="4936825" y="1231125"/>
-                <a:ext cx="2252700" cy="802800"/>
-              </a:xfrm>
-              <a:prstGeom prst="roundRect">
-                <a:avLst>
-                  <a:gd fmla="val 16667" name="adj"/>
-                </a:avLst>
-              </a:prstGeom>
-              <a:solidFill>
-                <a:schemeClr val="lt2"/>
-              </a:solidFill>
-              <a:ln cap="flat" cmpd="sng" w="28575">
-                <a:solidFill>
-                  <a:schemeClr val="dk2"/>
-                </a:solidFill>
-                <a:prstDash val="solid"/>
-                <a:round/>
-                <a:headEnd len="sm" w="sm" type="none"/>
-                <a:tailEnd len="sm" w="sm" type="none"/>
-              </a:ln>
-            </p:spPr>
-            <p:txBody>
-              <a:bodyPr anchorCtr="0" anchor="ctr" bIns="91425" lIns="91425" spcFirstLastPara="1" rIns="91425" wrap="square" tIns="91425">
-                <a:noAutofit/>
-              </a:bodyPr>
-              <a:lstStyle/>
-              <a:p>
-                <a:pPr indent="0" lvl="0" marL="0" rtl="0" algn="ctr">
-                  <a:spcBef>
-                    <a:spcPts val="0"/>
-                  </a:spcBef>
-                  <a:spcAft>
-                    <a:spcPts val="0"/>
-                  </a:spcAft>
-                  <a:buNone/>
-                </a:pPr>
-                <a:r>
-                  <a:rPr b="1" lang="ko-KR" sz="1500"/>
-                  <a:t>기상청 Open API 활용 </a:t>
-                </a:r>
-                <a:endParaRPr b="1" sz="1500"/>
-              </a:p>
-              <a:p>
-                <a:pPr indent="0" lvl="0" marL="0" rtl="0" algn="ctr">
-                  <a:spcBef>
-                    <a:spcPts val="0"/>
-                  </a:spcBef>
-                  <a:spcAft>
-                    <a:spcPts val="0"/>
-                  </a:spcAft>
-                  <a:buNone/>
-                </a:pPr>
-                <a:r>
-                  <a:rPr b="1" lang="ko-KR" sz="1500"/>
-                  <a:t>웹 크롤링 활용</a:t>
-                </a:r>
-                <a:endParaRPr b="1" sz="1500"/>
-              </a:p>
-            </p:txBody>
-          </p:sp>
-          <p:cxnSp>
-            <p:nvCxnSpPr>
-              <p:cNvPr id="133" name="Google Shape;133;g15e82f3f442_33_1"/>
-              <p:cNvCxnSpPr>
-                <a:stCxn id="124" idx="3"/>
-                <a:endCxn id="128" idx="1"/>
-              </p:cNvCxnSpPr>
-              <p:nvPr/>
-            </p:nvCxnSpPr>
-            <p:spPr>
-              <a:xfrm>
-                <a:off x="3546420" y="3497084"/>
-                <a:ext cx="834300" cy="1705800"/>
-              </a:xfrm>
-              <a:prstGeom prst="straightConnector1">
-                <a:avLst/>
-              </a:prstGeom>
-              <a:noFill/>
-              <a:ln cap="flat" cmpd="sng" w="28575">
-                <a:solidFill>
-                  <a:schemeClr val="dk2"/>
-                </a:solidFill>
-                <a:prstDash val="solid"/>
-                <a:round/>
-                <a:headEnd len="med" w="med" type="none"/>
-                <a:tailEnd len="med" w="med" type="stealth"/>
-              </a:ln>
-            </p:spPr>
-          </p:cxnSp>
-          <p:cxnSp>
-            <p:nvCxnSpPr>
-              <p:cNvPr id="134" name="Google Shape;134;g15e82f3f442_33_1"/>
-              <p:cNvCxnSpPr>
-                <a:stCxn id="130" idx="2"/>
-                <a:endCxn id="124" idx="3"/>
-              </p:cNvCxnSpPr>
-              <p:nvPr/>
-            </p:nvCxnSpPr>
-            <p:spPr>
-              <a:xfrm flipH="1">
-                <a:off x="3546475" y="2033925"/>
-                <a:ext cx="2516700" cy="1463100"/>
-              </a:xfrm>
-              <a:prstGeom prst="straightConnector1">
-                <a:avLst/>
-              </a:prstGeom>
-              <a:noFill/>
-              <a:ln cap="flat" cmpd="sng" w="28575">
-                <a:solidFill>
-                  <a:schemeClr val="dk2"/>
-                </a:solidFill>
-                <a:prstDash val="solid"/>
-                <a:round/>
-                <a:headEnd len="med" w="med" type="none"/>
-                <a:tailEnd len="med" w="med" type="stealth"/>
-              </a:ln>
-            </p:spPr>
-          </p:cxnSp>
-        </p:grpSp>
-        <p:cxnSp>
-          <p:nvCxnSpPr>
-            <p:cNvPr id="135" name="Google Shape;135;g15e82f3f442_33_1"/>
-            <p:cNvCxnSpPr>
-              <a:stCxn id="126" idx="3"/>
-              <a:endCxn id="122" idx="1"/>
-            </p:cNvCxnSpPr>
-            <p:nvPr/>
-          </p:nvCxnSpPr>
-          <p:spPr>
-            <a:xfrm>
-              <a:off x="5633892" y="4136778"/>
-              <a:ext cx="634200" cy="837000"/>
-            </a:xfrm>
-            <a:prstGeom prst="straightConnector1">
-              <a:avLst/>
-            </a:prstGeom>
-            <a:noFill/>
-            <a:ln cap="flat" cmpd="sng" w="28575">
-              <a:solidFill>
-                <a:schemeClr val="dk2"/>
-              </a:solidFill>
-              <a:prstDash val="solid"/>
-              <a:round/>
-              <a:headEnd len="med" w="med" type="none"/>
-              <a:tailEnd len="med" w="med" type="stealth"/>
-            </a:ln>
-          </p:spPr>
-        </p:cxnSp>
-        <p:sp>
-          <p:nvSpPr>
-            <p:cNvPr id="126" name="Google Shape;126;g15e82f3f442_33_1"/>
-            <p:cNvSpPr/>
-            <p:nvPr/>
-          </p:nvSpPr>
-          <p:spPr>
-            <a:xfrm>
-              <a:off x="3830292" y="3533778"/>
-              <a:ext cx="1803600" cy="1206000"/>
-            </a:xfrm>
-            <a:prstGeom prst="roundRect">
-              <a:avLst>
-                <a:gd fmla="val 16667" name="adj"/>
-              </a:avLst>
-            </a:prstGeom>
-            <a:solidFill>
-              <a:schemeClr val="lt2"/>
-            </a:solidFill>
-            <a:ln cap="flat" cmpd="sng" w="28575">
-              <a:solidFill>
-                <a:schemeClr val="dk2"/>
-              </a:solidFill>
-              <a:prstDash val="solid"/>
-              <a:round/>
-              <a:headEnd len="sm" w="sm" type="none"/>
-              <a:tailEnd len="sm" w="sm" type="none"/>
-            </a:ln>
-          </p:spPr>
-          <p:txBody>
-            <a:bodyPr anchorCtr="0" anchor="ctr" bIns="91425" lIns="91425" spcFirstLastPara="1" rIns="91425" wrap="square" tIns="91425">
-              <a:noAutofit/>
-            </a:bodyPr>
-            <a:lstStyle/>
-            <a:p>
-              <a:pPr indent="0" lvl="0" marL="0" rtl="0" algn="ctr">
-                <a:spcBef>
-                  <a:spcPts val="0"/>
-                </a:spcBef>
-                <a:spcAft>
-                  <a:spcPts val="0"/>
-                </a:spcAft>
-                <a:buNone/>
-              </a:pPr>
-              <a:r>
-                <a:rPr b="1" lang="ko-KR" sz="1500"/>
-                <a:t>데이터 전처리</a:t>
-              </a:r>
-              <a:endParaRPr b="1" sz="1500"/>
-            </a:p>
-          </p:txBody>
-        </p:sp>
-        <p:sp>
-          <p:nvSpPr>
-            <p:cNvPr id="128" name="Google Shape;128;g15e82f3f442_33_1"/>
-            <p:cNvSpPr/>
-            <p:nvPr/>
-          </p:nvSpPr>
-          <p:spPr>
-            <a:xfrm>
-              <a:off x="3830292" y="5207778"/>
-              <a:ext cx="1803600" cy="1206000"/>
-            </a:xfrm>
-            <a:prstGeom prst="roundRect">
-              <a:avLst>
-                <a:gd fmla="val 16667" name="adj"/>
-              </a:avLst>
-            </a:prstGeom>
-            <a:solidFill>
-              <a:schemeClr val="lt2"/>
-            </a:solidFill>
-            <a:ln cap="flat" cmpd="sng" w="28575">
-              <a:solidFill>
-                <a:schemeClr val="dk2"/>
-              </a:solidFill>
-              <a:prstDash val="solid"/>
-              <a:round/>
-              <a:headEnd len="sm" w="sm" type="none"/>
-              <a:tailEnd len="sm" w="sm" type="none"/>
-            </a:ln>
-          </p:spPr>
-          <p:txBody>
-            <a:bodyPr anchorCtr="0" anchor="ctr" bIns="91425" lIns="91425" spcFirstLastPara="1" rIns="91425" wrap="square" tIns="91425">
-              <a:noAutofit/>
-            </a:bodyPr>
-            <a:lstStyle/>
-            <a:p>
-              <a:pPr indent="0" lvl="0" marL="0" rtl="0" algn="ctr">
-                <a:spcBef>
-                  <a:spcPts val="0"/>
-                </a:spcBef>
-                <a:spcAft>
-                  <a:spcPts val="0"/>
-                </a:spcAft>
-                <a:buNone/>
-              </a:pPr>
-              <a:r>
-                <a:rPr b="1" lang="ko-KR" sz="1500"/>
-                <a:t>관계형 DB</a:t>
-              </a:r>
-              <a:endParaRPr b="1" sz="1500"/>
-            </a:p>
-          </p:txBody>
-        </p:sp>
-        <p:sp>
-          <p:nvSpPr>
-            <p:cNvPr id="122" name="Google Shape;122;g15e82f3f442_33_1"/>
-            <p:cNvSpPr/>
-            <p:nvPr/>
-          </p:nvSpPr>
-          <p:spPr>
-            <a:xfrm>
-              <a:off x="6267992" y="3533778"/>
-              <a:ext cx="1800000" cy="2880000"/>
-            </a:xfrm>
-            <a:prstGeom prst="roundRect">
-              <a:avLst>
-                <a:gd fmla="val 16667" name="adj"/>
-              </a:avLst>
-            </a:prstGeom>
-            <a:solidFill>
-              <a:schemeClr val="lt2"/>
-            </a:solidFill>
-            <a:ln cap="flat" cmpd="sng" w="28575">
-              <a:solidFill>
-                <a:schemeClr val="dk2"/>
-              </a:solidFill>
-              <a:prstDash val="solid"/>
-              <a:round/>
-              <a:headEnd len="sm" w="sm" type="none"/>
-              <a:tailEnd len="sm" w="sm" type="none"/>
-            </a:ln>
-          </p:spPr>
-          <p:txBody>
-            <a:bodyPr anchorCtr="0" anchor="ctr" bIns="91425" lIns="91425" spcFirstLastPara="1" rIns="91425" wrap="square" tIns="91425">
-              <a:noAutofit/>
-            </a:bodyPr>
-            <a:lstStyle/>
-            <a:p>
-              <a:pPr indent="0" lvl="0" marL="0" rtl="0" algn="ctr">
-                <a:spcBef>
-                  <a:spcPts val="0"/>
-                </a:spcBef>
-                <a:spcAft>
-                  <a:spcPts val="0"/>
-                </a:spcAft>
-                <a:buNone/>
-              </a:pPr>
-              <a:r>
-                <a:rPr b="1" lang="ko-KR" sz="1500"/>
-                <a:t>Model</a:t>
-              </a:r>
-              <a:endParaRPr b="1" sz="1500"/>
-            </a:p>
-          </p:txBody>
-        </p:sp>
-      </p:grpSp>
-    </p:spTree>
-  </p:cSld>
-  <p:clrMapOvr>
-    <a:masterClrMapping/>
-  </p:clrMapOvr>
-</p:sld>
-</file>
-
-<file path=ppt/slides/slide7.xml><?xml version="1.0" encoding="utf-8"?>
-<p:sld xmlns:a="http://schemas.openxmlformats.org/drawingml/2006/main" xmlns:r="http://schemas.openxmlformats.org/officeDocument/2006/relationships" xmlns:mc="http://schemas.openxmlformats.org/markup-compatibility/2006" xmlns:mv="urn:schemas-microsoft-com:mac:vml" xmlns:p="http://schemas.openxmlformats.org/presentationml/2006/main" xmlns:c="http://schemas.openxmlformats.org/drawingml/2006/chart" xmlns:dgm="http://schemas.openxmlformats.org/drawingml/2006/diagram" xmlns:o="urn:schemas-microsoft-com:office:office" xmlns:v="urn:schemas-microsoft-com:vml" xmlns:pvml="urn:schemas-microsoft-com:office:powerpoint" xmlns:com="http://schemas.openxmlformats.org/drawingml/2006/compatibility" xmlns:p14="http://schemas.microsoft.com/office/powerpoint/2010/main" xmlns:p15="http://schemas.microsoft.com/office/powerpoint/2012/main" xmlns:ahyp="http://schemas.microsoft.com/office/drawing/2018/hyperlinkcolor">
-  <p:cSld>
-    <p:spTree>
-      <p:nvGrpSpPr>
-        <p:cNvPr id="139" name="Shape 139"/>
-        <p:cNvGrpSpPr/>
-        <p:nvPr/>
-      </p:nvGrpSpPr>
-      <p:grpSpPr>
-        <a:xfrm>
-          <a:off x="0" y="0"/>
-          <a:ext cx="0" cy="0"/>
-          <a:chOff x="0" y="0"/>
-          <a:chExt cx="0" cy="0"/>
-        </a:xfrm>
-      </p:grpSpPr>
-      <p:sp>
-        <p:nvSpPr>
-          <p:cNvPr id="140" name="Google Shape;140;p7"/>
+          <p:cNvPr id="170" name="Google Shape;170;p7"/>
           <p:cNvSpPr txBox="1"/>
           <p:nvPr>
             <p:ph type="title"/>
@@ -13110,7 +14923,7 @@
       </p:sp>
       <p:sp>
         <p:nvSpPr>
-          <p:cNvPr id="141" name="Google Shape;141;p7"/>
+          <p:cNvPr id="171" name="Google Shape;171;p7"/>
           <p:cNvSpPr txBox="1"/>
           <p:nvPr>
             <p:ph idx="1" type="body"/>
@@ -13170,7 +14983,7 @@
       </p:sp>
       <p:graphicFrame>
         <p:nvGraphicFramePr>
-          <p:cNvPr id="142" name="Google Shape;142;p7"/>
+          <p:cNvPr id="172" name="Google Shape;172;p7"/>
           <p:cNvGraphicFramePr/>
           <p:nvPr/>
         </p:nvGraphicFramePr>
@@ -13183,7 +14996,7 @@
             <a:tbl>
               <a:tblPr>
                 <a:noFill/>
-                <a:tableStyleId>{FA5F4988-2484-4F4F-8F64-2313D697E113}</a:tableStyleId>
+                <a:tableStyleId>{6722D70A-A104-4010-A644-8C7DD066067A}</a:tableStyleId>
               </a:tblPr>
               <a:tblGrid>
                 <a:gridCol w="760275"/>
@@ -24758,7 +26571,7 @@
       </p:graphicFrame>
       <p:cxnSp>
         <p:nvCxnSpPr>
-          <p:cNvPr id="143" name="Google Shape;143;p7"/>
+          <p:cNvPr id="173" name="Google Shape;173;p7"/>
           <p:cNvCxnSpPr/>
           <p:nvPr/>
         </p:nvCxnSpPr>
@@ -24792,7 +26605,7 @@
       </p:cxnSp>
       <p:cxnSp>
         <p:nvCxnSpPr>
-          <p:cNvPr id="144" name="Google Shape;144;p7"/>
+          <p:cNvPr id="174" name="Google Shape;174;p7"/>
           <p:cNvCxnSpPr/>
           <p:nvPr/>
         </p:nvCxnSpPr>
@@ -24826,7 +26639,7 @@
       </p:cxnSp>
       <p:cxnSp>
         <p:nvCxnSpPr>
-          <p:cNvPr id="145" name="Google Shape;145;p7"/>
+          <p:cNvPr id="175" name="Google Shape;175;p7"/>
           <p:cNvCxnSpPr/>
           <p:nvPr/>
         </p:nvCxnSpPr>
@@ -24860,7 +26673,7 @@
       </p:cxnSp>
       <p:cxnSp>
         <p:nvCxnSpPr>
-          <p:cNvPr id="146" name="Google Shape;146;p7"/>
+          <p:cNvPr id="176" name="Google Shape;176;p7"/>
           <p:cNvCxnSpPr/>
           <p:nvPr/>
         </p:nvCxnSpPr>
@@ -24894,7 +26707,7 @@
       </p:cxnSp>
       <p:cxnSp>
         <p:nvCxnSpPr>
-          <p:cNvPr id="147" name="Google Shape;147;p7"/>
+          <p:cNvPr id="177" name="Google Shape;177;p7"/>
           <p:cNvCxnSpPr/>
           <p:nvPr/>
         </p:nvCxnSpPr>
@@ -24928,7 +26741,7 @@
       </p:cxnSp>
       <p:cxnSp>
         <p:nvCxnSpPr>
-          <p:cNvPr id="148" name="Google Shape;148;p7"/>
+          <p:cNvPr id="178" name="Google Shape;178;p7"/>
           <p:cNvCxnSpPr/>
           <p:nvPr/>
         </p:nvCxnSpPr>
@@ -24962,7 +26775,7 @@
       </p:cxnSp>
       <p:cxnSp>
         <p:nvCxnSpPr>
-          <p:cNvPr id="149" name="Google Shape;149;p7"/>
+          <p:cNvPr id="179" name="Google Shape;179;p7"/>
           <p:cNvCxnSpPr/>
           <p:nvPr/>
         </p:nvCxnSpPr>
@@ -24996,7 +26809,7 @@
       </p:cxnSp>
       <p:cxnSp>
         <p:nvCxnSpPr>
-          <p:cNvPr id="150" name="Google Shape;150;p7"/>
+          <p:cNvPr id="180" name="Google Shape;180;p7"/>
           <p:cNvCxnSpPr/>
           <p:nvPr/>
         </p:nvCxnSpPr>
@@ -25030,7 +26843,7 @@
       </p:cxnSp>
       <p:cxnSp>
         <p:nvCxnSpPr>
-          <p:cNvPr id="151" name="Google Shape;151;p7"/>
+          <p:cNvPr id="181" name="Google Shape;181;p7"/>
           <p:cNvCxnSpPr/>
           <p:nvPr/>
         </p:nvCxnSpPr>
@@ -25064,7 +26877,7 @@
       </p:cxnSp>
       <p:cxnSp>
         <p:nvCxnSpPr>
-          <p:cNvPr id="152" name="Google Shape;152;p7"/>
+          <p:cNvPr id="182" name="Google Shape;182;p7"/>
           <p:cNvCxnSpPr/>
           <p:nvPr/>
         </p:nvCxnSpPr>
@@ -25098,7 +26911,7 @@
       </p:cxnSp>
       <p:cxnSp>
         <p:nvCxnSpPr>
-          <p:cNvPr id="153" name="Google Shape;153;p7"/>
+          <p:cNvPr id="183" name="Google Shape;183;p7"/>
           <p:cNvCxnSpPr/>
           <p:nvPr/>
         </p:nvCxnSpPr>
@@ -25132,7 +26945,7 @@
       </p:cxnSp>
       <p:cxnSp>
         <p:nvCxnSpPr>
-          <p:cNvPr id="154" name="Google Shape;154;p7"/>
+          <p:cNvPr id="184" name="Google Shape;184;p7"/>
           <p:cNvCxnSpPr/>
           <p:nvPr/>
         </p:nvCxnSpPr>
@@ -25166,7 +26979,7 @@
       </p:cxnSp>
       <p:cxnSp>
         <p:nvCxnSpPr>
-          <p:cNvPr id="155" name="Google Shape;155;p7"/>
+          <p:cNvPr id="185" name="Google Shape;185;p7"/>
           <p:cNvCxnSpPr/>
           <p:nvPr/>
         </p:nvCxnSpPr>
@@ -25200,7 +27013,7 @@
       </p:cxnSp>
       <p:cxnSp>
         <p:nvCxnSpPr>
-          <p:cNvPr id="156" name="Google Shape;156;p7"/>
+          <p:cNvPr id="186" name="Google Shape;186;p7"/>
           <p:cNvCxnSpPr/>
           <p:nvPr/>
         </p:nvCxnSpPr>
@@ -25240,12 +27053,12 @@
 </p:sld>
 </file>
 
-<file path=ppt/slides/slide8.xml><?xml version="1.0" encoding="utf-8"?>
+<file path=ppt/slides/slide9.xml><?xml version="1.0" encoding="utf-8"?>
 <p:sld xmlns:a="http://schemas.openxmlformats.org/drawingml/2006/main" xmlns:r="http://schemas.openxmlformats.org/officeDocument/2006/relationships" xmlns:mc="http://schemas.openxmlformats.org/markup-compatibility/2006" xmlns:mv="urn:schemas-microsoft-com:mac:vml" xmlns:p="http://schemas.openxmlformats.org/presentationml/2006/main" xmlns:c="http://schemas.openxmlformats.org/drawingml/2006/chart" xmlns:dgm="http://schemas.openxmlformats.org/drawingml/2006/diagram" xmlns:o="urn:schemas-microsoft-com:office:office" xmlns:v="urn:schemas-microsoft-com:vml" xmlns:pvml="urn:schemas-microsoft-com:office:powerpoint" xmlns:com="http://schemas.openxmlformats.org/drawingml/2006/compatibility" xmlns:p14="http://schemas.microsoft.com/office/powerpoint/2010/main" xmlns:p15="http://schemas.microsoft.com/office/powerpoint/2012/main" xmlns:ahyp="http://schemas.microsoft.com/office/drawing/2018/hyperlinkcolor">
   <p:cSld>
     <p:spTree>
       <p:nvGrpSpPr>
-        <p:cNvPr id="160" name="Shape 160"/>
+        <p:cNvPr id="190" name="Shape 190"/>
         <p:cNvGrpSpPr/>
         <p:nvPr/>
       </p:nvGrpSpPr>
@@ -25259,7 +27072,7 @@
       </p:grpSpPr>
       <p:sp>
         <p:nvSpPr>
-          <p:cNvPr id="161" name="Google Shape;161;p9"/>
+          <p:cNvPr id="191" name="Google Shape;191;p9"/>
           <p:cNvSpPr txBox="1"/>
           <p:nvPr>
             <p:ph type="title"/>
@@ -25323,7 +27136,7 @@
       </p:sp>
       <p:graphicFrame>
         <p:nvGraphicFramePr>
-          <p:cNvPr id="162" name="Google Shape;162;p9"/>
+          <p:cNvPr id="192" name="Google Shape;192;p9"/>
           <p:cNvGraphicFramePr/>
           <p:nvPr/>
         </p:nvGraphicFramePr>
@@ -25336,7 +27149,7 @@
             <a:tbl>
               <a:tblPr>
                 <a:noFill/>
-                <a:tableStyleId>{4E5B469F-7449-4CB3-B2E2-4A2AEDBF5D7D}</a:tableStyleId>
+                <a:tableStyleId>{C50EDEE4-AB4B-4CC1-8838-2A9E5FB736FB}</a:tableStyleId>
               </a:tblPr>
               <a:tblGrid>
                 <a:gridCol w="638350"/>
@@ -26288,7 +28101,7 @@
       </p:graphicFrame>
       <p:sp>
         <p:nvSpPr>
-          <p:cNvPr id="163" name="Google Shape;163;p9"/>
+          <p:cNvPr id="193" name="Google Shape;193;p9"/>
           <p:cNvSpPr txBox="1"/>
           <p:nvPr>
             <p:ph idx="1" type="body"/>
@@ -26362,101 +28175,10 @@
 </p:sld>
 </file>
 
-<file path=ppt/slides/slide9.xml><?xml version="1.0" encoding="utf-8"?>
-<p:sld xmlns:a="http://schemas.openxmlformats.org/drawingml/2006/main" xmlns:r="http://schemas.openxmlformats.org/officeDocument/2006/relationships" xmlns:mc="http://schemas.openxmlformats.org/markup-compatibility/2006" xmlns:mv="urn:schemas-microsoft-com:mac:vml" xmlns:p="http://schemas.openxmlformats.org/presentationml/2006/main" xmlns:c="http://schemas.openxmlformats.org/drawingml/2006/chart" xmlns:dgm="http://schemas.openxmlformats.org/drawingml/2006/diagram" xmlns:o="urn:schemas-microsoft-com:office:office" xmlns:v="urn:schemas-microsoft-com:vml" xmlns:pvml="urn:schemas-microsoft-com:office:powerpoint" xmlns:com="http://schemas.openxmlformats.org/drawingml/2006/compatibility" xmlns:p14="http://schemas.microsoft.com/office/powerpoint/2010/main" xmlns:p15="http://schemas.microsoft.com/office/powerpoint/2012/main" xmlns:ahyp="http://schemas.microsoft.com/office/drawing/2018/hyperlinkcolor">
-  <p:cSld>
-    <p:spTree>
-      <p:nvGrpSpPr>
-        <p:cNvPr id="167" name="Shape 167"/>
-        <p:cNvGrpSpPr/>
-        <p:nvPr/>
-      </p:nvGrpSpPr>
-      <p:grpSpPr>
-        <a:xfrm>
-          <a:off x="0" y="0"/>
-          <a:ext cx="0" cy="0"/>
-          <a:chOff x="0" y="0"/>
-          <a:chExt cx="0" cy="0"/>
-        </a:xfrm>
-      </p:grpSpPr>
-      <p:sp>
-        <p:nvSpPr>
-          <p:cNvPr id="168" name="Google Shape;168;p10"/>
-          <p:cNvSpPr txBox="1"/>
-          <p:nvPr/>
-        </p:nvSpPr>
-        <p:spPr>
-          <a:xfrm>
-            <a:off x="2502794" y="2846231"/>
-            <a:ext cx="7186412" cy="769441"/>
-          </a:xfrm>
-          <a:prstGeom prst="rect">
-            <a:avLst/>
-          </a:prstGeom>
-          <a:noFill/>
-          <a:ln>
-            <a:noFill/>
-          </a:ln>
-        </p:spPr>
-        <p:txBody>
-          <a:bodyPr anchorCtr="0" anchor="t" bIns="45700" lIns="91425" spcFirstLastPara="1" rIns="91425" wrap="square" tIns="45700">
-            <a:noAutofit/>
-          </a:bodyPr>
-          <a:lstStyle/>
-          <a:p>
-            <a:pPr indent="0" lvl="0" marL="0" marR="0" rtl="0" algn="ctr">
-              <a:lnSpc>
-                <a:spcPct val="100000"/>
-              </a:lnSpc>
-              <a:spcBef>
-                <a:spcPts val="0"/>
-              </a:spcBef>
-              <a:spcAft>
-                <a:spcPts val="0"/>
-              </a:spcAft>
-              <a:buClr>
-                <a:srgbClr val="000000"/>
-              </a:buClr>
-              <a:buSzPts val="4400"/>
-              <a:buFont typeface="Arial"/>
-              <a:buNone/>
-            </a:pPr>
-            <a:r>
-              <a:rPr b="0" i="0" lang="ko-KR" sz="4400" u="none" cap="none" strike="noStrike">
-                <a:solidFill>
-                  <a:schemeClr val="dk1"/>
-                </a:solidFill>
-                <a:latin typeface="Arial"/>
-                <a:ea typeface="Arial"/>
-                <a:cs typeface="Arial"/>
-                <a:sym typeface="Arial"/>
-              </a:rPr>
-              <a:t>End of Document</a:t>
-            </a:r>
-            <a:endParaRPr b="0" i="0" sz="4400" u="none" cap="none" strike="noStrike">
-              <a:solidFill>
-                <a:schemeClr val="dk1"/>
-              </a:solidFill>
-              <a:latin typeface="Arial"/>
-              <a:ea typeface="Arial"/>
-              <a:cs typeface="Arial"/>
-              <a:sym typeface="Arial"/>
-            </a:endParaRPr>
-          </a:p>
-        </p:txBody>
-      </p:sp>
-    </p:spTree>
-  </p:cSld>
-  <p:clrMapOvr>
-    <a:masterClrMapping/>
-  </p:clrMapOvr>
-</p:sld>
-</file>
-
 <file path=ppt/theme/theme1.xml><?xml version="1.0" encoding="utf-8"?>
-<a:theme xmlns:a="http://schemas.openxmlformats.org/drawingml/2006/main" xmlns:r="http://schemas.openxmlformats.org/officeDocument/2006/relationships">
+<a:theme xmlns:a="http://schemas.openxmlformats.org/drawingml/2006/main" xmlns:r="http://schemas.openxmlformats.org/officeDocument/2006/relationships" name="1_Office 테마">
   <a:themeElements>
-    <a:clrScheme name="Default">
+    <a:clrScheme name="Office">
       <a:dk1>
         <a:srgbClr val="000000"/>
       </a:dk1>
@@ -26464,34 +28186,34 @@
         <a:srgbClr val="FFFFFF"/>
       </a:lt1>
       <a:dk2>
-        <a:srgbClr val="158158"/>
+        <a:srgbClr val="44546A"/>
       </a:dk2>
       <a:lt2>
-        <a:srgbClr val="F3F3F3"/>
+        <a:srgbClr val="E7E6E6"/>
       </a:lt2>
       <a:accent1>
-        <a:srgbClr val="058DC7"/>
+        <a:srgbClr val="4472C4"/>
       </a:accent1>
       <a:accent2>
-        <a:srgbClr val="50B432"/>
+        <a:srgbClr val="ED7D31"/>
       </a:accent2>
       <a:accent3>
-        <a:srgbClr val="ED561B"/>
+        <a:srgbClr val="A5A5A5"/>
       </a:accent3>
       <a:accent4>
-        <a:srgbClr val="EDEF00"/>
+        <a:srgbClr val="FFC000"/>
       </a:accent4>
       <a:accent5>
-        <a:srgbClr val="24CBE5"/>
+        <a:srgbClr val="5B9BD5"/>
       </a:accent5>
       <a:accent6>
-        <a:srgbClr val="64E572"/>
+        <a:srgbClr val="70AD47"/>
       </a:accent6>
       <a:hlink>
-        <a:srgbClr val="2200CC"/>
+        <a:srgbClr val="0563C1"/>
       </a:hlink>
       <a:folHlink>
-        <a:srgbClr val="551A8B"/>
+        <a:srgbClr val="954F72"/>
       </a:folHlink>
     </a:clrScheme>
     <a:fontScheme name="Office">
@@ -26733,9 +28455,9 @@
 </file>
 
 <file path=ppt/theme/theme2.xml><?xml version="1.0" encoding="utf-8"?>
-<a:theme xmlns:a="http://schemas.openxmlformats.org/drawingml/2006/main" xmlns:r="http://schemas.openxmlformats.org/officeDocument/2006/relationships" name="1_Office 테마">
+<a:theme xmlns:a="http://schemas.openxmlformats.org/drawingml/2006/main" xmlns:r="http://schemas.openxmlformats.org/officeDocument/2006/relationships">
   <a:themeElements>
-    <a:clrScheme name="Office">
+    <a:clrScheme name="Default">
       <a:dk1>
         <a:srgbClr val="000000"/>
       </a:dk1>
@@ -26743,34 +28465,34 @@
         <a:srgbClr val="FFFFFF"/>
       </a:lt1>
       <a:dk2>
-        <a:srgbClr val="44546A"/>
+        <a:srgbClr val="158158"/>
       </a:dk2>
       <a:lt2>
-        <a:srgbClr val="E7E6E6"/>
+        <a:srgbClr val="F3F3F3"/>
       </a:lt2>
       <a:accent1>
-        <a:srgbClr val="4472C4"/>
+        <a:srgbClr val="058DC7"/>
       </a:accent1>
       <a:accent2>
-        <a:srgbClr val="ED7D31"/>
+        <a:srgbClr val="50B432"/>
       </a:accent2>
       <a:accent3>
-        <a:srgbClr val="A5A5A5"/>
+        <a:srgbClr val="ED561B"/>
       </a:accent3>
       <a:accent4>
-        <a:srgbClr val="FFC000"/>
+        <a:srgbClr val="EDEF00"/>
       </a:accent4>
       <a:accent5>
-        <a:srgbClr val="5B9BD5"/>
+        <a:srgbClr val="24CBE5"/>
       </a:accent5>
       <a:accent6>
-        <a:srgbClr val="70AD47"/>
+        <a:srgbClr val="64E572"/>
       </a:accent6>
       <a:hlink>
-        <a:srgbClr val="0563C1"/>
+        <a:srgbClr val="2200CC"/>
       </a:hlink>
       <a:folHlink>
-        <a:srgbClr val="954F72"/>
+        <a:srgbClr val="551A8B"/>
       </a:folHlink>
     </a:clrScheme>
     <a:fontScheme name="Office">

--- a/Docs/4조 프로젝트 계획서.pptx
+++ b/Docs/4조 프로젝트 계획서.pptx
@@ -302,7 +302,7 @@
       </p15:sldGuideLst>
     </p:ext>
     <p:ext uri="http://customooxmlschemas.google.com/">
-      <go:slidesCustomData xmlns:go="http://customooxmlschemas.google.com/" r:id="rId18" roundtripDataSignature="AMtx7mg+fKyYLlOfLzzHPdeC43xmHgADrA=="/>
+      <go:slidesCustomData xmlns:go="http://customooxmlschemas.google.com/" r:id="rId18" roundtripDataSignature="AMtx7mjQ7xhgpo1k6QQsamnlBkWfrAvylw=="/>
     </p:ext>
   </p:extLst>
 </p:presentation>
@@ -1002,7 +1002,7 @@
   <p:cSld>
     <p:spTree>
       <p:nvGrpSpPr>
-        <p:cNvPr id="196" name="Shape 196"/>
+        <p:cNvPr id="205" name="Shape 205"/>
         <p:cNvGrpSpPr/>
         <p:nvPr/>
       </p:nvGrpSpPr>
@@ -1016,7 +1016,7 @@
       </p:grpSpPr>
       <p:sp>
         <p:nvSpPr>
-          <p:cNvPr id="197" name="Google Shape;197;p10:notes"/>
+          <p:cNvPr id="206" name="Google Shape;206;p10:notes"/>
           <p:cNvSpPr txBox="1"/>
           <p:nvPr>
             <p:ph idx="1" type="body"/>
@@ -1071,7 +1071,7 @@
       </p:sp>
       <p:sp>
         <p:nvSpPr>
-          <p:cNvPr id="198" name="Google Shape;198;p10:notes"/>
+          <p:cNvPr id="207" name="Google Shape;207;p10:notes"/>
           <p:cNvSpPr/>
           <p:nvPr>
             <p:ph idx="2" type="sldImg"/>
@@ -1692,7 +1692,7 @@
   <p:cSld>
     <p:spTree>
       <p:nvGrpSpPr>
-        <p:cNvPr id="153" name="Shape 153"/>
+        <p:cNvPr id="162" name="Shape 162"/>
         <p:cNvGrpSpPr/>
         <p:nvPr/>
       </p:nvGrpSpPr>
@@ -1706,7 +1706,7 @@
       </p:grpSpPr>
       <p:sp>
         <p:nvSpPr>
-          <p:cNvPr id="154" name="Google Shape;154;p6:notes"/>
+          <p:cNvPr id="163" name="Google Shape;163;p6:notes"/>
           <p:cNvSpPr txBox="1"/>
           <p:nvPr>
             <p:ph idx="1" type="body"/>
@@ -1757,7 +1757,7 @@
       </p:sp>
       <p:sp>
         <p:nvSpPr>
-          <p:cNvPr id="155" name="Google Shape;155;p6:notes"/>
+          <p:cNvPr id="164" name="Google Shape;164;p6:notes"/>
           <p:cNvSpPr/>
           <p:nvPr>
             <p:ph idx="2" type="sldImg"/>
@@ -1813,7 +1813,7 @@
   <p:cSld>
     <p:spTree>
       <p:nvGrpSpPr>
-        <p:cNvPr id="182" name="Shape 182"/>
+        <p:cNvPr id="191" name="Shape 191"/>
         <p:cNvGrpSpPr/>
         <p:nvPr/>
       </p:nvGrpSpPr>
@@ -1827,7 +1827,7 @@
       </p:grpSpPr>
       <p:sp>
         <p:nvSpPr>
-          <p:cNvPr id="183" name="Google Shape;183;p7:notes"/>
+          <p:cNvPr id="192" name="Google Shape;192;p7:notes"/>
           <p:cNvSpPr txBox="1"/>
           <p:nvPr>
             <p:ph idx="1" type="body"/>
@@ -1878,7 +1878,7 @@
       </p:sp>
       <p:sp>
         <p:nvSpPr>
-          <p:cNvPr id="184" name="Google Shape;184;p7:notes"/>
+          <p:cNvPr id="193" name="Google Shape;193;p7:notes"/>
           <p:cNvSpPr/>
           <p:nvPr>
             <p:ph idx="2" type="sldImg"/>
@@ -1934,7 +1934,7 @@
   <p:cSld>
     <p:spTree>
       <p:nvGrpSpPr>
-        <p:cNvPr id="189" name="Shape 189"/>
+        <p:cNvPr id="198" name="Shape 198"/>
         <p:cNvGrpSpPr/>
         <p:nvPr/>
       </p:nvGrpSpPr>
@@ -1948,7 +1948,7 @@
       </p:grpSpPr>
       <p:sp>
         <p:nvSpPr>
-          <p:cNvPr id="190" name="Google Shape;190;p9:notes"/>
+          <p:cNvPr id="199" name="Google Shape;199;p9:notes"/>
           <p:cNvSpPr txBox="1"/>
           <p:nvPr>
             <p:ph idx="1" type="body"/>
@@ -1999,7 +1999,7 @@
       </p:sp>
       <p:sp>
         <p:nvSpPr>
-          <p:cNvPr id="191" name="Google Shape;191;p9:notes"/>
+          <p:cNvPr id="200" name="Google Shape;200;p9:notes"/>
           <p:cNvSpPr/>
           <p:nvPr>
             <p:ph idx="2" type="sldImg"/>
@@ -7604,7 +7604,7 @@
   <p:cSld>
     <p:spTree>
       <p:nvGrpSpPr>
-        <p:cNvPr id="199" name="Shape 199"/>
+        <p:cNvPr id="208" name="Shape 208"/>
         <p:cNvGrpSpPr/>
         <p:nvPr/>
       </p:nvGrpSpPr>
@@ -7618,7 +7618,7 @@
       </p:grpSpPr>
       <p:sp>
         <p:nvSpPr>
-          <p:cNvPr id="200" name="Google Shape;200;p10"/>
+          <p:cNvPr id="209" name="Google Shape;209;p10"/>
           <p:cNvSpPr txBox="1"/>
           <p:nvPr/>
         </p:nvSpPr>
@@ -9720,14 +9720,14 @@
               <a:buAutoNum type="arabicPeriod"/>
             </a:pPr>
             <a:r>
-              <a:rPr b="1" lang="ko-KR" sz="1300">
+              <a:rPr b="1" lang="ko-KR" sz="1100">
                 <a:solidFill>
                   <a:schemeClr val="dk1"/>
                 </a:solidFill>
               </a:rPr>
               <a:t>적조 정보시스템과 기상청의 과거 자료를 활용하여 적조 예측 모델 개발</a:t>
             </a:r>
-            <a:endParaRPr b="1" sz="1300">
+            <a:endParaRPr b="1" sz="1100">
               <a:solidFill>
                 <a:schemeClr val="dk1"/>
               </a:solidFill>
@@ -9742,7 +9742,7 @@
                 <a:spcPts val="3000"/>
               </a:spcBef>
               <a:spcAft>
-                <a:spcPts val="3000"/>
+                <a:spcPts val="0"/>
               </a:spcAft>
               <a:buClr>
                 <a:schemeClr val="dk1"/>
@@ -9751,12 +9751,43 @@
               <a:buAutoNum type="arabicPeriod"/>
             </a:pPr>
             <a:r>
-              <a:rPr b="1" lang="ko-KR" sz="1300">
+              <a:rPr b="1" lang="ko-KR" sz="1100">
                 <a:solidFill>
                   <a:schemeClr val="dk1"/>
                 </a:solidFill>
               </a:rPr>
               <a:t>적조정보 API로 부터 실시간 적조 정보를 받아와 다듬어 실시간 정보 제공</a:t>
+            </a:r>
+            <a:endParaRPr b="1" sz="1100">
+              <a:solidFill>
+                <a:schemeClr val="dk1"/>
+              </a:solidFill>
+            </a:endParaRPr>
+          </a:p>
+          <a:p>
+            <a:pPr indent="-311150" lvl="0" marL="457200" marR="0" rtl="0" algn="l">
+              <a:lnSpc>
+                <a:spcPct val="100000"/>
+              </a:lnSpc>
+              <a:spcBef>
+                <a:spcPts val="3000"/>
+              </a:spcBef>
+              <a:spcAft>
+                <a:spcPts val="3000"/>
+              </a:spcAft>
+              <a:buClr>
+                <a:schemeClr val="dk1"/>
+              </a:buClr>
+              <a:buSzPts val="1300"/>
+              <a:buAutoNum type="arabicPeriod"/>
+            </a:pPr>
+            <a:r>
+              <a:rPr b="1" lang="ko-KR" sz="1100">
+                <a:solidFill>
+                  <a:schemeClr val="dk1"/>
+                </a:solidFill>
+              </a:rPr>
+              <a:t>기상청 API로부터 날씨 데이터 및 관광 정보 데이터에서 관광 정보를 수집하여 제공</a:t>
             </a:r>
             <a:endParaRPr b="1" sz="1100">
               <a:solidFill>
@@ -10136,7 +10167,7 @@
           </a:bodyPr>
           <a:lstStyle/>
           <a:p>
-            <a:pPr indent="-311150" lvl="0" marL="457200" marR="0" rtl="0" algn="l">
+            <a:pPr indent="-292100" lvl="0" marL="457200" marR="0" rtl="0" algn="l">
               <a:lnSpc>
                 <a:spcPct val="100000"/>
               </a:lnSpc>
@@ -10149,25 +10180,25 @@
               <a:buClr>
                 <a:schemeClr val="dk1"/>
               </a:buClr>
-              <a:buSzPts val="1300"/>
+              <a:buSzPts val="1000"/>
               <a:buAutoNum type="arabicPeriod"/>
             </a:pPr>
             <a:r>
-              <a:rPr b="1" lang="ko-KR" sz="1300">
+              <a:rPr b="1" lang="ko-KR" sz="1100">
                 <a:solidFill>
                   <a:schemeClr val="dk1"/>
                 </a:solidFill>
               </a:rPr>
               <a:t>적조 예측 정보 제공을 통한 빠른 대응으로 양식업 및 관광객의 피해 절감</a:t>
             </a:r>
-            <a:endParaRPr b="1" sz="1300">
+            <a:endParaRPr b="1" sz="1100">
               <a:solidFill>
                 <a:schemeClr val="dk1"/>
               </a:solidFill>
             </a:endParaRPr>
           </a:p>
           <a:p>
-            <a:pPr indent="-311150" lvl="0" marL="457200" marR="0" rtl="0" algn="l">
+            <a:pPr indent="-292100" lvl="0" marL="457200" marR="0" rtl="0" algn="l">
               <a:lnSpc>
                 <a:spcPct val="100000"/>
               </a:lnSpc>
@@ -10175,23 +10206,54 @@
                 <a:spcPts val="3000"/>
               </a:spcBef>
               <a:spcAft>
-                <a:spcPts val="3000"/>
+                <a:spcPts val="0"/>
               </a:spcAft>
               <a:buClr>
                 <a:schemeClr val="dk1"/>
               </a:buClr>
-              <a:buSzPts val="1300"/>
+              <a:buSzPts val="1000"/>
               <a:buAutoNum type="arabicPeriod"/>
             </a:pPr>
             <a:r>
-              <a:rPr b="1" lang="ko-KR" sz="1300">
+              <a:rPr b="1" lang="ko-KR" sz="1100">
                 <a:solidFill>
                   <a:schemeClr val="dk1"/>
                 </a:solidFill>
               </a:rPr>
               <a:t>발생한 적조 정보를 빠르게 파악하여 양식업 종사자 및 관광객들이 안심할수 있고 빠르게 대응할 수 있음</a:t>
             </a:r>
-            <a:endParaRPr b="1">
+            <a:endParaRPr b="1" sz="1100">
+              <a:solidFill>
+                <a:schemeClr val="dk1"/>
+              </a:solidFill>
+            </a:endParaRPr>
+          </a:p>
+          <a:p>
+            <a:pPr indent="-292100" lvl="0" marL="457200" marR="0" rtl="0" algn="l">
+              <a:lnSpc>
+                <a:spcPct val="100000"/>
+              </a:lnSpc>
+              <a:spcBef>
+                <a:spcPts val="3000"/>
+              </a:spcBef>
+              <a:spcAft>
+                <a:spcPts val="3000"/>
+              </a:spcAft>
+              <a:buClr>
+                <a:schemeClr val="dk1"/>
+              </a:buClr>
+              <a:buSzPts val="1000"/>
+              <a:buAutoNum type="arabicPeriod"/>
+            </a:pPr>
+            <a:r>
+              <a:rPr b="1" lang="ko-KR" sz="1100">
+                <a:solidFill>
+                  <a:schemeClr val="dk1"/>
+                </a:solidFill>
+              </a:rPr>
+              <a:t>수산업 종사자 및 관광객에게 유용한 정보 제공으로 시스템 사용률을 높이고 수익 창출</a:t>
+            </a:r>
+            <a:endParaRPr b="1" sz="1100">
               <a:solidFill>
                 <a:schemeClr val="dk1"/>
               </a:solidFill>
@@ -12156,1369 +12218,1816 @@
           </a:p>
         </p:txBody>
       </p:sp>
-      <p:grpSp>
-        <p:nvGrpSpPr>
+      <p:sp>
+        <p:nvSpPr>
           <p:cNvPr id="125" name="Google Shape;125;g161d3ebda41_13_2"/>
-          <p:cNvGrpSpPr/>
+          <p:cNvSpPr/>
           <p:nvPr/>
-        </p:nvGrpSpPr>
-        <p:grpSpPr>
+        </p:nvSpPr>
+        <p:spPr>
           <a:xfrm>
-            <a:off x="1879125" y="1415425"/>
-            <a:ext cx="8254275" cy="4485625"/>
-            <a:chOff x="1879125" y="1415425"/>
-            <a:chExt cx="8254275" cy="4485625"/>
+            <a:off x="1970138" y="2205500"/>
+            <a:ext cx="139500" cy="3917400"/>
           </a:xfrm>
-        </p:grpSpPr>
-        <p:sp>
-          <p:nvSpPr>
-            <p:cNvPr id="126" name="Google Shape;126;g161d3ebda41_13_2"/>
-            <p:cNvSpPr/>
-            <p:nvPr/>
-          </p:nvSpPr>
-          <p:spPr>
-            <a:xfrm>
-              <a:off x="2357625" y="1983650"/>
-              <a:ext cx="139500" cy="3917400"/>
-            </a:xfrm>
-            <a:prstGeom prst="rect">
-              <a:avLst/>
-            </a:prstGeom>
+          <a:prstGeom prst="rect">
+            <a:avLst/>
+          </a:prstGeom>
+          <a:solidFill>
+            <a:srgbClr val="1F497D"/>
+          </a:solidFill>
+          <a:ln>
+            <a:noFill/>
+          </a:ln>
+        </p:spPr>
+        <p:txBody>
+          <a:bodyPr anchorCtr="0" anchor="ctr" bIns="91425" lIns="91425" spcFirstLastPara="1" rIns="91425" wrap="square" tIns="91425">
+            <a:noAutofit/>
+          </a:bodyPr>
+          <a:lstStyle/>
+          <a:p>
+            <a:pPr indent="0" lvl="0" marL="0" rtl="0" algn="ctr">
+              <a:spcBef>
+                <a:spcPts val="0"/>
+              </a:spcBef>
+              <a:spcAft>
+                <a:spcPts val="0"/>
+              </a:spcAft>
+              <a:buNone/>
+            </a:pPr>
+            <a:r>
+              <a:t/>
+            </a:r>
+            <a:endParaRPr sz="1200"/>
+          </a:p>
+        </p:txBody>
+      </p:sp>
+      <p:sp>
+        <p:nvSpPr>
+          <p:cNvPr id="126" name="Google Shape;126;g161d3ebda41_13_2"/>
+          <p:cNvSpPr/>
+          <p:nvPr/>
+        </p:nvSpPr>
+        <p:spPr>
+          <a:xfrm>
+            <a:off x="3952838" y="2205500"/>
+            <a:ext cx="139500" cy="3917400"/>
+          </a:xfrm>
+          <a:prstGeom prst="rect">
+            <a:avLst/>
+          </a:prstGeom>
+          <a:solidFill>
+            <a:srgbClr val="1F497D"/>
+          </a:solidFill>
+          <a:ln>
+            <a:noFill/>
+          </a:ln>
+        </p:spPr>
+        <p:txBody>
+          <a:bodyPr anchorCtr="0" anchor="ctr" bIns="91425" lIns="91425" spcFirstLastPara="1" rIns="91425" wrap="square" tIns="91425">
+            <a:noAutofit/>
+          </a:bodyPr>
+          <a:lstStyle/>
+          <a:p>
+            <a:pPr indent="0" lvl="0" marL="0" rtl="0" algn="ctr">
+              <a:spcBef>
+                <a:spcPts val="0"/>
+              </a:spcBef>
+              <a:spcAft>
+                <a:spcPts val="0"/>
+              </a:spcAft>
+              <a:buNone/>
+            </a:pPr>
+            <a:r>
+              <a:t/>
+            </a:r>
+            <a:endParaRPr sz="1200"/>
+          </a:p>
+        </p:txBody>
+      </p:sp>
+      <p:sp>
+        <p:nvSpPr>
+          <p:cNvPr id="127" name="Google Shape;127;g161d3ebda41_13_2"/>
+          <p:cNvSpPr/>
+          <p:nvPr/>
+        </p:nvSpPr>
+        <p:spPr>
+          <a:xfrm>
+            <a:off x="5972800" y="2186652"/>
+            <a:ext cx="139500" cy="1222800"/>
+          </a:xfrm>
+          <a:prstGeom prst="rect">
+            <a:avLst/>
+          </a:prstGeom>
+          <a:solidFill>
+            <a:srgbClr val="1F497D"/>
+          </a:solidFill>
+          <a:ln>
+            <a:noFill/>
+          </a:ln>
+        </p:spPr>
+        <p:txBody>
+          <a:bodyPr anchorCtr="0" anchor="ctr" bIns="91425" lIns="91425" spcFirstLastPara="1" rIns="91425" wrap="square" tIns="91425">
+            <a:noAutofit/>
+          </a:bodyPr>
+          <a:lstStyle/>
+          <a:p>
+            <a:pPr indent="0" lvl="0" marL="0" rtl="0" algn="ctr">
+              <a:spcBef>
+                <a:spcPts val="0"/>
+              </a:spcBef>
+              <a:spcAft>
+                <a:spcPts val="0"/>
+              </a:spcAft>
+              <a:buNone/>
+            </a:pPr>
+            <a:r>
+              <a:t/>
+            </a:r>
+            <a:endParaRPr sz="1200"/>
+          </a:p>
+        </p:txBody>
+      </p:sp>
+      <p:sp>
+        <p:nvSpPr>
+          <p:cNvPr id="128" name="Google Shape;128;g161d3ebda41_13_2"/>
+          <p:cNvSpPr/>
+          <p:nvPr/>
+        </p:nvSpPr>
+        <p:spPr>
+          <a:xfrm>
+            <a:off x="3492963" y="1637300"/>
+            <a:ext cx="1096500" cy="568200"/>
+          </a:xfrm>
+          <a:prstGeom prst="roundRect">
+            <a:avLst>
+              <a:gd fmla="val 16667" name="adj"/>
+            </a:avLst>
+          </a:prstGeom>
+          <a:solidFill>
+            <a:srgbClr val="E7E6E6"/>
+          </a:solidFill>
+          <a:ln cap="flat" cmpd="sng" w="28575">
+            <a:solidFill>
+              <a:schemeClr val="dk1"/>
+            </a:solidFill>
+            <a:prstDash val="solid"/>
+            <a:round/>
+            <a:headEnd len="sm" w="sm" type="none"/>
+            <a:tailEnd len="sm" w="sm" type="none"/>
+          </a:ln>
+        </p:spPr>
+        <p:txBody>
+          <a:bodyPr anchorCtr="0" anchor="ctr" bIns="91425" lIns="91425" spcFirstLastPara="1" rIns="91425" wrap="square" tIns="91425">
+            <a:noAutofit/>
+          </a:bodyPr>
+          <a:lstStyle/>
+          <a:p>
+            <a:pPr indent="0" lvl="0" marL="0" rtl="0" algn="ctr">
+              <a:spcBef>
+                <a:spcPts val="0"/>
+              </a:spcBef>
+              <a:spcAft>
+                <a:spcPts val="0"/>
+              </a:spcAft>
+              <a:buNone/>
+            </a:pPr>
+            <a:r>
+              <a:rPr b="1" lang="ko-KR"/>
+              <a:t>System</a:t>
+            </a:r>
+            <a:endParaRPr b="1"/>
+          </a:p>
+        </p:txBody>
+      </p:sp>
+      <p:sp>
+        <p:nvSpPr>
+          <p:cNvPr id="129" name="Google Shape;129;g161d3ebda41_13_2"/>
+          <p:cNvSpPr/>
+          <p:nvPr/>
+        </p:nvSpPr>
+        <p:spPr>
+          <a:xfrm>
+            <a:off x="5494288" y="1633625"/>
+            <a:ext cx="1096500" cy="568200"/>
+          </a:xfrm>
+          <a:prstGeom prst="roundRect">
+            <a:avLst>
+              <a:gd fmla="val 16667" name="adj"/>
+            </a:avLst>
+          </a:prstGeom>
+          <a:solidFill>
+            <a:srgbClr val="F6EFD6"/>
+          </a:solidFill>
+          <a:ln cap="flat" cmpd="sng" w="28575">
+            <a:solidFill>
+              <a:schemeClr val="dk1"/>
+            </a:solidFill>
+            <a:prstDash val="solid"/>
+            <a:round/>
+            <a:headEnd len="sm" w="sm" type="none"/>
+            <a:tailEnd len="sm" w="sm" type="none"/>
+          </a:ln>
+        </p:spPr>
+        <p:txBody>
+          <a:bodyPr anchorCtr="0" anchor="ctr" bIns="91425" lIns="91425" spcFirstLastPara="1" rIns="91425" wrap="square" tIns="91425">
+            <a:noAutofit/>
+          </a:bodyPr>
+          <a:lstStyle/>
+          <a:p>
+            <a:pPr indent="0" lvl="0" marL="0" rtl="0" algn="ctr">
+              <a:spcBef>
+                <a:spcPts val="0"/>
+              </a:spcBef>
+              <a:spcAft>
+                <a:spcPts val="0"/>
+              </a:spcAft>
+              <a:buClr>
+                <a:srgbClr val="000000"/>
+              </a:buClr>
+              <a:buSzPts val="1100"/>
+              <a:buFont typeface="Arial"/>
+              <a:buNone/>
+            </a:pPr>
+            <a:r>
+              <a:rPr b="1" lang="ko-KR" sz="1300">
+                <a:solidFill>
+                  <a:srgbClr val="000000"/>
+                </a:solidFill>
+              </a:rPr>
+              <a:t>외부데이터</a:t>
+            </a:r>
+            <a:endParaRPr b="1" sz="1300">
+              <a:solidFill>
+                <a:srgbClr val="000000"/>
+              </a:solidFill>
+            </a:endParaRPr>
+          </a:p>
+          <a:p>
+            <a:pPr indent="0" lvl="0" marL="0" rtl="0" algn="ctr">
+              <a:spcBef>
+                <a:spcPts val="0"/>
+              </a:spcBef>
+              <a:spcAft>
+                <a:spcPts val="0"/>
+              </a:spcAft>
+              <a:buClr>
+                <a:srgbClr val="000000"/>
+              </a:buClr>
+              <a:buSzPts val="1100"/>
+              <a:buFont typeface="Arial"/>
+              <a:buNone/>
+            </a:pPr>
+            <a:r>
+              <a:rPr b="1" lang="ko-KR" sz="1300">
+                <a:solidFill>
+                  <a:srgbClr val="000000"/>
+                </a:solidFill>
+              </a:rPr>
+              <a:t>Open API</a:t>
+            </a:r>
+            <a:endParaRPr b="1" sz="1300"/>
+          </a:p>
+        </p:txBody>
+      </p:sp>
+      <p:sp>
+        <p:nvSpPr>
+          <p:cNvPr id="130" name="Google Shape;130;g161d3ebda41_13_2"/>
+          <p:cNvSpPr/>
+          <p:nvPr/>
+        </p:nvSpPr>
+        <p:spPr>
+          <a:xfrm>
+            <a:off x="1491638" y="1637300"/>
+            <a:ext cx="1096500" cy="568200"/>
+          </a:xfrm>
+          <a:prstGeom prst="roundRect">
+            <a:avLst>
+              <a:gd fmla="val 16667" name="adj"/>
+            </a:avLst>
+          </a:prstGeom>
+          <a:solidFill>
+            <a:srgbClr val="C9DAF8"/>
+          </a:solidFill>
+          <a:ln cap="flat" cmpd="sng" w="28575">
+            <a:solidFill>
+              <a:schemeClr val="dk1"/>
+            </a:solidFill>
+            <a:prstDash val="solid"/>
+            <a:round/>
+            <a:headEnd len="sm" w="sm" type="none"/>
+            <a:tailEnd len="sm" w="sm" type="none"/>
+          </a:ln>
+        </p:spPr>
+        <p:txBody>
+          <a:bodyPr anchorCtr="0" anchor="ctr" bIns="91425" lIns="91425" spcFirstLastPara="1" rIns="91425" wrap="square" tIns="91425">
+            <a:noAutofit/>
+          </a:bodyPr>
+          <a:lstStyle/>
+          <a:p>
+            <a:pPr indent="0" lvl="0" marL="0" rtl="0" algn="ctr">
+              <a:spcBef>
+                <a:spcPts val="0"/>
+              </a:spcBef>
+              <a:spcAft>
+                <a:spcPts val="0"/>
+              </a:spcAft>
+              <a:buNone/>
+            </a:pPr>
+            <a:r>
+              <a:rPr b="1" lang="ko-KR"/>
+              <a:t>User</a:t>
+            </a:r>
+            <a:endParaRPr b="1"/>
+          </a:p>
+        </p:txBody>
+      </p:sp>
+      <p:sp>
+        <p:nvSpPr>
+          <p:cNvPr id="131" name="Google Shape;131;g161d3ebda41_13_2"/>
+          <p:cNvSpPr/>
+          <p:nvPr/>
+        </p:nvSpPr>
+        <p:spPr>
+          <a:xfrm>
+            <a:off x="2109675" y="2432600"/>
+            <a:ext cx="1843200" cy="273000"/>
+          </a:xfrm>
+          <a:prstGeom prst="rightArrow">
+            <a:avLst>
+              <a:gd fmla="val 16708" name="adj1"/>
+              <a:gd fmla="val 50000" name="adj2"/>
+            </a:avLst>
+          </a:prstGeom>
+          <a:solidFill>
+            <a:srgbClr val="1F497D"/>
+          </a:solidFill>
+          <a:ln>
+            <a:noFill/>
+          </a:ln>
+        </p:spPr>
+        <p:txBody>
+          <a:bodyPr anchorCtr="0" anchor="ctr" bIns="91425" lIns="91425" spcFirstLastPara="1" rIns="91425" wrap="square" tIns="91425">
+            <a:noAutofit/>
+          </a:bodyPr>
+          <a:lstStyle/>
+          <a:p>
+            <a:pPr indent="0" lvl="0" marL="0" rtl="0" algn="ctr">
+              <a:spcBef>
+                <a:spcPts val="0"/>
+              </a:spcBef>
+              <a:spcAft>
+                <a:spcPts val="0"/>
+              </a:spcAft>
+              <a:buNone/>
+            </a:pPr>
+            <a:r>
+              <a:t/>
+            </a:r>
+            <a:endParaRPr sz="1200">
+              <a:solidFill>
+                <a:schemeClr val="dk1"/>
+              </a:solidFill>
+            </a:endParaRPr>
+          </a:p>
+        </p:txBody>
+      </p:sp>
+      <p:sp>
+        <p:nvSpPr>
+          <p:cNvPr id="132" name="Google Shape;132;g161d3ebda41_13_2"/>
+          <p:cNvSpPr txBox="1"/>
+          <p:nvPr/>
+        </p:nvSpPr>
+        <p:spPr>
+          <a:xfrm>
+            <a:off x="2380897" y="2205500"/>
+            <a:ext cx="1367400" cy="369300"/>
+          </a:xfrm>
+          <a:prstGeom prst="rect">
+            <a:avLst/>
+          </a:prstGeom>
+          <a:noFill/>
+          <a:ln>
+            <a:noFill/>
+          </a:ln>
+        </p:spPr>
+        <p:txBody>
+          <a:bodyPr anchorCtr="0" anchor="t" bIns="91425" lIns="91425" spcFirstLastPara="1" rIns="91425" wrap="square" tIns="91425">
+            <a:spAutoFit/>
+          </a:bodyPr>
+          <a:lstStyle/>
+          <a:p>
+            <a:pPr indent="0" lvl="0" marL="0" rtl="0" algn="ctr">
+              <a:spcBef>
+                <a:spcPts val="0"/>
+              </a:spcBef>
+              <a:spcAft>
+                <a:spcPts val="0"/>
+              </a:spcAft>
+              <a:buNone/>
+            </a:pPr>
+            <a:r>
+              <a:rPr b="1" lang="ko-KR" sz="1200">
+                <a:solidFill>
+                  <a:schemeClr val="dk1"/>
+                </a:solidFill>
+              </a:rPr>
+              <a:t>위치 데이터 수집</a:t>
+            </a:r>
+            <a:endParaRPr b="1" sz="1200">
+              <a:solidFill>
+                <a:schemeClr val="dk1"/>
+              </a:solidFill>
+            </a:endParaRPr>
+          </a:p>
+        </p:txBody>
+      </p:sp>
+      <p:sp>
+        <p:nvSpPr>
+          <p:cNvPr id="133" name="Google Shape;133;g161d3ebda41_13_2"/>
+          <p:cNvSpPr/>
+          <p:nvPr/>
+        </p:nvSpPr>
+        <p:spPr>
+          <a:xfrm>
+            <a:off x="3895825" y="2432600"/>
+            <a:ext cx="2076900" cy="273000"/>
+          </a:xfrm>
+          <a:prstGeom prst="rightArrow">
+            <a:avLst>
+              <a:gd fmla="val 16708" name="adj1"/>
+              <a:gd fmla="val 50000" name="adj2"/>
+            </a:avLst>
+          </a:prstGeom>
+          <a:solidFill>
+            <a:srgbClr val="1F497D"/>
+          </a:solidFill>
+          <a:ln>
+            <a:noFill/>
+          </a:ln>
+        </p:spPr>
+        <p:txBody>
+          <a:bodyPr anchorCtr="0" anchor="ctr" bIns="91425" lIns="91425" spcFirstLastPara="1" rIns="91425" wrap="square" tIns="91425">
+            <a:noAutofit/>
+          </a:bodyPr>
+          <a:lstStyle/>
+          <a:p>
+            <a:pPr indent="0" lvl="0" marL="0" rtl="0" algn="ctr">
+              <a:spcBef>
+                <a:spcPts val="0"/>
+              </a:spcBef>
+              <a:spcAft>
+                <a:spcPts val="0"/>
+              </a:spcAft>
+              <a:buNone/>
+            </a:pPr>
+            <a:r>
+              <a:t/>
+            </a:r>
+            <a:endParaRPr sz="1200">
+              <a:solidFill>
+                <a:schemeClr val="dk1"/>
+              </a:solidFill>
+            </a:endParaRPr>
+          </a:p>
+        </p:txBody>
+      </p:sp>
+      <p:sp>
+        <p:nvSpPr>
+          <p:cNvPr id="134" name="Google Shape;134;g161d3ebda41_13_2"/>
+          <p:cNvSpPr/>
+          <p:nvPr/>
+        </p:nvSpPr>
+        <p:spPr>
+          <a:xfrm rot="10800000">
+            <a:off x="2094725" y="5626325"/>
+            <a:ext cx="1868100" cy="273000"/>
+          </a:xfrm>
+          <a:prstGeom prst="rightArrow">
+            <a:avLst>
+              <a:gd fmla="val 16708" name="adj1"/>
+              <a:gd fmla="val 50000" name="adj2"/>
+            </a:avLst>
+          </a:prstGeom>
+          <a:solidFill>
+            <a:srgbClr val="1F497D"/>
+          </a:solidFill>
+          <a:ln>
+            <a:noFill/>
+          </a:ln>
+        </p:spPr>
+        <p:txBody>
+          <a:bodyPr anchorCtr="0" anchor="ctr" bIns="91425" lIns="91425" spcFirstLastPara="1" rIns="91425" wrap="square" tIns="91425">
+            <a:noAutofit/>
+          </a:bodyPr>
+          <a:lstStyle/>
+          <a:p>
+            <a:pPr indent="0" lvl="0" marL="0" rtl="0" algn="l">
+              <a:spcBef>
+                <a:spcPts val="0"/>
+              </a:spcBef>
+              <a:spcAft>
+                <a:spcPts val="0"/>
+              </a:spcAft>
+              <a:buNone/>
+            </a:pPr>
+            <a:r>
+              <a:t/>
+            </a:r>
+            <a:endParaRPr sz="1200">
+              <a:solidFill>
+                <a:schemeClr val="dk1"/>
+              </a:solidFill>
+            </a:endParaRPr>
+          </a:p>
+        </p:txBody>
+      </p:sp>
+      <p:sp>
+        <p:nvSpPr>
+          <p:cNvPr id="135" name="Google Shape;135;g161d3ebda41_13_2"/>
+          <p:cNvSpPr txBox="1"/>
+          <p:nvPr/>
+        </p:nvSpPr>
+        <p:spPr>
+          <a:xfrm>
+            <a:off x="2240890" y="5205900"/>
+            <a:ext cx="1580700" cy="554100"/>
+          </a:xfrm>
+          <a:prstGeom prst="rect">
+            <a:avLst/>
+          </a:prstGeom>
+          <a:noFill/>
+          <a:ln>
+            <a:noFill/>
+          </a:ln>
+        </p:spPr>
+        <p:txBody>
+          <a:bodyPr anchorCtr="0" anchor="t" bIns="91425" lIns="91425" spcFirstLastPara="1" rIns="91425" wrap="square" tIns="91425">
+            <a:spAutoFit/>
+          </a:bodyPr>
+          <a:lstStyle/>
+          <a:p>
+            <a:pPr indent="0" lvl="0" marL="0" rtl="0" algn="ctr">
+              <a:spcBef>
+                <a:spcPts val="0"/>
+              </a:spcBef>
+              <a:spcAft>
+                <a:spcPts val="0"/>
+              </a:spcAft>
+              <a:buNone/>
+            </a:pPr>
+            <a:r>
+              <a:rPr b="1" lang="ko-KR" sz="1200">
+                <a:solidFill>
+                  <a:schemeClr val="dk1"/>
+                </a:solidFill>
+              </a:rPr>
+              <a:t>적조 / 날씨 / 관광 위치 기반 정보 제공</a:t>
+            </a:r>
+            <a:endParaRPr b="1" sz="1200">
+              <a:solidFill>
+                <a:schemeClr val="dk1"/>
+              </a:solidFill>
+            </a:endParaRPr>
+          </a:p>
+        </p:txBody>
+      </p:sp>
+      <p:sp>
+        <p:nvSpPr>
+          <p:cNvPr id="136" name="Google Shape;136;g161d3ebda41_13_2"/>
+          <p:cNvSpPr/>
+          <p:nvPr/>
+        </p:nvSpPr>
+        <p:spPr>
+          <a:xfrm>
+            <a:off x="9496938" y="1637288"/>
+            <a:ext cx="1096500" cy="568200"/>
+          </a:xfrm>
+          <a:prstGeom prst="roundRect">
+            <a:avLst>
+              <a:gd fmla="val 16667" name="adj"/>
+            </a:avLst>
+          </a:prstGeom>
+          <a:solidFill>
+            <a:srgbClr val="C8D3CE"/>
+          </a:solidFill>
+          <a:ln cap="flat" cmpd="sng" w="28575">
+            <a:solidFill>
+              <a:schemeClr val="dk1"/>
+            </a:solidFill>
+            <a:prstDash val="solid"/>
+            <a:round/>
+            <a:headEnd len="sm" w="sm" type="none"/>
+            <a:tailEnd len="sm" w="sm" type="none"/>
+          </a:ln>
+        </p:spPr>
+        <p:txBody>
+          <a:bodyPr anchorCtr="0" anchor="ctr" bIns="91425" lIns="91425" spcFirstLastPara="1" rIns="91425" wrap="square" tIns="91425">
+            <a:noAutofit/>
+          </a:bodyPr>
+          <a:lstStyle/>
+          <a:p>
+            <a:pPr indent="0" lvl="0" marL="0" rtl="0" algn="ctr">
+              <a:spcBef>
+                <a:spcPts val="0"/>
+              </a:spcBef>
+              <a:spcAft>
+                <a:spcPts val="0"/>
+              </a:spcAft>
+              <a:buNone/>
+            </a:pPr>
+            <a:r>
+              <a:rPr b="1" lang="ko-KR"/>
+              <a:t>DB</a:t>
+            </a:r>
+            <a:endParaRPr b="1"/>
+          </a:p>
+        </p:txBody>
+      </p:sp>
+      <p:sp>
+        <p:nvSpPr>
+          <p:cNvPr id="137" name="Google Shape;137;g161d3ebda41_13_2"/>
+          <p:cNvSpPr/>
+          <p:nvPr/>
+        </p:nvSpPr>
+        <p:spPr>
+          <a:xfrm>
+            <a:off x="7495625" y="1618438"/>
+            <a:ext cx="1096500" cy="568200"/>
+          </a:xfrm>
+          <a:prstGeom prst="roundRect">
+            <a:avLst>
+              <a:gd fmla="val 16667" name="adj"/>
+            </a:avLst>
+          </a:prstGeom>
+          <a:solidFill>
+            <a:srgbClr val="E9DBED"/>
+          </a:solidFill>
+          <a:ln cap="flat" cmpd="sng" w="28575">
+            <a:solidFill>
+              <a:schemeClr val="dk1"/>
+            </a:solidFill>
+            <a:prstDash val="solid"/>
+            <a:round/>
+            <a:headEnd len="sm" w="sm" type="none"/>
+            <a:tailEnd len="sm" w="sm" type="none"/>
+          </a:ln>
+        </p:spPr>
+        <p:txBody>
+          <a:bodyPr anchorCtr="0" anchor="ctr" bIns="91425" lIns="91425" spcFirstLastPara="1" rIns="91425" wrap="square" tIns="91425">
+            <a:noAutofit/>
+          </a:bodyPr>
+          <a:lstStyle/>
+          <a:p>
+            <a:pPr indent="0" lvl="0" marL="0" rtl="0" algn="ctr">
+              <a:spcBef>
+                <a:spcPts val="0"/>
+              </a:spcBef>
+              <a:spcAft>
+                <a:spcPts val="0"/>
+              </a:spcAft>
+              <a:buNone/>
+            </a:pPr>
+            <a:r>
+              <a:rPr b="1" lang="ko-KR" sz="1300">
+                <a:solidFill>
+                  <a:srgbClr val="000000"/>
+                </a:solidFill>
+              </a:rPr>
+              <a:t>적조 예측 Model</a:t>
+            </a:r>
+            <a:endParaRPr b="1" sz="1300"/>
+          </a:p>
+        </p:txBody>
+      </p:sp>
+      <p:sp>
+        <p:nvSpPr>
+          <p:cNvPr id="138" name="Google Shape;138;g161d3ebda41_13_2"/>
+          <p:cNvSpPr/>
+          <p:nvPr/>
+        </p:nvSpPr>
+        <p:spPr>
+          <a:xfrm>
+            <a:off x="3538550" y="3049925"/>
+            <a:ext cx="422400" cy="875400"/>
+          </a:xfrm>
+          <a:prstGeom prst="curvedRightArrow">
+            <a:avLst>
+              <a:gd fmla="val 25000" name="adj1"/>
+              <a:gd fmla="val 50000" name="adj2"/>
+              <a:gd fmla="val 25000" name="adj3"/>
+            </a:avLst>
+          </a:prstGeom>
+          <a:solidFill>
+            <a:srgbClr val="1F497D"/>
+          </a:solidFill>
+          <a:ln cap="flat" cmpd="sng" w="28575">
+            <a:solidFill>
+              <a:schemeClr val="lt1"/>
+            </a:solidFill>
+            <a:prstDash val="dash"/>
+            <a:round/>
+            <a:headEnd len="sm" w="sm" type="none"/>
+            <a:tailEnd len="sm" w="sm" type="none"/>
+          </a:ln>
+        </p:spPr>
+        <p:txBody>
+          <a:bodyPr anchorCtr="0" anchor="ctr" bIns="91425" lIns="91425" spcFirstLastPara="1" rIns="91425" wrap="square" tIns="91425">
+            <a:noAutofit/>
+          </a:bodyPr>
+          <a:lstStyle/>
+          <a:p>
+            <a:pPr indent="0" lvl="0" marL="0" rtl="0" algn="l">
+              <a:spcBef>
+                <a:spcPts val="0"/>
+              </a:spcBef>
+              <a:spcAft>
+                <a:spcPts val="0"/>
+              </a:spcAft>
+              <a:buNone/>
+            </a:pPr>
+            <a:r>
+              <a:t/>
+            </a:r>
+            <a:endParaRPr/>
+          </a:p>
+        </p:txBody>
+      </p:sp>
+      <p:sp>
+        <p:nvSpPr>
+          <p:cNvPr id="139" name="Google Shape;139;g161d3ebda41_13_2"/>
+          <p:cNvSpPr txBox="1"/>
+          <p:nvPr/>
+        </p:nvSpPr>
+        <p:spPr>
+          <a:xfrm>
+            <a:off x="2286200" y="3244350"/>
+            <a:ext cx="1214700" cy="369300"/>
+          </a:xfrm>
+          <a:prstGeom prst="rect">
+            <a:avLst/>
+          </a:prstGeom>
+          <a:noFill/>
+          <a:ln>
+            <a:noFill/>
+          </a:ln>
+        </p:spPr>
+        <p:txBody>
+          <a:bodyPr anchorCtr="0" anchor="t" bIns="91425" lIns="91425" spcFirstLastPara="1" rIns="91425" wrap="square" tIns="91425">
+            <a:spAutoFit/>
+          </a:bodyPr>
+          <a:lstStyle/>
+          <a:p>
+            <a:pPr indent="0" lvl="0" marL="0" rtl="0" algn="ctr">
+              <a:spcBef>
+                <a:spcPts val="0"/>
+              </a:spcBef>
+              <a:spcAft>
+                <a:spcPts val="0"/>
+              </a:spcAft>
+              <a:buNone/>
+            </a:pPr>
+            <a:r>
+              <a:rPr b="1" lang="ko-KR" sz="1200">
+                <a:solidFill>
+                  <a:schemeClr val="dk1"/>
+                </a:solidFill>
+              </a:rPr>
+              <a:t>데이터 전처리</a:t>
+            </a:r>
+            <a:endParaRPr b="1" sz="1200">
+              <a:solidFill>
+                <a:schemeClr val="dk1"/>
+              </a:solidFill>
+            </a:endParaRPr>
+          </a:p>
+        </p:txBody>
+      </p:sp>
+      <p:cxnSp>
+        <p:nvCxnSpPr>
+          <p:cNvPr id="140" name="Google Shape;140;g161d3ebda41_13_2"/>
+          <p:cNvCxnSpPr>
+            <a:stCxn id="127" idx="2"/>
+          </p:cNvCxnSpPr>
+          <p:nvPr/>
+        </p:nvCxnSpPr>
+        <p:spPr>
+          <a:xfrm>
+            <a:off x="6042550" y="3409452"/>
+            <a:ext cx="3300" cy="2894400"/>
+          </a:xfrm>
+          <a:prstGeom prst="straightConnector1">
+            <a:avLst/>
+          </a:prstGeom>
+          <a:noFill/>
+          <a:ln cap="flat" cmpd="sng" w="38100">
             <a:solidFill>
               <a:srgbClr val="1F497D"/>
             </a:solidFill>
-            <a:ln cap="flat" cmpd="sng" w="9525">
+            <a:prstDash val="dot"/>
+            <a:round/>
+            <a:headEnd len="med" w="med" type="none"/>
+            <a:tailEnd len="med" w="med" type="none"/>
+          </a:ln>
+        </p:spPr>
+      </p:cxnSp>
+      <p:sp>
+        <p:nvSpPr>
+          <p:cNvPr id="141" name="Google Shape;141;g161d3ebda41_13_2"/>
+          <p:cNvSpPr txBox="1"/>
+          <p:nvPr/>
+        </p:nvSpPr>
+        <p:spPr>
+          <a:xfrm>
+            <a:off x="4348884" y="2205500"/>
+            <a:ext cx="1367400" cy="369300"/>
+          </a:xfrm>
+          <a:prstGeom prst="rect">
+            <a:avLst/>
+          </a:prstGeom>
+          <a:noFill/>
+          <a:ln>
+            <a:noFill/>
+          </a:ln>
+        </p:spPr>
+        <p:txBody>
+          <a:bodyPr anchorCtr="0" anchor="t" bIns="91425" lIns="91425" spcFirstLastPara="1" rIns="91425" wrap="square" tIns="91425">
+            <a:spAutoFit/>
+          </a:bodyPr>
+          <a:lstStyle/>
+          <a:p>
+            <a:pPr indent="0" lvl="0" marL="0" rtl="0" algn="ctr">
+              <a:spcBef>
+                <a:spcPts val="0"/>
+              </a:spcBef>
+              <a:spcAft>
+                <a:spcPts val="0"/>
+              </a:spcAft>
+              <a:buNone/>
+            </a:pPr>
+            <a:r>
+              <a:rPr b="1" lang="ko-KR" sz="1200">
+                <a:solidFill>
+                  <a:schemeClr val="dk1"/>
+                </a:solidFill>
+              </a:rPr>
+              <a:t>데이터 요청</a:t>
+            </a:r>
+            <a:endParaRPr b="1" sz="1200">
               <a:solidFill>
-                <a:schemeClr val="dk2"/>
+                <a:schemeClr val="dk1"/>
               </a:solidFill>
-              <a:prstDash val="solid"/>
-              <a:round/>
-              <a:headEnd len="sm" w="sm" type="none"/>
-              <a:tailEnd len="sm" w="sm" type="none"/>
-            </a:ln>
-          </p:spPr>
-          <p:txBody>
-            <a:bodyPr anchorCtr="0" anchor="ctr" bIns="91425" lIns="91425" spcFirstLastPara="1" rIns="91425" wrap="square" tIns="91425">
-              <a:noAutofit/>
-            </a:bodyPr>
-            <a:lstStyle/>
-            <a:p>
-              <a:pPr indent="0" lvl="0" marL="0" rtl="0" algn="ctr">
-                <a:spcBef>
-                  <a:spcPts val="0"/>
-                </a:spcBef>
-                <a:spcAft>
-                  <a:spcPts val="0"/>
-                </a:spcAft>
-                <a:buNone/>
-              </a:pPr>
-              <a:r>
-                <a:t/>
-              </a:r>
-              <a:endParaRPr sz="1200"/>
-            </a:p>
-          </p:txBody>
-        </p:sp>
-        <p:sp>
-          <p:nvSpPr>
-            <p:cNvPr id="127" name="Google Shape;127;g161d3ebda41_13_2"/>
-            <p:cNvSpPr/>
-            <p:nvPr/>
-          </p:nvSpPr>
-          <p:spPr>
-            <a:xfrm>
-              <a:off x="4743550" y="1983625"/>
-              <a:ext cx="139500" cy="3917400"/>
-            </a:xfrm>
-            <a:prstGeom prst="rect">
-              <a:avLst/>
-            </a:prstGeom>
+            </a:endParaRPr>
+          </a:p>
+        </p:txBody>
+      </p:sp>
+      <p:sp>
+        <p:nvSpPr>
+          <p:cNvPr id="142" name="Google Shape;142;g161d3ebda41_13_2"/>
+          <p:cNvSpPr/>
+          <p:nvPr/>
+        </p:nvSpPr>
+        <p:spPr>
+          <a:xfrm flipH="1">
+            <a:off x="4092350" y="2925525"/>
+            <a:ext cx="2010000" cy="273000"/>
+          </a:xfrm>
+          <a:prstGeom prst="rightArrow">
+            <a:avLst>
+              <a:gd fmla="val 16708" name="adj1"/>
+              <a:gd fmla="val 50000" name="adj2"/>
+            </a:avLst>
+          </a:prstGeom>
+          <a:solidFill>
+            <a:srgbClr val="1F497D"/>
+          </a:solidFill>
+          <a:ln>
+            <a:noFill/>
+          </a:ln>
+        </p:spPr>
+        <p:txBody>
+          <a:bodyPr anchorCtr="0" anchor="ctr" bIns="91425" lIns="91425" spcFirstLastPara="1" rIns="91425" wrap="square" tIns="91425">
+            <a:noAutofit/>
+          </a:bodyPr>
+          <a:lstStyle/>
+          <a:p>
+            <a:pPr indent="0" lvl="0" marL="0" rtl="0" algn="ctr">
+              <a:spcBef>
+                <a:spcPts val="0"/>
+              </a:spcBef>
+              <a:spcAft>
+                <a:spcPts val="0"/>
+              </a:spcAft>
+              <a:buNone/>
+            </a:pPr>
+            <a:r>
+              <a:t/>
+            </a:r>
+            <a:endParaRPr sz="1200">
+              <a:solidFill>
+                <a:schemeClr val="dk1"/>
+              </a:solidFill>
+            </a:endParaRPr>
+          </a:p>
+        </p:txBody>
+      </p:sp>
+      <p:sp>
+        <p:nvSpPr>
+          <p:cNvPr id="143" name="Google Shape;143;g161d3ebda41_13_2"/>
+          <p:cNvSpPr txBox="1"/>
+          <p:nvPr/>
+        </p:nvSpPr>
+        <p:spPr>
+          <a:xfrm>
+            <a:off x="4348884" y="2693225"/>
+            <a:ext cx="1367400" cy="369300"/>
+          </a:xfrm>
+          <a:prstGeom prst="rect">
+            <a:avLst/>
+          </a:prstGeom>
+          <a:noFill/>
+          <a:ln>
+            <a:noFill/>
+          </a:ln>
+        </p:spPr>
+        <p:txBody>
+          <a:bodyPr anchorCtr="0" anchor="t" bIns="91425" lIns="91425" spcFirstLastPara="1" rIns="91425" wrap="square" tIns="91425">
+            <a:spAutoFit/>
+          </a:bodyPr>
+          <a:lstStyle/>
+          <a:p>
+            <a:pPr indent="0" lvl="0" marL="0" rtl="0" algn="ctr">
+              <a:spcBef>
+                <a:spcPts val="0"/>
+              </a:spcBef>
+              <a:spcAft>
+                <a:spcPts val="0"/>
+              </a:spcAft>
+              <a:buNone/>
+            </a:pPr>
+            <a:r>
+              <a:rPr b="1" lang="ko-KR" sz="1200">
+                <a:solidFill>
+                  <a:schemeClr val="dk1"/>
+                </a:solidFill>
+              </a:rPr>
+              <a:t>데이터 수집</a:t>
+            </a:r>
+            <a:endParaRPr b="1" sz="1200">
+              <a:solidFill>
+                <a:schemeClr val="dk1"/>
+              </a:solidFill>
+            </a:endParaRPr>
+          </a:p>
+        </p:txBody>
+      </p:sp>
+      <p:sp>
+        <p:nvSpPr>
+          <p:cNvPr id="144" name="Google Shape;144;g161d3ebda41_13_2"/>
+          <p:cNvSpPr/>
+          <p:nvPr/>
+        </p:nvSpPr>
+        <p:spPr>
+          <a:xfrm>
+            <a:off x="9978750" y="3488074"/>
+            <a:ext cx="139500" cy="2634900"/>
+          </a:xfrm>
+          <a:prstGeom prst="rect">
+            <a:avLst/>
+          </a:prstGeom>
+          <a:solidFill>
+            <a:srgbClr val="1F497D"/>
+          </a:solidFill>
+          <a:ln>
+            <a:noFill/>
+          </a:ln>
+        </p:spPr>
+        <p:txBody>
+          <a:bodyPr anchorCtr="0" anchor="ctr" bIns="91425" lIns="91425" spcFirstLastPara="1" rIns="91425" wrap="square" tIns="91425">
+            <a:noAutofit/>
+          </a:bodyPr>
+          <a:lstStyle/>
+          <a:p>
+            <a:pPr indent="0" lvl="0" marL="0" rtl="0" algn="ctr">
+              <a:spcBef>
+                <a:spcPts val="0"/>
+              </a:spcBef>
+              <a:spcAft>
+                <a:spcPts val="0"/>
+              </a:spcAft>
+              <a:buNone/>
+            </a:pPr>
+            <a:r>
+              <a:t/>
+            </a:r>
+            <a:endParaRPr sz="1200"/>
+          </a:p>
+        </p:txBody>
+      </p:sp>
+      <p:sp>
+        <p:nvSpPr>
+          <p:cNvPr id="145" name="Google Shape;145;g161d3ebda41_13_2"/>
+          <p:cNvSpPr/>
+          <p:nvPr/>
+        </p:nvSpPr>
+        <p:spPr>
+          <a:xfrm>
+            <a:off x="7974125" y="4902852"/>
+            <a:ext cx="139500" cy="1222800"/>
+          </a:xfrm>
+          <a:prstGeom prst="rect">
+            <a:avLst/>
+          </a:prstGeom>
+          <a:solidFill>
+            <a:srgbClr val="1F497D"/>
+          </a:solidFill>
+          <a:ln>
+            <a:noFill/>
+          </a:ln>
+        </p:spPr>
+        <p:txBody>
+          <a:bodyPr anchorCtr="0" anchor="ctr" bIns="91425" lIns="91425" spcFirstLastPara="1" rIns="91425" wrap="square" tIns="91425">
+            <a:noAutofit/>
+          </a:bodyPr>
+          <a:lstStyle/>
+          <a:p>
+            <a:pPr indent="0" lvl="0" marL="0" rtl="0" algn="ctr">
+              <a:spcBef>
+                <a:spcPts val="0"/>
+              </a:spcBef>
+              <a:spcAft>
+                <a:spcPts val="0"/>
+              </a:spcAft>
+              <a:buNone/>
+            </a:pPr>
+            <a:r>
+              <a:t/>
+            </a:r>
+            <a:endParaRPr sz="1200"/>
+          </a:p>
+        </p:txBody>
+      </p:sp>
+      <p:cxnSp>
+        <p:nvCxnSpPr>
+          <p:cNvPr id="146" name="Google Shape;146;g161d3ebda41_13_2"/>
+          <p:cNvCxnSpPr/>
+          <p:nvPr/>
+        </p:nvCxnSpPr>
+        <p:spPr>
+          <a:xfrm>
+            <a:off x="8043575" y="2186652"/>
+            <a:ext cx="600" cy="2716200"/>
+          </a:xfrm>
+          <a:prstGeom prst="straightConnector1">
+            <a:avLst/>
+          </a:prstGeom>
+          <a:noFill/>
+          <a:ln cap="flat" cmpd="sng" w="38100">
             <a:solidFill>
               <a:srgbClr val="1F497D"/>
             </a:solidFill>
-            <a:ln cap="flat" cmpd="sng" w="9525">
-              <a:solidFill>
-                <a:schemeClr val="dk2"/>
-              </a:solidFill>
-              <a:prstDash val="solid"/>
-              <a:round/>
-              <a:headEnd len="sm" w="sm" type="none"/>
-              <a:tailEnd len="sm" w="sm" type="none"/>
-            </a:ln>
-          </p:spPr>
-          <p:txBody>
-            <a:bodyPr anchorCtr="0" anchor="ctr" bIns="91425" lIns="91425" spcFirstLastPara="1" rIns="91425" wrap="square" tIns="91425">
-              <a:noAutofit/>
-            </a:bodyPr>
-            <a:lstStyle/>
-            <a:p>
-              <a:pPr indent="0" lvl="0" marL="0" rtl="0" algn="ctr">
-                <a:spcBef>
-                  <a:spcPts val="0"/>
-                </a:spcBef>
-                <a:spcAft>
-                  <a:spcPts val="0"/>
-                </a:spcAft>
-                <a:buNone/>
-              </a:pPr>
-              <a:r>
-                <a:t/>
-              </a:r>
-              <a:endParaRPr sz="1200"/>
-            </a:p>
-          </p:txBody>
-        </p:sp>
-        <p:sp>
-          <p:nvSpPr>
-            <p:cNvPr id="128" name="Google Shape;128;g161d3ebda41_13_2"/>
-            <p:cNvSpPr/>
-            <p:nvPr/>
-          </p:nvSpPr>
-          <p:spPr>
-            <a:xfrm>
-              <a:off x="7129475" y="1983625"/>
-              <a:ext cx="139500" cy="1079400"/>
-            </a:xfrm>
-            <a:prstGeom prst="rect">
-              <a:avLst/>
-            </a:prstGeom>
+            <a:prstDash val="dot"/>
+            <a:round/>
+            <a:headEnd len="med" w="med" type="none"/>
+            <a:tailEnd len="med" w="med" type="none"/>
+          </a:ln>
+        </p:spPr>
+      </p:cxnSp>
+      <p:cxnSp>
+        <p:nvCxnSpPr>
+          <p:cNvPr id="147" name="Google Shape;147;g161d3ebda41_13_2"/>
+          <p:cNvCxnSpPr/>
+          <p:nvPr/>
+        </p:nvCxnSpPr>
+        <p:spPr>
+          <a:xfrm>
+            <a:off x="10064300" y="2210675"/>
+            <a:ext cx="0" cy="1277400"/>
+          </a:xfrm>
+          <a:prstGeom prst="straightConnector1">
+            <a:avLst/>
+          </a:prstGeom>
+          <a:noFill/>
+          <a:ln cap="flat" cmpd="sng" w="38100">
             <a:solidFill>
               <a:srgbClr val="1F497D"/>
             </a:solidFill>
-            <a:ln cap="flat" cmpd="sng" w="9525">
+            <a:prstDash val="dot"/>
+            <a:round/>
+            <a:headEnd len="med" w="med" type="none"/>
+            <a:tailEnd len="med" w="med" type="none"/>
+          </a:ln>
+        </p:spPr>
+      </p:cxnSp>
+      <p:sp>
+        <p:nvSpPr>
+          <p:cNvPr id="148" name="Google Shape;148;g161d3ebda41_13_2"/>
+          <p:cNvSpPr/>
+          <p:nvPr/>
+        </p:nvSpPr>
+        <p:spPr>
+          <a:xfrm>
+            <a:off x="3960950" y="3694525"/>
+            <a:ext cx="6017700" cy="273000"/>
+          </a:xfrm>
+          <a:prstGeom prst="rightArrow">
+            <a:avLst>
+              <a:gd fmla="val 16708" name="adj1"/>
+              <a:gd fmla="val 50000" name="adj2"/>
+            </a:avLst>
+          </a:prstGeom>
+          <a:solidFill>
+            <a:srgbClr val="1F497D"/>
+          </a:solidFill>
+          <a:ln>
+            <a:noFill/>
+          </a:ln>
+        </p:spPr>
+        <p:txBody>
+          <a:bodyPr anchorCtr="0" anchor="ctr" bIns="91425" lIns="91425" spcFirstLastPara="1" rIns="91425" wrap="square" tIns="91425">
+            <a:noAutofit/>
+          </a:bodyPr>
+          <a:lstStyle/>
+          <a:p>
+            <a:pPr indent="0" lvl="0" marL="0" rtl="0" algn="ctr">
+              <a:spcBef>
+                <a:spcPts val="0"/>
+              </a:spcBef>
+              <a:spcAft>
+                <a:spcPts val="0"/>
+              </a:spcAft>
+              <a:buNone/>
+            </a:pPr>
+            <a:r>
+              <a:t/>
+            </a:r>
+            <a:endParaRPr sz="1200">
               <a:solidFill>
-                <a:schemeClr val="dk2"/>
+                <a:schemeClr val="dk1"/>
               </a:solidFill>
-              <a:prstDash val="solid"/>
-              <a:round/>
-              <a:headEnd len="sm" w="sm" type="none"/>
-              <a:tailEnd len="sm" w="sm" type="none"/>
-            </a:ln>
-          </p:spPr>
-          <p:txBody>
-            <a:bodyPr anchorCtr="0" anchor="ctr" bIns="91425" lIns="91425" spcFirstLastPara="1" rIns="91425" wrap="square" tIns="91425">
-              <a:noAutofit/>
-            </a:bodyPr>
-            <a:lstStyle/>
-            <a:p>
-              <a:pPr indent="0" lvl="0" marL="0" rtl="0" algn="ctr">
-                <a:spcBef>
-                  <a:spcPts val="0"/>
-                </a:spcBef>
-                <a:spcAft>
-                  <a:spcPts val="0"/>
-                </a:spcAft>
-                <a:buNone/>
-              </a:pPr>
-              <a:r>
-                <a:t/>
-              </a:r>
-              <a:endParaRPr sz="1200"/>
-            </a:p>
-          </p:txBody>
-        </p:sp>
-        <p:sp>
-          <p:nvSpPr>
-            <p:cNvPr id="129" name="Google Shape;129;g161d3ebda41_13_2"/>
-            <p:cNvSpPr/>
-            <p:nvPr/>
-          </p:nvSpPr>
-          <p:spPr>
-            <a:xfrm>
-              <a:off x="4265050" y="1415425"/>
-              <a:ext cx="1096500" cy="568200"/>
-            </a:xfrm>
-            <a:prstGeom prst="roundRect">
-              <a:avLst>
-                <a:gd fmla="val 16667" name="adj"/>
-              </a:avLst>
-            </a:prstGeom>
+            </a:endParaRPr>
+          </a:p>
+        </p:txBody>
+      </p:sp>
+      <p:sp>
+        <p:nvSpPr>
+          <p:cNvPr id="149" name="Google Shape;149;g161d3ebda41_13_2"/>
+          <p:cNvSpPr/>
+          <p:nvPr/>
+        </p:nvSpPr>
+        <p:spPr>
+          <a:xfrm flipH="1">
+            <a:off x="4092350" y="4252588"/>
+            <a:ext cx="5984700" cy="273000"/>
+          </a:xfrm>
+          <a:prstGeom prst="rightArrow">
+            <a:avLst>
+              <a:gd fmla="val 16708" name="adj1"/>
+              <a:gd fmla="val 50000" name="adj2"/>
+            </a:avLst>
+          </a:prstGeom>
+          <a:solidFill>
+            <a:srgbClr val="1F497D"/>
+          </a:solidFill>
+          <a:ln>
+            <a:noFill/>
+          </a:ln>
+        </p:spPr>
+        <p:txBody>
+          <a:bodyPr anchorCtr="0" anchor="ctr" bIns="91425" lIns="91425" spcFirstLastPara="1" rIns="91425" wrap="square" tIns="91425">
+            <a:noAutofit/>
+          </a:bodyPr>
+          <a:lstStyle/>
+          <a:p>
+            <a:pPr indent="0" lvl="0" marL="0" rtl="0" algn="ctr">
+              <a:spcBef>
+                <a:spcPts val="0"/>
+              </a:spcBef>
+              <a:spcAft>
+                <a:spcPts val="0"/>
+              </a:spcAft>
+              <a:buNone/>
+            </a:pPr>
+            <a:r>
+              <a:t/>
+            </a:r>
+            <a:endParaRPr sz="1200">
+              <a:solidFill>
+                <a:schemeClr val="dk1"/>
+              </a:solidFill>
+            </a:endParaRPr>
+          </a:p>
+        </p:txBody>
+      </p:sp>
+      <p:sp>
+        <p:nvSpPr>
+          <p:cNvPr id="150" name="Google Shape;150;g161d3ebda41_13_2"/>
+          <p:cNvSpPr/>
+          <p:nvPr/>
+        </p:nvSpPr>
+        <p:spPr>
+          <a:xfrm>
+            <a:off x="4092350" y="5001850"/>
+            <a:ext cx="3881700" cy="273000"/>
+          </a:xfrm>
+          <a:prstGeom prst="rightArrow">
+            <a:avLst>
+              <a:gd fmla="val 16708" name="adj1"/>
+              <a:gd fmla="val 50000" name="adj2"/>
+            </a:avLst>
+          </a:prstGeom>
+          <a:solidFill>
+            <a:srgbClr val="1F497D"/>
+          </a:solidFill>
+          <a:ln>
+            <a:noFill/>
+          </a:ln>
+        </p:spPr>
+        <p:txBody>
+          <a:bodyPr anchorCtr="0" anchor="ctr" bIns="91425" lIns="91425" spcFirstLastPara="1" rIns="91425" wrap="square" tIns="91425">
+            <a:noAutofit/>
+          </a:bodyPr>
+          <a:lstStyle/>
+          <a:p>
+            <a:pPr indent="0" lvl="0" marL="0" rtl="0" algn="ctr">
+              <a:spcBef>
+                <a:spcPts val="0"/>
+              </a:spcBef>
+              <a:spcAft>
+                <a:spcPts val="0"/>
+              </a:spcAft>
+              <a:buNone/>
+            </a:pPr>
+            <a:r>
+              <a:t/>
+            </a:r>
+            <a:endParaRPr sz="1200">
+              <a:solidFill>
+                <a:schemeClr val="dk1"/>
+              </a:solidFill>
+            </a:endParaRPr>
+          </a:p>
+        </p:txBody>
+      </p:sp>
+      <p:sp>
+        <p:nvSpPr>
+          <p:cNvPr id="151" name="Google Shape;151;g161d3ebda41_13_2"/>
+          <p:cNvSpPr/>
+          <p:nvPr/>
+        </p:nvSpPr>
+        <p:spPr>
+          <a:xfrm flipH="1">
+            <a:off x="4092350" y="5626325"/>
+            <a:ext cx="3881700" cy="273000"/>
+          </a:xfrm>
+          <a:prstGeom prst="rightArrow">
+            <a:avLst>
+              <a:gd fmla="val 16708" name="adj1"/>
+              <a:gd fmla="val 50000" name="adj2"/>
+            </a:avLst>
+          </a:prstGeom>
+          <a:solidFill>
+            <a:srgbClr val="1F497D"/>
+          </a:solidFill>
+          <a:ln>
+            <a:noFill/>
+          </a:ln>
+        </p:spPr>
+        <p:txBody>
+          <a:bodyPr anchorCtr="0" anchor="ctr" bIns="91425" lIns="91425" spcFirstLastPara="1" rIns="91425" wrap="square" tIns="91425">
+            <a:noAutofit/>
+          </a:bodyPr>
+          <a:lstStyle/>
+          <a:p>
+            <a:pPr indent="0" lvl="0" marL="0" rtl="0" algn="ctr">
+              <a:spcBef>
+                <a:spcPts val="0"/>
+              </a:spcBef>
+              <a:spcAft>
+                <a:spcPts val="0"/>
+              </a:spcAft>
+              <a:buNone/>
+            </a:pPr>
+            <a:r>
+              <a:t/>
+            </a:r>
+            <a:endParaRPr sz="1200">
+              <a:solidFill>
+                <a:schemeClr val="dk1"/>
+              </a:solidFill>
+            </a:endParaRPr>
+          </a:p>
+        </p:txBody>
+      </p:sp>
+      <p:sp>
+        <p:nvSpPr>
+          <p:cNvPr id="152" name="Google Shape;152;g161d3ebda41_13_2"/>
+          <p:cNvSpPr/>
+          <p:nvPr/>
+        </p:nvSpPr>
+        <p:spPr>
+          <a:xfrm flipH="1">
+            <a:off x="8113725" y="5087850"/>
+            <a:ext cx="368700" cy="683700"/>
+          </a:xfrm>
+          <a:prstGeom prst="curvedRightArrow">
+            <a:avLst>
+              <a:gd fmla="val 25000" name="adj1"/>
+              <a:gd fmla="val 50000" name="adj2"/>
+              <a:gd fmla="val 25000" name="adj3"/>
+            </a:avLst>
+          </a:prstGeom>
+          <a:solidFill>
+            <a:srgbClr val="1F497D"/>
+          </a:solidFill>
+          <a:ln cap="flat" cmpd="sng" w="28575">
             <a:solidFill>
-              <a:schemeClr val="lt2"/>
+              <a:schemeClr val="lt1"/>
             </a:solidFill>
-            <a:ln cap="flat" cmpd="sng" w="9525">
+            <a:prstDash val="dash"/>
+            <a:round/>
+            <a:headEnd len="sm" w="sm" type="none"/>
+            <a:tailEnd len="sm" w="sm" type="none"/>
+          </a:ln>
+        </p:spPr>
+        <p:txBody>
+          <a:bodyPr anchorCtr="0" anchor="ctr" bIns="91425" lIns="91425" spcFirstLastPara="1" rIns="91425" wrap="square" tIns="91425">
+            <a:noAutofit/>
+          </a:bodyPr>
+          <a:lstStyle/>
+          <a:p>
+            <a:pPr indent="0" lvl="0" marL="0" rtl="0" algn="l">
+              <a:spcBef>
+                <a:spcPts val="0"/>
+              </a:spcBef>
+              <a:spcAft>
+                <a:spcPts val="0"/>
+              </a:spcAft>
+              <a:buNone/>
+            </a:pPr>
+            <a:r>
+              <a:t/>
+            </a:r>
+            <a:endParaRPr>
               <a:solidFill>
-                <a:schemeClr val="dk2"/>
+                <a:schemeClr val="dk1"/>
               </a:solidFill>
-              <a:prstDash val="solid"/>
-              <a:round/>
-              <a:headEnd len="sm" w="sm" type="none"/>
-              <a:tailEnd len="sm" w="sm" type="none"/>
-            </a:ln>
-          </p:spPr>
-          <p:txBody>
-            <a:bodyPr anchorCtr="0" anchor="ctr" bIns="91425" lIns="91425" spcFirstLastPara="1" rIns="91425" wrap="square" tIns="91425">
-              <a:noAutofit/>
-            </a:bodyPr>
-            <a:lstStyle/>
-            <a:p>
-              <a:pPr indent="0" lvl="0" marL="0" rtl="0" algn="ctr">
-                <a:spcBef>
-                  <a:spcPts val="0"/>
-                </a:spcBef>
-                <a:spcAft>
-                  <a:spcPts val="0"/>
-                </a:spcAft>
-                <a:buNone/>
-              </a:pPr>
-              <a:r>
-                <a:rPr b="1" lang="ko-KR"/>
-                <a:t>시스템</a:t>
-              </a:r>
-              <a:endParaRPr b="1"/>
-            </a:p>
-          </p:txBody>
-        </p:sp>
-        <p:sp>
-          <p:nvSpPr>
-            <p:cNvPr id="130" name="Google Shape;130;g161d3ebda41_13_2"/>
-            <p:cNvSpPr/>
-            <p:nvPr/>
-          </p:nvSpPr>
-          <p:spPr>
-            <a:xfrm>
-              <a:off x="9036900" y="2406013"/>
-              <a:ext cx="1096500" cy="568200"/>
-            </a:xfrm>
-            <a:prstGeom prst="roundRect">
-              <a:avLst>
-                <a:gd fmla="val 16667" name="adj"/>
-              </a:avLst>
-            </a:prstGeom>
+            </a:endParaRPr>
+          </a:p>
+        </p:txBody>
+      </p:sp>
+      <p:sp>
+        <p:nvSpPr>
+          <p:cNvPr id="153" name="Google Shape;153;g161d3ebda41_13_2"/>
+          <p:cNvSpPr txBox="1"/>
+          <p:nvPr/>
+        </p:nvSpPr>
+        <p:spPr>
+          <a:xfrm>
+            <a:off x="6254361" y="3447700"/>
+            <a:ext cx="1580700" cy="369300"/>
+          </a:xfrm>
+          <a:prstGeom prst="rect">
+            <a:avLst/>
+          </a:prstGeom>
+          <a:noFill/>
+          <a:ln>
+            <a:noFill/>
+          </a:ln>
+        </p:spPr>
+        <p:txBody>
+          <a:bodyPr anchorCtr="0" anchor="t" bIns="91425" lIns="91425" spcFirstLastPara="1" rIns="91425" wrap="square" tIns="91425">
+            <a:spAutoFit/>
+          </a:bodyPr>
+          <a:lstStyle/>
+          <a:p>
+            <a:pPr indent="0" lvl="0" marL="0" rtl="0" algn="ctr">
+              <a:spcBef>
+                <a:spcPts val="0"/>
+              </a:spcBef>
+              <a:spcAft>
+                <a:spcPts val="0"/>
+              </a:spcAft>
+              <a:buNone/>
+            </a:pPr>
+            <a:r>
+              <a:rPr b="1" lang="ko-KR" sz="1200">
+                <a:solidFill>
+                  <a:schemeClr val="dk1"/>
+                </a:solidFill>
+              </a:rPr>
+              <a:t>전처리 데이터 적재</a:t>
+            </a:r>
+            <a:endParaRPr b="1" sz="1200">
+              <a:solidFill>
+                <a:schemeClr val="dk1"/>
+              </a:solidFill>
+            </a:endParaRPr>
+          </a:p>
+        </p:txBody>
+      </p:sp>
+      <p:sp>
+        <p:nvSpPr>
+          <p:cNvPr id="154" name="Google Shape;154;g161d3ebda41_13_2"/>
+          <p:cNvSpPr txBox="1"/>
+          <p:nvPr/>
+        </p:nvSpPr>
+        <p:spPr>
+          <a:xfrm>
+            <a:off x="4915875" y="4006675"/>
+            <a:ext cx="4432500" cy="369300"/>
+          </a:xfrm>
+          <a:prstGeom prst="rect">
+            <a:avLst/>
+          </a:prstGeom>
+          <a:noFill/>
+          <a:ln>
+            <a:noFill/>
+          </a:ln>
+        </p:spPr>
+        <p:txBody>
+          <a:bodyPr anchorCtr="0" anchor="t" bIns="91425" lIns="91425" spcFirstLastPara="1" rIns="91425" wrap="square" tIns="91425">
+            <a:spAutoFit/>
+          </a:bodyPr>
+          <a:lstStyle/>
+          <a:p>
+            <a:pPr indent="0" lvl="0" marL="0" rtl="0" algn="ctr">
+              <a:spcBef>
+                <a:spcPts val="0"/>
+              </a:spcBef>
+              <a:spcAft>
+                <a:spcPts val="0"/>
+              </a:spcAft>
+              <a:buNone/>
+            </a:pPr>
+            <a:r>
+              <a:rPr b="1" lang="ko-KR" sz="1200">
+                <a:solidFill>
+                  <a:schemeClr val="dk1"/>
+                </a:solidFill>
+              </a:rPr>
+              <a:t>위치 기반 맞춤 자료(날씨/관광/적조정보) 추출</a:t>
+            </a:r>
+            <a:endParaRPr b="1" sz="1200">
+              <a:solidFill>
+                <a:schemeClr val="dk1"/>
+              </a:solidFill>
+            </a:endParaRPr>
+          </a:p>
+        </p:txBody>
+      </p:sp>
+      <p:sp>
+        <p:nvSpPr>
+          <p:cNvPr id="155" name="Google Shape;155;g161d3ebda41_13_2"/>
+          <p:cNvSpPr txBox="1"/>
+          <p:nvPr/>
+        </p:nvSpPr>
+        <p:spPr>
+          <a:xfrm>
+            <a:off x="8470794" y="5001838"/>
+            <a:ext cx="669000" cy="369300"/>
+          </a:xfrm>
+          <a:prstGeom prst="rect">
+            <a:avLst/>
+          </a:prstGeom>
+          <a:noFill/>
+          <a:ln>
+            <a:noFill/>
+          </a:ln>
+        </p:spPr>
+        <p:txBody>
+          <a:bodyPr anchorCtr="0" anchor="t" bIns="91425" lIns="91425" spcFirstLastPara="1" rIns="91425" wrap="square" tIns="91425">
+            <a:spAutoFit/>
+          </a:bodyPr>
+          <a:lstStyle/>
+          <a:p>
+            <a:pPr indent="0" lvl="0" marL="0" rtl="0" algn="l">
+              <a:spcBef>
+                <a:spcPts val="0"/>
+              </a:spcBef>
+              <a:spcAft>
+                <a:spcPts val="0"/>
+              </a:spcAft>
+              <a:buNone/>
+            </a:pPr>
+            <a:r>
+              <a:rPr b="1" lang="ko-KR" sz="1200">
+                <a:solidFill>
+                  <a:schemeClr val="dk1"/>
+                </a:solidFill>
+              </a:rPr>
+              <a:t>예측</a:t>
+            </a:r>
+            <a:endParaRPr b="1" sz="1200">
+              <a:solidFill>
+                <a:schemeClr val="dk1"/>
+              </a:solidFill>
+            </a:endParaRPr>
+          </a:p>
+        </p:txBody>
+      </p:sp>
+      <p:sp>
+        <p:nvSpPr>
+          <p:cNvPr id="156" name="Google Shape;156;g161d3ebda41_13_2"/>
+          <p:cNvSpPr txBox="1"/>
+          <p:nvPr/>
+        </p:nvSpPr>
+        <p:spPr>
+          <a:xfrm>
+            <a:off x="4346904" y="4778388"/>
+            <a:ext cx="1580700" cy="369300"/>
+          </a:xfrm>
+          <a:prstGeom prst="rect">
+            <a:avLst/>
+          </a:prstGeom>
+          <a:noFill/>
+          <a:ln>
+            <a:noFill/>
+          </a:ln>
+        </p:spPr>
+        <p:txBody>
+          <a:bodyPr anchorCtr="0" anchor="t" bIns="91425" lIns="91425" spcFirstLastPara="1" rIns="91425" wrap="square" tIns="91425">
+            <a:spAutoFit/>
+          </a:bodyPr>
+          <a:lstStyle/>
+          <a:p>
+            <a:pPr indent="0" lvl="0" marL="0" rtl="0" algn="l">
+              <a:spcBef>
+                <a:spcPts val="0"/>
+              </a:spcBef>
+              <a:spcAft>
+                <a:spcPts val="0"/>
+              </a:spcAft>
+              <a:buNone/>
+            </a:pPr>
+            <a:r>
+              <a:rPr b="1" lang="ko-KR" sz="1200">
+                <a:solidFill>
+                  <a:schemeClr val="dk1"/>
+                </a:solidFill>
+              </a:rPr>
+              <a:t>전처리 데이터 전송</a:t>
+            </a:r>
+            <a:endParaRPr b="1" sz="1200">
+              <a:solidFill>
+                <a:schemeClr val="dk1"/>
+              </a:solidFill>
+            </a:endParaRPr>
+          </a:p>
+        </p:txBody>
+      </p:sp>
+      <p:sp>
+        <p:nvSpPr>
+          <p:cNvPr id="157" name="Google Shape;157;g161d3ebda41_13_2"/>
+          <p:cNvSpPr txBox="1"/>
+          <p:nvPr/>
+        </p:nvSpPr>
+        <p:spPr>
+          <a:xfrm>
+            <a:off x="4311150" y="5384025"/>
+            <a:ext cx="1512600" cy="369300"/>
+          </a:xfrm>
+          <a:prstGeom prst="rect">
+            <a:avLst/>
+          </a:prstGeom>
+          <a:noFill/>
+          <a:ln>
+            <a:noFill/>
+          </a:ln>
+        </p:spPr>
+        <p:txBody>
+          <a:bodyPr anchorCtr="0" anchor="t" bIns="91425" lIns="91425" spcFirstLastPara="1" rIns="91425" wrap="square" tIns="91425">
+            <a:spAutoFit/>
+          </a:bodyPr>
+          <a:lstStyle/>
+          <a:p>
+            <a:pPr indent="0" lvl="0" marL="0" rtl="0" algn="ctr">
+              <a:spcBef>
+                <a:spcPts val="0"/>
+              </a:spcBef>
+              <a:spcAft>
+                <a:spcPts val="0"/>
+              </a:spcAft>
+              <a:buNone/>
+            </a:pPr>
+            <a:r>
+              <a:rPr b="1" lang="ko-KR" sz="1200">
+                <a:solidFill>
+                  <a:schemeClr val="dk1"/>
+                </a:solidFill>
+              </a:rPr>
+              <a:t>적조 예측값 추출</a:t>
+            </a:r>
+            <a:endParaRPr b="1" sz="1200">
+              <a:solidFill>
+                <a:schemeClr val="dk1"/>
+              </a:solidFill>
+            </a:endParaRPr>
+          </a:p>
+        </p:txBody>
+      </p:sp>
+      <p:sp>
+        <p:nvSpPr>
+          <p:cNvPr id="158" name="Google Shape;158;g161d3ebda41_13_2"/>
+          <p:cNvSpPr/>
+          <p:nvPr/>
+        </p:nvSpPr>
+        <p:spPr>
+          <a:xfrm>
+            <a:off x="3538625" y="4358475"/>
+            <a:ext cx="422400" cy="875400"/>
+          </a:xfrm>
+          <a:prstGeom prst="curvedRightArrow">
+            <a:avLst>
+              <a:gd fmla="val 25000" name="adj1"/>
+              <a:gd fmla="val 50000" name="adj2"/>
+              <a:gd fmla="val 25000" name="adj3"/>
+            </a:avLst>
+          </a:prstGeom>
+          <a:solidFill>
+            <a:srgbClr val="1F497D"/>
+          </a:solidFill>
+          <a:ln cap="flat" cmpd="sng" w="28575">
             <a:solidFill>
-              <a:srgbClr val="C8D3CE"/>
+              <a:schemeClr val="lt1"/>
             </a:solidFill>
-            <a:ln cap="flat" cmpd="sng" w="9525">
+            <a:prstDash val="dash"/>
+            <a:round/>
+            <a:headEnd len="sm" w="sm" type="none"/>
+            <a:tailEnd len="sm" w="sm" type="none"/>
+          </a:ln>
+        </p:spPr>
+        <p:txBody>
+          <a:bodyPr anchorCtr="0" anchor="ctr" bIns="91425" lIns="91425" spcFirstLastPara="1" rIns="91425" wrap="square" tIns="91425">
+            <a:noAutofit/>
+          </a:bodyPr>
+          <a:lstStyle/>
+          <a:p>
+            <a:pPr indent="0" lvl="0" marL="0" rtl="0" algn="l">
+              <a:spcBef>
+                <a:spcPts val="0"/>
+              </a:spcBef>
+              <a:spcAft>
+                <a:spcPts val="0"/>
+              </a:spcAft>
+              <a:buNone/>
+            </a:pPr>
+            <a:r>
+              <a:t/>
+            </a:r>
+            <a:endParaRPr/>
+          </a:p>
+        </p:txBody>
+      </p:sp>
+      <p:sp>
+        <p:nvSpPr>
+          <p:cNvPr id="159" name="Google Shape;159;g161d3ebda41_13_2"/>
+          <p:cNvSpPr txBox="1"/>
+          <p:nvPr/>
+        </p:nvSpPr>
+        <p:spPr>
+          <a:xfrm>
+            <a:off x="2105000" y="4475700"/>
+            <a:ext cx="1512600" cy="554100"/>
+          </a:xfrm>
+          <a:prstGeom prst="rect">
+            <a:avLst/>
+          </a:prstGeom>
+          <a:noFill/>
+          <a:ln>
+            <a:noFill/>
+          </a:ln>
+        </p:spPr>
+        <p:txBody>
+          <a:bodyPr anchorCtr="0" anchor="t" bIns="91425" lIns="91425" spcFirstLastPara="1" rIns="91425" wrap="square" tIns="91425">
+            <a:spAutoFit/>
+          </a:bodyPr>
+          <a:lstStyle/>
+          <a:p>
+            <a:pPr indent="0" lvl="0" marL="0" rtl="0" algn="ctr">
+              <a:spcBef>
+                <a:spcPts val="0"/>
+              </a:spcBef>
+              <a:spcAft>
+                <a:spcPts val="0"/>
+              </a:spcAft>
+              <a:buNone/>
+            </a:pPr>
+            <a:r>
+              <a:rPr b="1" lang="ko-KR" sz="1200">
+                <a:solidFill>
+                  <a:schemeClr val="dk1"/>
+                </a:solidFill>
+              </a:rPr>
+              <a:t>적조 / 날씨 / 관광 데이터 정제</a:t>
+            </a:r>
+            <a:endParaRPr b="1" sz="1200">
               <a:solidFill>
-                <a:schemeClr val="dk2"/>
+                <a:schemeClr val="dk1"/>
               </a:solidFill>
-              <a:prstDash val="solid"/>
-              <a:round/>
-              <a:headEnd len="sm" w="sm" type="none"/>
-              <a:tailEnd len="sm" w="sm" type="none"/>
-            </a:ln>
-          </p:spPr>
-          <p:txBody>
-            <a:bodyPr anchorCtr="0" anchor="ctr" bIns="91425" lIns="91425" spcFirstLastPara="1" rIns="91425" wrap="square" tIns="91425">
-              <a:noAutofit/>
-            </a:bodyPr>
-            <a:lstStyle/>
-            <a:p>
-              <a:pPr indent="0" lvl="0" marL="0" rtl="0" algn="ctr">
-                <a:spcBef>
-                  <a:spcPts val="0"/>
-                </a:spcBef>
-                <a:spcAft>
-                  <a:spcPts val="0"/>
-                </a:spcAft>
-                <a:buNone/>
-              </a:pPr>
-              <a:r>
-                <a:rPr b="1" lang="ko-KR"/>
-                <a:t>DB</a:t>
-              </a:r>
-              <a:endParaRPr b="1"/>
-            </a:p>
-          </p:txBody>
-        </p:sp>
-        <p:sp>
-          <p:nvSpPr>
-            <p:cNvPr id="131" name="Google Shape;131;g161d3ebda41_13_2"/>
-            <p:cNvSpPr/>
-            <p:nvPr/>
-          </p:nvSpPr>
-          <p:spPr>
-            <a:xfrm>
-              <a:off x="6650975" y="1415425"/>
-              <a:ext cx="1096500" cy="568200"/>
-            </a:xfrm>
-            <a:prstGeom prst="roundRect">
-              <a:avLst>
-                <a:gd fmla="val 16667" name="adj"/>
-              </a:avLst>
-            </a:prstGeom>
-            <a:solidFill>
-              <a:srgbClr val="F6EFD6"/>
-            </a:solidFill>
-            <a:ln cap="flat" cmpd="sng" w="9525">
+            </a:endParaRPr>
+          </a:p>
+        </p:txBody>
+      </p:sp>
+      <p:sp>
+        <p:nvSpPr>
+          <p:cNvPr id="160" name="Google Shape;160;g161d3ebda41_13_2"/>
+          <p:cNvSpPr/>
+          <p:nvPr/>
+        </p:nvSpPr>
+        <p:spPr>
+          <a:xfrm>
+            <a:off x="7901850" y="5626325"/>
+            <a:ext cx="2076900" cy="273000"/>
+          </a:xfrm>
+          <a:prstGeom prst="rightArrow">
+            <a:avLst>
+              <a:gd fmla="val 16708" name="adj1"/>
+              <a:gd fmla="val 50000" name="adj2"/>
+            </a:avLst>
+          </a:prstGeom>
+          <a:solidFill>
+            <a:srgbClr val="1F497D"/>
+          </a:solidFill>
+          <a:ln>
+            <a:noFill/>
+          </a:ln>
+        </p:spPr>
+        <p:txBody>
+          <a:bodyPr anchorCtr="0" anchor="ctr" bIns="91425" lIns="91425" spcFirstLastPara="1" rIns="91425" wrap="square" tIns="91425">
+            <a:noAutofit/>
+          </a:bodyPr>
+          <a:lstStyle/>
+          <a:p>
+            <a:pPr indent="0" lvl="0" marL="0" rtl="0" algn="ctr">
+              <a:spcBef>
+                <a:spcPts val="0"/>
+              </a:spcBef>
+              <a:spcAft>
+                <a:spcPts val="0"/>
+              </a:spcAft>
+              <a:buNone/>
+            </a:pPr>
+            <a:r>
+              <a:t/>
+            </a:r>
+            <a:endParaRPr sz="1200">
               <a:solidFill>
-                <a:schemeClr val="dk2"/>
+                <a:schemeClr val="dk1"/>
               </a:solidFill>
-              <a:prstDash val="solid"/>
-              <a:round/>
-              <a:headEnd len="sm" w="sm" type="none"/>
-              <a:tailEnd len="sm" w="sm" type="none"/>
-            </a:ln>
-          </p:spPr>
-          <p:txBody>
-            <a:bodyPr anchorCtr="0" anchor="ctr" bIns="91425" lIns="91425" spcFirstLastPara="1" rIns="91425" wrap="square" tIns="91425">
-              <a:noAutofit/>
-            </a:bodyPr>
-            <a:lstStyle/>
-            <a:p>
-              <a:pPr indent="0" lvl="0" marL="0" rtl="0" algn="ctr">
-                <a:spcBef>
-                  <a:spcPts val="0"/>
-                </a:spcBef>
-                <a:spcAft>
-                  <a:spcPts val="0"/>
-                </a:spcAft>
-                <a:buClr>
+            </a:endParaRPr>
+          </a:p>
+        </p:txBody>
+      </p:sp>
+      <p:sp>
+        <p:nvSpPr>
+          <p:cNvPr id="161" name="Google Shape;161;g161d3ebda41_13_2"/>
+          <p:cNvSpPr txBox="1"/>
+          <p:nvPr/>
+        </p:nvSpPr>
+        <p:spPr>
+          <a:xfrm>
+            <a:off x="8553329" y="5402263"/>
+            <a:ext cx="1580700" cy="369300"/>
+          </a:xfrm>
+          <a:prstGeom prst="rect">
+            <a:avLst/>
+          </a:prstGeom>
+          <a:noFill/>
+          <a:ln>
+            <a:noFill/>
+          </a:ln>
+        </p:spPr>
+        <p:txBody>
+          <a:bodyPr anchorCtr="0" anchor="t" bIns="91425" lIns="91425" spcFirstLastPara="1" rIns="91425" wrap="square" tIns="91425">
+            <a:spAutoFit/>
+          </a:bodyPr>
+          <a:lstStyle/>
+          <a:p>
+            <a:pPr indent="0" lvl="0" marL="0" rtl="0" algn="l">
+              <a:spcBef>
+                <a:spcPts val="0"/>
+              </a:spcBef>
+              <a:spcAft>
+                <a:spcPts val="0"/>
+              </a:spcAft>
+              <a:buNone/>
+            </a:pPr>
+            <a:r>
+              <a:rPr b="1" lang="ko-KR" sz="1200">
+                <a:solidFill>
                   <a:schemeClr val="dk1"/>
-                </a:buClr>
-                <a:buSzPts val="1100"/>
-                <a:buFont typeface="Arial"/>
-                <a:buNone/>
-              </a:pPr>
-              <a:r>
-                <a:rPr b="1" lang="ko-KR" sz="1300">
-                  <a:solidFill>
-                    <a:schemeClr val="dk1"/>
-                  </a:solidFill>
-                </a:rPr>
-                <a:t>외부데이터</a:t>
-              </a:r>
-              <a:endParaRPr b="1" sz="1300">
-                <a:solidFill>
-                  <a:schemeClr val="dk1"/>
-                </a:solidFill>
-              </a:endParaRPr>
-            </a:p>
-            <a:p>
-              <a:pPr indent="0" lvl="0" marL="0" rtl="0" algn="ctr">
-                <a:spcBef>
-                  <a:spcPts val="0"/>
-                </a:spcBef>
-                <a:spcAft>
-                  <a:spcPts val="0"/>
-                </a:spcAft>
-                <a:buClr>
-                  <a:schemeClr val="dk1"/>
-                </a:buClr>
-                <a:buSzPts val="1100"/>
-                <a:buFont typeface="Arial"/>
-                <a:buNone/>
-              </a:pPr>
-              <a:r>
-                <a:rPr b="1" lang="ko-KR" sz="1300">
-                  <a:solidFill>
-                    <a:schemeClr val="dk1"/>
-                  </a:solidFill>
-                </a:rPr>
-                <a:t>Open API</a:t>
-              </a:r>
-              <a:endParaRPr b="1" sz="1300"/>
-            </a:p>
-          </p:txBody>
-        </p:sp>
-        <p:sp>
-          <p:nvSpPr>
-            <p:cNvPr id="132" name="Google Shape;132;g161d3ebda41_13_2"/>
-            <p:cNvSpPr/>
-            <p:nvPr/>
-          </p:nvSpPr>
-          <p:spPr>
-            <a:xfrm>
-              <a:off x="9515400" y="2974225"/>
-              <a:ext cx="139500" cy="1384200"/>
-            </a:xfrm>
-            <a:prstGeom prst="rect">
-              <a:avLst/>
-            </a:prstGeom>
-            <a:solidFill>
-              <a:srgbClr val="1F497D"/>
-            </a:solidFill>
-            <a:ln cap="flat" cmpd="sng" w="9525">
+                </a:solidFill>
+              </a:rPr>
+              <a:t>적조 예측값 적재</a:t>
+            </a:r>
+            <a:endParaRPr b="1" sz="1200">
               <a:solidFill>
-                <a:schemeClr val="dk2"/>
+                <a:schemeClr val="dk1"/>
               </a:solidFill>
-              <a:prstDash val="solid"/>
-              <a:round/>
-              <a:headEnd len="sm" w="sm" type="none"/>
-              <a:tailEnd len="sm" w="sm" type="none"/>
-            </a:ln>
-          </p:spPr>
-          <p:txBody>
-            <a:bodyPr anchorCtr="0" anchor="ctr" bIns="91425" lIns="91425" spcFirstLastPara="1" rIns="91425" wrap="square" tIns="91425">
-              <a:noAutofit/>
-            </a:bodyPr>
-            <a:lstStyle/>
-            <a:p>
-              <a:pPr indent="0" lvl="0" marL="0" rtl="0" algn="ctr">
-                <a:spcBef>
-                  <a:spcPts val="0"/>
-                </a:spcBef>
-                <a:spcAft>
-                  <a:spcPts val="0"/>
-                </a:spcAft>
-                <a:buNone/>
-              </a:pPr>
-              <a:r>
-                <a:t/>
-              </a:r>
-              <a:endParaRPr sz="1200"/>
-            </a:p>
-          </p:txBody>
-        </p:sp>
-        <p:sp>
-          <p:nvSpPr>
-            <p:cNvPr id="133" name="Google Shape;133;g161d3ebda41_13_2"/>
-            <p:cNvSpPr/>
-            <p:nvPr/>
-          </p:nvSpPr>
-          <p:spPr>
-            <a:xfrm>
-              <a:off x="1879125" y="1415425"/>
-              <a:ext cx="1096500" cy="568200"/>
-            </a:xfrm>
-            <a:prstGeom prst="roundRect">
-              <a:avLst>
-                <a:gd fmla="val 16667" name="adj"/>
-              </a:avLst>
-            </a:prstGeom>
-            <a:solidFill>
-              <a:srgbClr val="C9DAF8"/>
-            </a:solidFill>
-            <a:ln cap="flat" cmpd="sng" w="9525">
-              <a:solidFill>
-                <a:schemeClr val="dk2"/>
-              </a:solidFill>
-              <a:prstDash val="solid"/>
-              <a:round/>
-              <a:headEnd len="sm" w="sm" type="none"/>
-              <a:tailEnd len="sm" w="sm" type="none"/>
-            </a:ln>
-          </p:spPr>
-          <p:txBody>
-            <a:bodyPr anchorCtr="0" anchor="ctr" bIns="91425" lIns="91425" spcFirstLastPara="1" rIns="91425" wrap="square" tIns="91425">
-              <a:noAutofit/>
-            </a:bodyPr>
-            <a:lstStyle/>
-            <a:p>
-              <a:pPr indent="0" lvl="0" marL="0" rtl="0" algn="ctr">
-                <a:spcBef>
-                  <a:spcPts val="0"/>
-                </a:spcBef>
-                <a:spcAft>
-                  <a:spcPts val="0"/>
-                </a:spcAft>
-                <a:buNone/>
-              </a:pPr>
-              <a:r>
-                <a:rPr b="1" lang="ko-KR"/>
-                <a:t>유저</a:t>
-              </a:r>
-              <a:endParaRPr b="1"/>
-            </a:p>
-          </p:txBody>
-        </p:sp>
-        <p:sp>
-          <p:nvSpPr>
-            <p:cNvPr id="134" name="Google Shape;134;g161d3ebda41_13_2"/>
-            <p:cNvSpPr/>
-            <p:nvPr/>
-          </p:nvSpPr>
-          <p:spPr>
-            <a:xfrm>
-              <a:off x="2497125" y="2089375"/>
-              <a:ext cx="2246400" cy="273000"/>
-            </a:xfrm>
-            <a:prstGeom prst="rightArrow">
-              <a:avLst>
-                <a:gd fmla="val 16708" name="adj1"/>
-                <a:gd fmla="val 50000" name="adj2"/>
-              </a:avLst>
-            </a:prstGeom>
-            <a:solidFill>
-              <a:schemeClr val="lt2"/>
-            </a:solidFill>
-            <a:ln cap="flat" cmpd="sng" w="9525">
-              <a:solidFill>
-                <a:schemeClr val="dk2"/>
-              </a:solidFill>
-              <a:prstDash val="solid"/>
-              <a:round/>
-              <a:headEnd len="sm" w="sm" type="none"/>
-              <a:tailEnd len="sm" w="sm" type="none"/>
-            </a:ln>
-          </p:spPr>
-          <p:txBody>
-            <a:bodyPr anchorCtr="0" anchor="ctr" bIns="91425" lIns="91425" spcFirstLastPara="1" rIns="91425" wrap="square" tIns="91425">
-              <a:noAutofit/>
-            </a:bodyPr>
-            <a:lstStyle/>
-            <a:p>
-              <a:pPr indent="0" lvl="0" marL="0" rtl="0" algn="ctr">
-                <a:spcBef>
-                  <a:spcPts val="0"/>
-                </a:spcBef>
-                <a:spcAft>
-                  <a:spcPts val="0"/>
-                </a:spcAft>
-                <a:buNone/>
-              </a:pPr>
-              <a:r>
-                <a:t/>
-              </a:r>
-              <a:endParaRPr sz="1200"/>
-            </a:p>
-          </p:txBody>
-        </p:sp>
-        <p:sp>
-          <p:nvSpPr>
-            <p:cNvPr id="135" name="Google Shape;135;g161d3ebda41_13_2"/>
-            <p:cNvSpPr txBox="1"/>
-            <p:nvPr/>
-          </p:nvSpPr>
-          <p:spPr>
-            <a:xfrm>
-              <a:off x="2688813" y="1880950"/>
-              <a:ext cx="1873500" cy="369300"/>
-            </a:xfrm>
-            <a:prstGeom prst="rect">
-              <a:avLst/>
-            </a:prstGeom>
-            <a:noFill/>
-            <a:ln>
-              <a:noFill/>
-            </a:ln>
-          </p:spPr>
-          <p:txBody>
-            <a:bodyPr anchorCtr="0" anchor="t" bIns="91425" lIns="91425" spcFirstLastPara="1" rIns="91425" wrap="square" tIns="91425">
-              <a:spAutoFit/>
-            </a:bodyPr>
-            <a:lstStyle/>
-            <a:p>
-              <a:pPr indent="0" lvl="0" marL="0" rtl="0" algn="ctr">
-                <a:spcBef>
-                  <a:spcPts val="0"/>
-                </a:spcBef>
-                <a:spcAft>
-                  <a:spcPts val="0"/>
-                </a:spcAft>
-                <a:buNone/>
-              </a:pPr>
-              <a:r>
-                <a:rPr lang="ko-KR" sz="1200"/>
-                <a:t>위치 데이터 수집</a:t>
-              </a:r>
-              <a:endParaRPr sz="1200"/>
-            </a:p>
-          </p:txBody>
-        </p:sp>
-        <p:sp>
-          <p:nvSpPr>
-            <p:cNvPr id="136" name="Google Shape;136;g161d3ebda41_13_2"/>
-            <p:cNvSpPr/>
-            <p:nvPr/>
-          </p:nvSpPr>
-          <p:spPr>
-            <a:xfrm>
-              <a:off x="4883088" y="3384775"/>
-              <a:ext cx="4632300" cy="273000"/>
-            </a:xfrm>
-            <a:prstGeom prst="rightArrow">
-              <a:avLst>
-                <a:gd fmla="val 16708" name="adj1"/>
-                <a:gd fmla="val 50000" name="adj2"/>
-              </a:avLst>
-            </a:prstGeom>
-            <a:solidFill>
-              <a:schemeClr val="lt2"/>
-            </a:solidFill>
-            <a:ln cap="flat" cmpd="sng" w="9525">
-              <a:solidFill>
-                <a:schemeClr val="dk2"/>
-              </a:solidFill>
-              <a:prstDash val="solid"/>
-              <a:round/>
-              <a:headEnd len="sm" w="sm" type="none"/>
-              <a:tailEnd len="sm" w="sm" type="none"/>
-            </a:ln>
-          </p:spPr>
-          <p:txBody>
-            <a:bodyPr anchorCtr="0" anchor="ctr" bIns="91425" lIns="91425" spcFirstLastPara="1" rIns="91425" wrap="square" tIns="91425">
-              <a:noAutofit/>
-            </a:bodyPr>
-            <a:lstStyle/>
-            <a:p>
-              <a:pPr indent="0" lvl="0" marL="0" rtl="0" algn="ctr">
-                <a:spcBef>
-                  <a:spcPts val="0"/>
-                </a:spcBef>
-                <a:spcAft>
-                  <a:spcPts val="0"/>
-                </a:spcAft>
-                <a:buNone/>
-              </a:pPr>
-              <a:r>
-                <a:t/>
-              </a:r>
-              <a:endParaRPr sz="1200"/>
-            </a:p>
-          </p:txBody>
-        </p:sp>
-        <p:sp>
-          <p:nvSpPr>
-            <p:cNvPr id="137" name="Google Shape;137;g161d3ebda41_13_2"/>
-            <p:cNvSpPr/>
-            <p:nvPr/>
-          </p:nvSpPr>
-          <p:spPr>
-            <a:xfrm rot="10800000">
-              <a:off x="4900488" y="3846225"/>
-              <a:ext cx="4627800" cy="273000"/>
-            </a:xfrm>
-            <a:prstGeom prst="rightArrow">
-              <a:avLst>
-                <a:gd fmla="val 16708" name="adj1"/>
-                <a:gd fmla="val 50000" name="adj2"/>
-              </a:avLst>
-            </a:prstGeom>
-            <a:solidFill>
-              <a:schemeClr val="lt2"/>
-            </a:solidFill>
-            <a:ln cap="flat" cmpd="sng" w="9525">
-              <a:solidFill>
-                <a:schemeClr val="dk2"/>
-              </a:solidFill>
-              <a:prstDash val="solid"/>
-              <a:round/>
-              <a:headEnd len="sm" w="sm" type="none"/>
-              <a:tailEnd len="sm" w="sm" type="none"/>
-            </a:ln>
-          </p:spPr>
-          <p:txBody>
-            <a:bodyPr anchorCtr="0" anchor="ctr" bIns="91425" lIns="91425" spcFirstLastPara="1" rIns="91425" wrap="square" tIns="91425">
-              <a:noAutofit/>
-            </a:bodyPr>
-            <a:lstStyle/>
-            <a:p>
-              <a:pPr indent="0" lvl="0" marL="0" rtl="0" algn="ctr">
-                <a:spcBef>
-                  <a:spcPts val="0"/>
-                </a:spcBef>
-                <a:spcAft>
-                  <a:spcPts val="0"/>
-                </a:spcAft>
-                <a:buNone/>
-              </a:pPr>
-              <a:r>
-                <a:t/>
-              </a:r>
-              <a:endParaRPr sz="1200"/>
-            </a:p>
-          </p:txBody>
-        </p:sp>
-        <p:sp>
-          <p:nvSpPr>
-            <p:cNvPr id="138" name="Google Shape;138;g161d3ebda41_13_2"/>
-            <p:cNvSpPr/>
-            <p:nvPr/>
-          </p:nvSpPr>
-          <p:spPr>
-            <a:xfrm rot="10800000">
-              <a:off x="4883050" y="2519025"/>
-              <a:ext cx="2246400" cy="273000"/>
-            </a:xfrm>
-            <a:prstGeom prst="rightArrow">
-              <a:avLst>
-                <a:gd fmla="val 16708" name="adj1"/>
-                <a:gd fmla="val 50000" name="adj2"/>
-              </a:avLst>
-            </a:prstGeom>
-            <a:solidFill>
-              <a:schemeClr val="lt2"/>
-            </a:solidFill>
-            <a:ln cap="flat" cmpd="sng" w="9525">
-              <a:solidFill>
-                <a:schemeClr val="dk2"/>
-              </a:solidFill>
-              <a:prstDash val="solid"/>
-              <a:round/>
-              <a:headEnd len="sm" w="sm" type="none"/>
-              <a:tailEnd len="sm" w="sm" type="none"/>
-            </a:ln>
-          </p:spPr>
-          <p:txBody>
-            <a:bodyPr anchorCtr="0" anchor="ctr" bIns="91425" lIns="91425" spcFirstLastPara="1" rIns="91425" wrap="square" tIns="91425">
-              <a:noAutofit/>
-            </a:bodyPr>
-            <a:lstStyle/>
-            <a:p>
-              <a:pPr indent="0" lvl="0" marL="0" rtl="0" algn="ctr">
-                <a:spcBef>
-                  <a:spcPts val="0"/>
-                </a:spcBef>
-                <a:spcAft>
-                  <a:spcPts val="0"/>
-                </a:spcAft>
-                <a:buNone/>
-              </a:pPr>
-              <a:r>
-                <a:t/>
-              </a:r>
-              <a:endParaRPr sz="1200"/>
-            </a:p>
-          </p:txBody>
-        </p:sp>
-        <p:sp>
-          <p:nvSpPr>
-            <p:cNvPr id="139" name="Google Shape;139;g161d3ebda41_13_2"/>
-            <p:cNvSpPr txBox="1"/>
-            <p:nvPr/>
-          </p:nvSpPr>
-          <p:spPr>
-            <a:xfrm>
-              <a:off x="4883100" y="3628425"/>
-              <a:ext cx="4632300" cy="369300"/>
-            </a:xfrm>
-            <a:prstGeom prst="rect">
-              <a:avLst/>
-            </a:prstGeom>
-            <a:noFill/>
-            <a:ln>
-              <a:noFill/>
-            </a:ln>
-          </p:spPr>
-          <p:txBody>
-            <a:bodyPr anchorCtr="0" anchor="t" bIns="91425" lIns="91425" spcFirstLastPara="1" rIns="91425" wrap="square" tIns="91425">
-              <a:spAutoFit/>
-            </a:bodyPr>
-            <a:lstStyle/>
-            <a:p>
-              <a:pPr indent="0" lvl="0" marL="0" rtl="0" algn="ctr">
-                <a:spcBef>
-                  <a:spcPts val="0"/>
-                </a:spcBef>
-                <a:spcAft>
-                  <a:spcPts val="0"/>
-                </a:spcAft>
-                <a:buNone/>
-              </a:pPr>
-              <a:r>
-                <a:rPr lang="ko-KR" sz="1200"/>
-                <a:t>위치 기반 맞춤 자료(날씨/관광), 전처리 데이터 추출</a:t>
-              </a:r>
-              <a:endParaRPr sz="1200"/>
-            </a:p>
-          </p:txBody>
-        </p:sp>
-        <p:sp>
-          <p:nvSpPr>
-            <p:cNvPr id="140" name="Google Shape;140;g161d3ebda41_13_2"/>
-            <p:cNvSpPr txBox="1"/>
-            <p:nvPr/>
-          </p:nvSpPr>
-          <p:spPr>
-            <a:xfrm>
-              <a:off x="5080073" y="4671925"/>
-              <a:ext cx="1530900" cy="369300"/>
-            </a:xfrm>
-            <a:prstGeom prst="rect">
-              <a:avLst/>
-            </a:prstGeom>
-            <a:noFill/>
-            <a:ln>
-              <a:noFill/>
-            </a:ln>
-          </p:spPr>
-          <p:txBody>
-            <a:bodyPr anchorCtr="0" anchor="t" bIns="91425" lIns="91425" spcFirstLastPara="1" rIns="91425" wrap="square" tIns="91425">
-              <a:spAutoFit/>
-            </a:bodyPr>
-            <a:lstStyle/>
-            <a:p>
-              <a:pPr indent="0" lvl="0" marL="0" rtl="0" algn="ctr">
-                <a:spcBef>
-                  <a:spcPts val="0"/>
-                </a:spcBef>
-                <a:spcAft>
-                  <a:spcPts val="0"/>
-                </a:spcAft>
-                <a:buNone/>
-              </a:pPr>
-              <a:r>
-                <a:rPr lang="ko-KR" sz="1200"/>
-                <a:t>정제한 데이터 전송</a:t>
-              </a:r>
-              <a:endParaRPr sz="1200"/>
-            </a:p>
-          </p:txBody>
-        </p:sp>
-        <p:sp>
-          <p:nvSpPr>
-            <p:cNvPr id="141" name="Google Shape;141;g161d3ebda41_13_2"/>
-            <p:cNvSpPr txBox="1"/>
-            <p:nvPr/>
-          </p:nvSpPr>
-          <p:spPr>
-            <a:xfrm>
-              <a:off x="5151865" y="2310625"/>
-              <a:ext cx="1708800" cy="369300"/>
-            </a:xfrm>
-            <a:prstGeom prst="rect">
-              <a:avLst/>
-            </a:prstGeom>
-            <a:noFill/>
-            <a:ln>
-              <a:noFill/>
-            </a:ln>
-          </p:spPr>
-          <p:txBody>
-            <a:bodyPr anchorCtr="0" anchor="t" bIns="91425" lIns="91425" spcFirstLastPara="1" rIns="91425" wrap="square" tIns="91425">
-              <a:spAutoFit/>
-            </a:bodyPr>
-            <a:lstStyle/>
-            <a:p>
-              <a:pPr indent="0" lvl="0" marL="0" rtl="0" algn="ctr">
-                <a:spcBef>
-                  <a:spcPts val="0"/>
-                </a:spcBef>
-                <a:spcAft>
-                  <a:spcPts val="0"/>
-                </a:spcAft>
-                <a:buNone/>
-              </a:pPr>
-              <a:r>
-                <a:t/>
-              </a:r>
-              <a:endParaRPr sz="1200"/>
-            </a:p>
-          </p:txBody>
-        </p:sp>
-        <p:sp>
-          <p:nvSpPr>
-            <p:cNvPr id="142" name="Google Shape;142;g161d3ebda41_13_2"/>
-            <p:cNvSpPr/>
-            <p:nvPr/>
-          </p:nvSpPr>
-          <p:spPr>
-            <a:xfrm>
-              <a:off x="4883063" y="2089375"/>
-              <a:ext cx="2246400" cy="273000"/>
-            </a:xfrm>
-            <a:prstGeom prst="rightArrow">
-              <a:avLst>
-                <a:gd fmla="val 16708" name="adj1"/>
-                <a:gd fmla="val 50000" name="adj2"/>
-              </a:avLst>
-            </a:prstGeom>
-            <a:solidFill>
-              <a:schemeClr val="lt2"/>
-            </a:solidFill>
-            <a:ln cap="flat" cmpd="sng" w="9525">
-              <a:solidFill>
-                <a:schemeClr val="dk2"/>
-              </a:solidFill>
-              <a:prstDash val="solid"/>
-              <a:round/>
-              <a:headEnd len="sm" w="sm" type="none"/>
-              <a:tailEnd len="sm" w="sm" type="none"/>
-            </a:ln>
-          </p:spPr>
-          <p:txBody>
-            <a:bodyPr anchorCtr="0" anchor="ctr" bIns="91425" lIns="91425" spcFirstLastPara="1" rIns="91425" wrap="square" tIns="91425">
-              <a:noAutofit/>
-            </a:bodyPr>
-            <a:lstStyle/>
-            <a:p>
-              <a:pPr indent="0" lvl="0" marL="0" rtl="0" algn="ctr">
-                <a:spcBef>
-                  <a:spcPts val="0"/>
-                </a:spcBef>
-                <a:spcAft>
-                  <a:spcPts val="0"/>
-                </a:spcAft>
-                <a:buNone/>
-              </a:pPr>
-              <a:r>
-                <a:t/>
-              </a:r>
-              <a:endParaRPr sz="1200"/>
-            </a:p>
-          </p:txBody>
-        </p:sp>
-        <p:sp>
-          <p:nvSpPr>
-            <p:cNvPr id="143" name="Google Shape;143;g161d3ebda41_13_2"/>
-            <p:cNvSpPr/>
-            <p:nvPr/>
-          </p:nvSpPr>
-          <p:spPr>
-            <a:xfrm rot="10800000">
-              <a:off x="2502363" y="5294025"/>
-              <a:ext cx="2246400" cy="273000"/>
-            </a:xfrm>
-            <a:prstGeom prst="rightArrow">
-              <a:avLst>
-                <a:gd fmla="val 16708" name="adj1"/>
-                <a:gd fmla="val 50000" name="adj2"/>
-              </a:avLst>
-            </a:prstGeom>
-            <a:solidFill>
-              <a:schemeClr val="lt2"/>
-            </a:solidFill>
-            <a:ln cap="flat" cmpd="sng" w="9525">
-              <a:solidFill>
-                <a:schemeClr val="dk2"/>
-              </a:solidFill>
-              <a:prstDash val="solid"/>
-              <a:round/>
-              <a:headEnd len="sm" w="sm" type="none"/>
-              <a:tailEnd len="sm" w="sm" type="none"/>
-            </a:ln>
-          </p:spPr>
-          <p:txBody>
-            <a:bodyPr anchorCtr="0" anchor="ctr" bIns="91425" lIns="91425" spcFirstLastPara="1" rIns="91425" wrap="square" tIns="91425">
-              <a:noAutofit/>
-            </a:bodyPr>
-            <a:lstStyle/>
-            <a:p>
-              <a:pPr indent="0" lvl="0" marL="0" rtl="0" algn="l">
-                <a:spcBef>
-                  <a:spcPts val="0"/>
-                </a:spcBef>
-                <a:spcAft>
-                  <a:spcPts val="0"/>
-                </a:spcAft>
-                <a:buNone/>
-              </a:pPr>
-              <a:r>
-                <a:t/>
-              </a:r>
-              <a:endParaRPr sz="1200"/>
-            </a:p>
-          </p:txBody>
-        </p:sp>
-        <p:sp>
-          <p:nvSpPr>
-            <p:cNvPr id="144" name="Google Shape;144;g161d3ebda41_13_2"/>
-            <p:cNvSpPr txBox="1"/>
-            <p:nvPr/>
-          </p:nvSpPr>
-          <p:spPr>
-            <a:xfrm>
-              <a:off x="2829253" y="4928950"/>
-              <a:ext cx="1580700" cy="554100"/>
-            </a:xfrm>
-            <a:prstGeom prst="rect">
-              <a:avLst/>
-            </a:prstGeom>
-            <a:noFill/>
-            <a:ln>
-              <a:noFill/>
-            </a:ln>
-          </p:spPr>
-          <p:txBody>
-            <a:bodyPr anchorCtr="0" anchor="t" bIns="91425" lIns="91425" spcFirstLastPara="1" rIns="91425" wrap="square" tIns="91425">
-              <a:spAutoFit/>
-            </a:bodyPr>
-            <a:lstStyle/>
-            <a:p>
-              <a:pPr indent="0" lvl="0" marL="0" rtl="0" algn="ctr">
-                <a:spcBef>
-                  <a:spcPts val="0"/>
-                </a:spcBef>
-                <a:spcAft>
-                  <a:spcPts val="0"/>
-                </a:spcAft>
-                <a:buNone/>
-              </a:pPr>
-              <a:r>
-                <a:rPr lang="ko-KR" sz="1200"/>
-                <a:t>적조 / 날씨 / 관광 위치 </a:t>
-              </a:r>
-              <a:r>
-                <a:rPr lang="ko-KR" sz="1200"/>
-                <a:t>기반 </a:t>
-              </a:r>
-              <a:r>
-                <a:rPr lang="ko-KR" sz="1200"/>
-                <a:t>정보 제공</a:t>
-              </a:r>
-              <a:endParaRPr sz="1200"/>
-            </a:p>
-          </p:txBody>
-        </p:sp>
-        <p:sp>
-          <p:nvSpPr>
-            <p:cNvPr id="145" name="Google Shape;145;g161d3ebda41_13_2"/>
-            <p:cNvSpPr/>
-            <p:nvPr/>
-          </p:nvSpPr>
-          <p:spPr>
-            <a:xfrm rot="10800000">
-              <a:off x="4883125" y="5294925"/>
-              <a:ext cx="2270400" cy="272100"/>
-            </a:xfrm>
-            <a:prstGeom prst="rightArrow">
-              <a:avLst>
-                <a:gd fmla="val 16708" name="adj1"/>
-                <a:gd fmla="val 50000" name="adj2"/>
-              </a:avLst>
-            </a:prstGeom>
-            <a:solidFill>
-              <a:schemeClr val="lt2"/>
-            </a:solidFill>
-            <a:ln cap="flat" cmpd="sng" w="9525">
-              <a:solidFill>
-                <a:schemeClr val="dk2"/>
-              </a:solidFill>
-              <a:prstDash val="solid"/>
-              <a:round/>
-              <a:headEnd len="sm" w="sm" type="none"/>
-              <a:tailEnd len="sm" w="sm" type="none"/>
-            </a:ln>
-          </p:spPr>
-          <p:txBody>
-            <a:bodyPr anchorCtr="0" anchor="ctr" bIns="91425" lIns="91425" spcFirstLastPara="1" rIns="91425" wrap="square" tIns="91425">
-              <a:noAutofit/>
-            </a:bodyPr>
-            <a:lstStyle/>
-            <a:p>
-              <a:pPr indent="0" lvl="0" marL="0" rtl="0" algn="l">
-                <a:spcBef>
-                  <a:spcPts val="0"/>
-                </a:spcBef>
-                <a:spcAft>
-                  <a:spcPts val="0"/>
-                </a:spcAft>
-                <a:buNone/>
-              </a:pPr>
-              <a:r>
-                <a:t/>
-              </a:r>
-              <a:endParaRPr sz="1200"/>
-            </a:p>
-          </p:txBody>
-        </p:sp>
-        <p:sp>
-          <p:nvSpPr>
-            <p:cNvPr id="146" name="Google Shape;146;g161d3ebda41_13_2"/>
-            <p:cNvSpPr txBox="1"/>
-            <p:nvPr/>
-          </p:nvSpPr>
-          <p:spPr>
-            <a:xfrm>
-              <a:off x="4987850" y="5097225"/>
-              <a:ext cx="1782900" cy="369300"/>
-            </a:xfrm>
-            <a:prstGeom prst="rect">
-              <a:avLst/>
-            </a:prstGeom>
-            <a:noFill/>
-            <a:ln>
-              <a:noFill/>
-            </a:ln>
-          </p:spPr>
-          <p:txBody>
-            <a:bodyPr anchorCtr="0" anchor="t" bIns="91425" lIns="91425" spcFirstLastPara="1" rIns="91425" wrap="square" tIns="91425">
-              <a:spAutoFit/>
-            </a:bodyPr>
-            <a:lstStyle/>
-            <a:p>
-              <a:pPr indent="0" lvl="0" marL="0" rtl="0" algn="ctr">
-                <a:spcBef>
-                  <a:spcPts val="0"/>
-                </a:spcBef>
-                <a:spcAft>
-                  <a:spcPts val="0"/>
-                </a:spcAft>
-                <a:buNone/>
-              </a:pPr>
-              <a:r>
-                <a:rPr lang="ko-KR" sz="1200"/>
-                <a:t>적조 예측값 추출</a:t>
-              </a:r>
-              <a:endParaRPr sz="1200"/>
-            </a:p>
-          </p:txBody>
-        </p:sp>
-        <p:sp>
-          <p:nvSpPr>
-            <p:cNvPr id="147" name="Google Shape;147;g161d3ebda41_13_2"/>
-            <p:cNvSpPr txBox="1"/>
-            <p:nvPr/>
-          </p:nvSpPr>
-          <p:spPr>
-            <a:xfrm>
-              <a:off x="4999453" y="1893025"/>
-              <a:ext cx="1708800" cy="369300"/>
-            </a:xfrm>
-            <a:prstGeom prst="rect">
-              <a:avLst/>
-            </a:prstGeom>
-            <a:noFill/>
-            <a:ln>
-              <a:noFill/>
-            </a:ln>
-          </p:spPr>
-          <p:txBody>
-            <a:bodyPr anchorCtr="0" anchor="t" bIns="91425" lIns="91425" spcFirstLastPara="1" rIns="91425" wrap="square" tIns="91425">
-              <a:spAutoFit/>
-            </a:bodyPr>
-            <a:lstStyle/>
-            <a:p>
-              <a:pPr indent="0" lvl="0" marL="0" rtl="0" algn="ctr">
-                <a:spcBef>
-                  <a:spcPts val="0"/>
-                </a:spcBef>
-                <a:spcAft>
-                  <a:spcPts val="0"/>
-                </a:spcAft>
-                <a:buNone/>
-              </a:pPr>
-              <a:r>
-                <a:rPr lang="ko-KR" sz="1200"/>
-                <a:t>데이터 요청</a:t>
-              </a:r>
-              <a:endParaRPr sz="1200"/>
-            </a:p>
-          </p:txBody>
-        </p:sp>
-        <p:sp>
-          <p:nvSpPr>
-            <p:cNvPr id="148" name="Google Shape;148;g161d3ebda41_13_2"/>
-            <p:cNvSpPr/>
-            <p:nvPr/>
-          </p:nvSpPr>
-          <p:spPr>
-            <a:xfrm>
-              <a:off x="4883050" y="4901725"/>
-              <a:ext cx="2246400" cy="273000"/>
-            </a:xfrm>
-            <a:prstGeom prst="rightArrow">
-              <a:avLst>
-                <a:gd fmla="val 16708" name="adj1"/>
-                <a:gd fmla="val 50000" name="adj2"/>
-              </a:avLst>
-            </a:prstGeom>
-            <a:solidFill>
-              <a:schemeClr val="lt2"/>
-            </a:solidFill>
-            <a:ln cap="flat" cmpd="sng" w="9525">
-              <a:solidFill>
-                <a:schemeClr val="dk2"/>
-              </a:solidFill>
-              <a:prstDash val="solid"/>
-              <a:round/>
-              <a:headEnd len="sm" w="sm" type="none"/>
-              <a:tailEnd len="sm" w="sm" type="none"/>
-            </a:ln>
-          </p:spPr>
-          <p:txBody>
-            <a:bodyPr anchorCtr="0" anchor="ctr" bIns="91425" lIns="91425" spcFirstLastPara="1" rIns="91425" wrap="square" tIns="91425">
-              <a:noAutofit/>
-            </a:bodyPr>
-            <a:lstStyle/>
-            <a:p>
-              <a:pPr indent="0" lvl="0" marL="0" rtl="0" algn="ctr">
-                <a:spcBef>
-                  <a:spcPts val="0"/>
-                </a:spcBef>
-                <a:spcAft>
-                  <a:spcPts val="0"/>
-                </a:spcAft>
-                <a:buNone/>
-              </a:pPr>
-              <a:r>
-                <a:t/>
-              </a:r>
-              <a:endParaRPr sz="1200"/>
-            </a:p>
-          </p:txBody>
-        </p:sp>
-        <p:sp>
-          <p:nvSpPr>
-            <p:cNvPr id="149" name="Google Shape;149;g161d3ebda41_13_2"/>
-            <p:cNvSpPr/>
-            <p:nvPr/>
-          </p:nvSpPr>
-          <p:spPr>
-            <a:xfrm>
-              <a:off x="6674700" y="4234813"/>
-              <a:ext cx="1096500" cy="568200"/>
-            </a:xfrm>
-            <a:prstGeom prst="roundRect">
-              <a:avLst>
-                <a:gd fmla="val 16667" name="adj"/>
-              </a:avLst>
-            </a:prstGeom>
-            <a:solidFill>
-              <a:srgbClr val="E9DBED"/>
-            </a:solidFill>
-            <a:ln cap="flat" cmpd="sng" w="9525">
-              <a:solidFill>
-                <a:schemeClr val="dk2"/>
-              </a:solidFill>
-              <a:prstDash val="solid"/>
-              <a:round/>
-              <a:headEnd len="sm" w="sm" type="none"/>
-              <a:tailEnd len="sm" w="sm" type="none"/>
-            </a:ln>
-          </p:spPr>
-          <p:txBody>
-            <a:bodyPr anchorCtr="0" anchor="ctr" bIns="91425" lIns="91425" spcFirstLastPara="1" rIns="91425" wrap="square" tIns="91425">
-              <a:noAutofit/>
-            </a:bodyPr>
-            <a:lstStyle/>
-            <a:p>
-              <a:pPr indent="0" lvl="0" marL="0" rtl="0" algn="ctr">
-                <a:spcBef>
-                  <a:spcPts val="0"/>
-                </a:spcBef>
-                <a:spcAft>
-                  <a:spcPts val="0"/>
-                </a:spcAft>
-                <a:buNone/>
-              </a:pPr>
-              <a:r>
-                <a:rPr b="1" lang="ko-KR" sz="1300">
-                  <a:solidFill>
-                    <a:schemeClr val="dk1"/>
-                  </a:solidFill>
-                </a:rPr>
-                <a:t>적조 예측 Model</a:t>
-              </a:r>
-              <a:endParaRPr b="1" sz="1300"/>
-            </a:p>
-          </p:txBody>
-        </p:sp>
-        <p:sp>
-          <p:nvSpPr>
-            <p:cNvPr id="150" name="Google Shape;150;g161d3ebda41_13_2"/>
-            <p:cNvSpPr/>
-            <p:nvPr/>
-          </p:nvSpPr>
-          <p:spPr>
-            <a:xfrm>
-              <a:off x="7129475" y="4803025"/>
-              <a:ext cx="139500" cy="1079400"/>
-            </a:xfrm>
-            <a:prstGeom prst="rect">
-              <a:avLst/>
-            </a:prstGeom>
-            <a:solidFill>
-              <a:srgbClr val="1F497D"/>
-            </a:solidFill>
-            <a:ln cap="flat" cmpd="sng" w="9525">
-              <a:solidFill>
-                <a:schemeClr val="dk2"/>
-              </a:solidFill>
-              <a:prstDash val="solid"/>
-              <a:round/>
-              <a:headEnd len="sm" w="sm" type="none"/>
-              <a:tailEnd len="sm" w="sm" type="none"/>
-            </a:ln>
-          </p:spPr>
-          <p:txBody>
-            <a:bodyPr anchorCtr="0" anchor="ctr" bIns="91425" lIns="91425" spcFirstLastPara="1" rIns="91425" wrap="square" tIns="91425">
-              <a:noAutofit/>
-            </a:bodyPr>
-            <a:lstStyle/>
-            <a:p>
-              <a:pPr indent="0" lvl="0" marL="0" rtl="0" algn="ctr">
-                <a:spcBef>
-                  <a:spcPts val="0"/>
-                </a:spcBef>
-                <a:spcAft>
-                  <a:spcPts val="0"/>
-                </a:spcAft>
-                <a:buNone/>
-              </a:pPr>
-              <a:r>
-                <a:t/>
-              </a:r>
-              <a:endParaRPr sz="1200"/>
-            </a:p>
-          </p:txBody>
-        </p:sp>
-        <p:sp>
-          <p:nvSpPr>
-            <p:cNvPr id="151" name="Google Shape;151;g161d3ebda41_13_2"/>
-            <p:cNvSpPr txBox="1"/>
-            <p:nvPr/>
-          </p:nvSpPr>
-          <p:spPr>
-            <a:xfrm>
-              <a:off x="4999453" y="2338675"/>
-              <a:ext cx="1708800" cy="369300"/>
-            </a:xfrm>
-            <a:prstGeom prst="rect">
-              <a:avLst/>
-            </a:prstGeom>
-            <a:noFill/>
-            <a:ln>
-              <a:noFill/>
-            </a:ln>
-          </p:spPr>
-          <p:txBody>
-            <a:bodyPr anchorCtr="0" anchor="t" bIns="91425" lIns="91425" spcFirstLastPara="1" rIns="91425" wrap="square" tIns="91425">
-              <a:spAutoFit/>
-            </a:bodyPr>
-            <a:lstStyle/>
-            <a:p>
-              <a:pPr indent="0" lvl="0" marL="0" rtl="0" algn="ctr">
-                <a:spcBef>
-                  <a:spcPts val="0"/>
-                </a:spcBef>
-                <a:spcAft>
-                  <a:spcPts val="0"/>
-                </a:spcAft>
-                <a:buNone/>
-              </a:pPr>
-              <a:r>
-                <a:rPr lang="ko-KR" sz="1200"/>
-                <a:t>데이터 수집</a:t>
-              </a:r>
-              <a:endParaRPr sz="1200"/>
-            </a:p>
-          </p:txBody>
-        </p:sp>
-        <p:sp>
-          <p:nvSpPr>
-            <p:cNvPr id="152" name="Google Shape;152;g161d3ebda41_13_2"/>
-            <p:cNvSpPr txBox="1"/>
-            <p:nvPr/>
-          </p:nvSpPr>
-          <p:spPr>
-            <a:xfrm>
-              <a:off x="5151850" y="3174425"/>
-              <a:ext cx="1873500" cy="369300"/>
-            </a:xfrm>
-            <a:prstGeom prst="rect">
-              <a:avLst/>
-            </a:prstGeom>
-            <a:noFill/>
-            <a:ln>
-              <a:noFill/>
-            </a:ln>
-          </p:spPr>
-          <p:txBody>
-            <a:bodyPr anchorCtr="0" anchor="t" bIns="91425" lIns="91425" spcFirstLastPara="1" rIns="91425" wrap="square" tIns="91425">
-              <a:spAutoFit/>
-            </a:bodyPr>
-            <a:lstStyle/>
-            <a:p>
-              <a:pPr indent="0" lvl="0" marL="0" rtl="0" algn="ctr">
-                <a:spcBef>
-                  <a:spcPts val="0"/>
-                </a:spcBef>
-                <a:spcAft>
-                  <a:spcPts val="0"/>
-                </a:spcAft>
-                <a:buNone/>
-              </a:pPr>
-              <a:r>
-                <a:rPr lang="ko-KR" sz="1200"/>
-                <a:t>전처리 데이터 적재</a:t>
-              </a:r>
-              <a:endParaRPr sz="1200"/>
-            </a:p>
-          </p:txBody>
-        </p:sp>
-      </p:grpSp>
+            </a:endParaRPr>
+          </a:p>
+        </p:txBody>
+      </p:sp>
     </p:spTree>
   </p:cSld>
   <p:clrMapOvr>
@@ -13532,7 +14041,7 @@
   <p:cSld>
     <p:spTree>
       <p:nvGrpSpPr>
-        <p:cNvPr id="156" name="Shape 156"/>
+        <p:cNvPr id="165" name="Shape 165"/>
         <p:cNvGrpSpPr/>
         <p:nvPr/>
       </p:nvGrpSpPr>
@@ -13546,7 +14055,7 @@
       </p:grpSpPr>
       <p:sp>
         <p:nvSpPr>
-          <p:cNvPr id="157" name="Google Shape;157;p6"/>
+          <p:cNvPr id="166" name="Google Shape;166;p6"/>
           <p:cNvSpPr txBox="1"/>
           <p:nvPr>
             <p:ph type="title"/>
@@ -13610,7 +14119,7 @@
       </p:sp>
       <p:sp>
         <p:nvSpPr>
-          <p:cNvPr id="158" name="Google Shape;158;p6"/>
+          <p:cNvPr id="167" name="Google Shape;167;p6"/>
           <p:cNvSpPr txBox="1"/>
           <p:nvPr>
             <p:ph idx="1" type="body"/>
@@ -13682,7 +14191,7 @@
       </p:sp>
       <p:grpSp>
         <p:nvGrpSpPr>
-          <p:cNvPr id="159" name="Google Shape;159;p6"/>
+          <p:cNvPr id="168" name="Google Shape;168;p6"/>
           <p:cNvGrpSpPr/>
           <p:nvPr/>
         </p:nvGrpSpPr>
@@ -13696,7 +14205,7 @@
         </p:grpSpPr>
         <p:cxnSp>
           <p:nvCxnSpPr>
-            <p:cNvPr id="160" name="Google Shape;160;p6"/>
+            <p:cNvPr id="169" name="Google Shape;169;p6"/>
             <p:cNvCxnSpPr/>
             <p:nvPr/>
           </p:nvCxnSpPr>
@@ -13722,7 +14231,7 @@
         </p:cxnSp>
         <p:sp>
           <p:nvSpPr>
-            <p:cNvPr id="161" name="Google Shape;161;p6"/>
+            <p:cNvPr id="170" name="Google Shape;170;p6"/>
             <p:cNvSpPr/>
             <p:nvPr/>
           </p:nvSpPr>
@@ -13788,7 +14297,7 @@
         </p:sp>
         <p:grpSp>
           <p:nvGrpSpPr>
-            <p:cNvPr id="162" name="Google Shape;162;p6"/>
+            <p:cNvPr id="171" name="Google Shape;171;p6"/>
             <p:cNvGrpSpPr/>
             <p:nvPr/>
           </p:nvGrpSpPr>
@@ -13802,7 +14311,7 @@
           </p:grpSpPr>
           <p:sp>
             <p:nvSpPr>
-              <p:cNvPr id="163" name="Google Shape;163;p6"/>
+              <p:cNvPr id="172" name="Google Shape;172;p6"/>
               <p:cNvSpPr/>
               <p:nvPr/>
             </p:nvSpPr>
@@ -13866,10 +14375,10 @@
           </p:sp>
           <p:cxnSp>
             <p:nvCxnSpPr>
-              <p:cNvPr id="164" name="Google Shape;164;p6"/>
+              <p:cNvPr id="173" name="Google Shape;173;p6"/>
               <p:cNvCxnSpPr>
-                <a:stCxn id="163" idx="2"/>
-                <a:endCxn id="165" idx="0"/>
+                <a:stCxn id="172" idx="2"/>
+                <a:endCxn id="174" idx="0"/>
               </p:cNvCxnSpPr>
               <p:nvPr/>
             </p:nvCxnSpPr>
@@ -13897,7 +14406,7 @@
           </p:cxnSp>
           <p:grpSp>
             <p:nvGrpSpPr>
-              <p:cNvPr id="166" name="Google Shape;166;p6"/>
+              <p:cNvPr id="175" name="Google Shape;175;p6"/>
               <p:cNvGrpSpPr/>
               <p:nvPr/>
             </p:nvGrpSpPr>
@@ -13911,7 +14420,7 @@
             </p:grpSpPr>
             <p:grpSp>
               <p:nvGrpSpPr>
-                <p:cNvPr id="167" name="Google Shape;167;p6"/>
+                <p:cNvPr id="176" name="Google Shape;176;p6"/>
                 <p:cNvGrpSpPr/>
                 <p:nvPr/>
               </p:nvGrpSpPr>
@@ -13925,7 +14434,7 @@
               </p:grpSpPr>
               <p:sp>
                 <p:nvSpPr>
-                  <p:cNvPr id="168" name="Google Shape;168;p6"/>
+                  <p:cNvPr id="177" name="Google Shape;177;p6"/>
                   <p:cNvSpPr/>
                   <p:nvPr/>
                 </p:nvSpPr>
@@ -14099,7 +14608,7 @@
               </p:sp>
               <p:sp>
                 <p:nvSpPr>
-                  <p:cNvPr descr="강-4단" id="169" name="Google Shape;169;p6"/>
+                  <p:cNvPr descr="강-4단" id="178" name="Google Shape;178;p6"/>
                   <p:cNvSpPr/>
                   <p:nvPr/>
                 </p:nvSpPr>
@@ -14178,7 +14687,7 @@
             </p:grpSp>
             <p:grpSp>
               <p:nvGrpSpPr>
-                <p:cNvPr id="170" name="Google Shape;170;p6"/>
+                <p:cNvPr id="179" name="Google Shape;179;p6"/>
                 <p:cNvGrpSpPr/>
                 <p:nvPr/>
               </p:nvGrpSpPr>
@@ -14192,7 +14701,7 @@
               </p:grpSpPr>
               <p:sp>
                 <p:nvSpPr>
-                  <p:cNvPr id="171" name="Google Shape;171;p6"/>
+                  <p:cNvPr id="180" name="Google Shape;180;p6"/>
                   <p:cNvSpPr/>
                   <p:nvPr/>
                 </p:nvSpPr>
@@ -14340,7 +14849,7 @@
               </p:sp>
               <p:sp>
                 <p:nvSpPr>
-                  <p:cNvPr descr="강-4단" id="172" name="Google Shape;172;p6"/>
+                  <p:cNvPr descr="강-4단" id="181" name="Google Shape;181;p6"/>
                   <p:cNvSpPr/>
                   <p:nvPr/>
                 </p:nvSpPr>
@@ -14407,7 +14916,7 @@
             </p:grpSp>
             <p:grpSp>
               <p:nvGrpSpPr>
-                <p:cNvPr id="173" name="Google Shape;173;p6"/>
+                <p:cNvPr id="182" name="Google Shape;182;p6"/>
                 <p:cNvGrpSpPr/>
                 <p:nvPr/>
               </p:nvGrpSpPr>
@@ -14421,7 +14930,7 @@
               </p:grpSpPr>
               <p:sp>
                 <p:nvSpPr>
-                  <p:cNvPr id="174" name="Google Shape;174;p6"/>
+                  <p:cNvPr id="183" name="Google Shape;183;p6"/>
                   <p:cNvSpPr/>
                   <p:nvPr/>
                 </p:nvSpPr>
@@ -14617,7 +15126,7 @@
               </p:sp>
               <p:sp>
                 <p:nvSpPr>
-                  <p:cNvPr descr="강-4단" id="165" name="Google Shape;165;p6"/>
+                  <p:cNvPr descr="강-4단" id="174" name="Google Shape;174;p6"/>
                   <p:cNvSpPr/>
                   <p:nvPr/>
                 </p:nvSpPr>
@@ -14685,7 +15194,7 @@
             </p:grpSp>
             <p:grpSp>
               <p:nvGrpSpPr>
-                <p:cNvPr id="175" name="Google Shape;175;p6"/>
+                <p:cNvPr id="184" name="Google Shape;184;p6"/>
                 <p:cNvGrpSpPr/>
                 <p:nvPr/>
               </p:nvGrpSpPr>
@@ -14699,7 +15208,7 @@
               </p:grpSpPr>
               <p:sp>
                 <p:nvSpPr>
-                  <p:cNvPr id="176" name="Google Shape;176;p6"/>
+                  <p:cNvPr id="185" name="Google Shape;185;p6"/>
                   <p:cNvSpPr/>
                   <p:nvPr/>
                 </p:nvSpPr>
@@ -14818,7 +15327,7 @@
               </p:sp>
               <p:sp>
                 <p:nvSpPr>
-                  <p:cNvPr descr="강-4단" id="177" name="Google Shape;177;p6"/>
+                  <p:cNvPr descr="강-4단" id="186" name="Google Shape;186;p6"/>
                   <p:cNvSpPr/>
                   <p:nvPr/>
                 </p:nvSpPr>
@@ -14883,10 +15392,10 @@
           </p:grpSp>
           <p:cxnSp>
             <p:nvCxnSpPr>
-              <p:cNvPr id="178" name="Google Shape;178;p6"/>
+              <p:cNvPr id="187" name="Google Shape;187;p6"/>
               <p:cNvCxnSpPr>
-                <a:stCxn id="163" idx="2"/>
-                <a:endCxn id="177" idx="0"/>
+                <a:stCxn id="172" idx="2"/>
+                <a:endCxn id="186" idx="0"/>
               </p:cNvCxnSpPr>
               <p:nvPr/>
             </p:nvCxnSpPr>
@@ -14914,10 +15423,10 @@
           </p:cxnSp>
           <p:cxnSp>
             <p:nvCxnSpPr>
-              <p:cNvPr id="179" name="Google Shape;179;p6"/>
+              <p:cNvPr id="188" name="Google Shape;188;p6"/>
               <p:cNvCxnSpPr>
-                <a:stCxn id="163" idx="2"/>
-                <a:endCxn id="169" idx="0"/>
+                <a:stCxn id="172" idx="2"/>
+                <a:endCxn id="178" idx="0"/>
               </p:cNvCxnSpPr>
               <p:nvPr/>
             </p:nvCxnSpPr>
@@ -14945,10 +15454,10 @@
           </p:cxnSp>
           <p:cxnSp>
             <p:nvCxnSpPr>
-              <p:cNvPr id="180" name="Google Shape;180;p6"/>
+              <p:cNvPr id="189" name="Google Shape;189;p6"/>
               <p:cNvCxnSpPr>
-                <a:stCxn id="163" idx="2"/>
-                <a:endCxn id="172" idx="0"/>
+                <a:stCxn id="172" idx="2"/>
+                <a:endCxn id="181" idx="0"/>
               </p:cNvCxnSpPr>
               <p:nvPr/>
             </p:nvCxnSpPr>
@@ -14977,7 +15486,7 @@
         </p:grpSp>
         <p:sp>
           <p:nvSpPr>
-            <p:cNvPr descr="강-4단" id="181" name="Google Shape;181;p6"/>
+            <p:cNvPr descr="강-4단" id="190" name="Google Shape;190;p6"/>
             <p:cNvSpPr/>
             <p:nvPr/>
           </p:nvSpPr>
@@ -15055,7 +15564,7 @@
   <p:cSld>
     <p:spTree>
       <p:nvGrpSpPr>
-        <p:cNvPr id="185" name="Shape 185"/>
+        <p:cNvPr id="194" name="Shape 194"/>
         <p:cNvGrpSpPr/>
         <p:nvPr/>
       </p:nvGrpSpPr>
@@ -15069,7 +15578,7 @@
       </p:grpSpPr>
       <p:sp>
         <p:nvSpPr>
-          <p:cNvPr id="186" name="Google Shape;186;p7"/>
+          <p:cNvPr id="195" name="Google Shape;195;p7"/>
           <p:cNvSpPr txBox="1"/>
           <p:nvPr>
             <p:ph type="title"/>
@@ -15133,7 +15642,7 @@
       </p:sp>
       <p:sp>
         <p:nvSpPr>
-          <p:cNvPr id="187" name="Google Shape;187;p7"/>
+          <p:cNvPr id="196" name="Google Shape;196;p7"/>
           <p:cNvSpPr txBox="1"/>
           <p:nvPr>
             <p:ph idx="1" type="body"/>
@@ -15193,7 +15702,7 @@
       </p:sp>
       <p:pic>
         <p:nvPicPr>
-          <p:cNvPr id="188" name="Google Shape;188;p7"/>
+          <p:cNvPr id="197" name="Google Shape;197;p7"/>
           <p:cNvPicPr preferRelativeResize="0"/>
           <p:nvPr/>
         </p:nvPicPr>
@@ -15232,7 +15741,7 @@
   <p:cSld>
     <p:spTree>
       <p:nvGrpSpPr>
-        <p:cNvPr id="192" name="Shape 192"/>
+        <p:cNvPr id="201" name="Shape 201"/>
         <p:cNvGrpSpPr/>
         <p:nvPr/>
       </p:nvGrpSpPr>
@@ -15246,7 +15755,7 @@
       </p:grpSpPr>
       <p:sp>
         <p:nvSpPr>
-          <p:cNvPr id="193" name="Google Shape;193;p9"/>
+          <p:cNvPr id="202" name="Google Shape;202;p9"/>
           <p:cNvSpPr txBox="1"/>
           <p:nvPr>
             <p:ph type="title"/>
@@ -15310,7 +15819,7 @@
       </p:sp>
       <p:graphicFrame>
         <p:nvGraphicFramePr>
-          <p:cNvPr id="194" name="Google Shape;194;p9"/>
+          <p:cNvPr id="203" name="Google Shape;203;p9"/>
           <p:cNvGraphicFramePr/>
           <p:nvPr/>
         </p:nvGraphicFramePr>
@@ -15323,7 +15832,7 @@
             <a:tbl>
               <a:tblPr>
                 <a:noFill/>
-                <a:tableStyleId>{B678C6B9-6DA6-4121-A232-BF4879CBCE3A}</a:tableStyleId>
+                <a:tableStyleId>{2B212183-B2F0-46C2-A098-C78A0ADB20EA}</a:tableStyleId>
               </a:tblPr>
               <a:tblGrid>
                 <a:gridCol w="638350"/>
@@ -16275,7 +16784,7 @@
       </p:graphicFrame>
       <p:sp>
         <p:nvSpPr>
-          <p:cNvPr id="195" name="Google Shape;195;p9"/>
+          <p:cNvPr id="204" name="Google Shape;204;p9"/>
           <p:cNvSpPr txBox="1"/>
           <p:nvPr>
             <p:ph idx="1" type="body"/>
@@ -16350,9 +16859,9 @@
 </file>
 
 <file path=ppt/theme/theme1.xml><?xml version="1.0" encoding="utf-8"?>
-<a:theme xmlns:a="http://schemas.openxmlformats.org/drawingml/2006/main" xmlns:r="http://schemas.openxmlformats.org/officeDocument/2006/relationships" name="1_Office 테마">
+<a:theme xmlns:a="http://schemas.openxmlformats.org/drawingml/2006/main" xmlns:r="http://schemas.openxmlformats.org/officeDocument/2006/relationships">
   <a:themeElements>
-    <a:clrScheme name="Office">
+    <a:clrScheme name="Default">
       <a:dk1>
         <a:srgbClr val="000000"/>
       </a:dk1>
@@ -16360,34 +16869,34 @@
         <a:srgbClr val="FFFFFF"/>
       </a:lt1>
       <a:dk2>
-        <a:srgbClr val="44546A"/>
+        <a:srgbClr val="158158"/>
       </a:dk2>
       <a:lt2>
-        <a:srgbClr val="E7E6E6"/>
+        <a:srgbClr val="F3F3F3"/>
       </a:lt2>
       <a:accent1>
-        <a:srgbClr val="4472C4"/>
+        <a:srgbClr val="058DC7"/>
       </a:accent1>
       <a:accent2>
-        <a:srgbClr val="ED7D31"/>
+        <a:srgbClr val="50B432"/>
       </a:accent2>
       <a:accent3>
-        <a:srgbClr val="A5A5A5"/>
+        <a:srgbClr val="ED561B"/>
       </a:accent3>
       <a:accent4>
-        <a:srgbClr val="FFC000"/>
+        <a:srgbClr val="EDEF00"/>
       </a:accent4>
       <a:accent5>
-        <a:srgbClr val="5B9BD5"/>
+        <a:srgbClr val="24CBE5"/>
       </a:accent5>
       <a:accent6>
-        <a:srgbClr val="70AD47"/>
+        <a:srgbClr val="64E572"/>
       </a:accent6>
       <a:hlink>
-        <a:srgbClr val="0563C1"/>
+        <a:srgbClr val="2200CC"/>
       </a:hlink>
       <a:folHlink>
-        <a:srgbClr val="954F72"/>
+        <a:srgbClr val="551A8B"/>
       </a:folHlink>
     </a:clrScheme>
     <a:fontScheme name="Office">
@@ -16629,9 +17138,9 @@
 </file>
 
 <file path=ppt/theme/theme2.xml><?xml version="1.0" encoding="utf-8"?>
-<a:theme xmlns:a="http://schemas.openxmlformats.org/drawingml/2006/main" xmlns:r="http://schemas.openxmlformats.org/officeDocument/2006/relationships">
+<a:theme xmlns:a="http://schemas.openxmlformats.org/drawingml/2006/main" xmlns:r="http://schemas.openxmlformats.org/officeDocument/2006/relationships" name="1_Office 테마">
   <a:themeElements>
-    <a:clrScheme name="Default">
+    <a:clrScheme name="Office">
       <a:dk1>
         <a:srgbClr val="000000"/>
       </a:dk1>
@@ -16639,34 +17148,34 @@
         <a:srgbClr val="FFFFFF"/>
       </a:lt1>
       <a:dk2>
-        <a:srgbClr val="158158"/>
+        <a:srgbClr val="44546A"/>
       </a:dk2>
       <a:lt2>
-        <a:srgbClr val="F3F3F3"/>
+        <a:srgbClr val="E7E6E6"/>
       </a:lt2>
       <a:accent1>
-        <a:srgbClr val="058DC7"/>
+        <a:srgbClr val="4472C4"/>
       </a:accent1>
       <a:accent2>
-        <a:srgbClr val="50B432"/>
+        <a:srgbClr val="ED7D31"/>
       </a:accent2>
       <a:accent3>
-        <a:srgbClr val="ED561B"/>
+        <a:srgbClr val="A5A5A5"/>
       </a:accent3>
       <a:accent4>
-        <a:srgbClr val="EDEF00"/>
+        <a:srgbClr val="FFC000"/>
       </a:accent4>
       <a:accent5>
-        <a:srgbClr val="24CBE5"/>
+        <a:srgbClr val="5B9BD5"/>
       </a:accent5>
       <a:accent6>
-        <a:srgbClr val="64E572"/>
+        <a:srgbClr val="70AD47"/>
       </a:accent6>
       <a:hlink>
-        <a:srgbClr val="2200CC"/>
+        <a:srgbClr val="0563C1"/>
       </a:hlink>
       <a:folHlink>
-        <a:srgbClr val="551A8B"/>
+        <a:srgbClr val="954F72"/>
       </a:folHlink>
     </a:clrScheme>
     <a:fontScheme name="Office">

--- a/Docs/4조 프로젝트 계획서.pptx
+++ b/Docs/4조 프로젝트 계획서.pptx
@@ -15832,7 +15832,7 @@
             <a:tbl>
               <a:tblPr>
                 <a:noFill/>
-                <a:tableStyleId>{2B212183-B2F0-46C2-A098-C78A0ADB20EA}</a:tableStyleId>
+                <a:tableStyleId>{9E169A63-C64E-4E3F-9BBC-4B5AEE9D9B66}</a:tableStyleId>
               </a:tblPr>
               <a:tblGrid>
                 <a:gridCol w="638350"/>
@@ -16641,7 +16641,7 @@
                       </a:pPr>
                       <a:r>
                         <a:rPr b="1" lang="ko-KR" sz="1400" u="none" cap="none" strike="noStrike"/>
-                        <a:t>데이터의 양들이 방대하여 데이터를 적재하는 데에 상당한 </a:t>
+                        <a:t>데이터의 양이 방대하여 데이터를 적재하는 데에 상당한 </a:t>
                       </a:r>
                       <a:endParaRPr b="1" sz="1400" u="none" cap="none" strike="noStrike"/>
                     </a:p>
@@ -16859,9 +16859,9 @@
 </file>
 
 <file path=ppt/theme/theme1.xml><?xml version="1.0" encoding="utf-8"?>
-<a:theme xmlns:a="http://schemas.openxmlformats.org/drawingml/2006/main" xmlns:r="http://schemas.openxmlformats.org/officeDocument/2006/relationships">
+<a:theme xmlns:a="http://schemas.openxmlformats.org/drawingml/2006/main" xmlns:r="http://schemas.openxmlformats.org/officeDocument/2006/relationships" name="Office 테마">
   <a:themeElements>
-    <a:clrScheme name="Default">
+    <a:clrScheme name="Office">
       <a:dk1>
         <a:srgbClr val="000000"/>
       </a:dk1>
@@ -16869,34 +16869,34 @@
         <a:srgbClr val="FFFFFF"/>
       </a:lt1>
       <a:dk2>
-        <a:srgbClr val="158158"/>
+        <a:srgbClr val="44546A"/>
       </a:dk2>
       <a:lt2>
-        <a:srgbClr val="F3F3F3"/>
+        <a:srgbClr val="E7E6E6"/>
       </a:lt2>
       <a:accent1>
-        <a:srgbClr val="058DC7"/>
+        <a:srgbClr val="4472C4"/>
       </a:accent1>
       <a:accent2>
-        <a:srgbClr val="50B432"/>
+        <a:srgbClr val="ED7D31"/>
       </a:accent2>
       <a:accent3>
-        <a:srgbClr val="ED561B"/>
+        <a:srgbClr val="A5A5A5"/>
       </a:accent3>
       <a:accent4>
-        <a:srgbClr val="EDEF00"/>
+        <a:srgbClr val="FFC000"/>
       </a:accent4>
       <a:accent5>
-        <a:srgbClr val="24CBE5"/>
+        <a:srgbClr val="5B9BD5"/>
       </a:accent5>
       <a:accent6>
-        <a:srgbClr val="64E572"/>
+        <a:srgbClr val="70AD47"/>
       </a:accent6>
       <a:hlink>
-        <a:srgbClr val="2200CC"/>
+        <a:srgbClr val="0563C1"/>
       </a:hlink>
       <a:folHlink>
-        <a:srgbClr val="551A8B"/>
+        <a:srgbClr val="954F72"/>
       </a:folHlink>
     </a:clrScheme>
     <a:fontScheme name="Office">
@@ -17417,9 +17417,9 @@
 </file>
 
 <file path=ppt/theme/theme3.xml><?xml version="1.0" encoding="utf-8"?>
-<a:theme xmlns:a="http://schemas.openxmlformats.org/drawingml/2006/main" xmlns:r="http://schemas.openxmlformats.org/officeDocument/2006/relationships" name="Office 테마">
+<a:theme xmlns:a="http://schemas.openxmlformats.org/drawingml/2006/main" xmlns:r="http://schemas.openxmlformats.org/officeDocument/2006/relationships">
   <a:themeElements>
-    <a:clrScheme name="Office">
+    <a:clrScheme name="Default">
       <a:dk1>
         <a:srgbClr val="000000"/>
       </a:dk1>
@@ -17427,34 +17427,34 @@
         <a:srgbClr val="FFFFFF"/>
       </a:lt1>
       <a:dk2>
-        <a:srgbClr val="44546A"/>
+        <a:srgbClr val="158158"/>
       </a:dk2>
       <a:lt2>
-        <a:srgbClr val="E7E6E6"/>
+        <a:srgbClr val="F3F3F3"/>
       </a:lt2>
       <a:accent1>
-        <a:srgbClr val="4472C4"/>
+        <a:srgbClr val="058DC7"/>
       </a:accent1>
       <a:accent2>
-        <a:srgbClr val="ED7D31"/>
+        <a:srgbClr val="50B432"/>
       </a:accent2>
       <a:accent3>
-        <a:srgbClr val="A5A5A5"/>
+        <a:srgbClr val="ED561B"/>
       </a:accent3>
       <a:accent4>
-        <a:srgbClr val="FFC000"/>
+        <a:srgbClr val="EDEF00"/>
       </a:accent4>
       <a:accent5>
-        <a:srgbClr val="5B9BD5"/>
+        <a:srgbClr val="24CBE5"/>
       </a:accent5>
       <a:accent6>
-        <a:srgbClr val="70AD47"/>
+        <a:srgbClr val="64E572"/>
       </a:accent6>
       <a:hlink>
-        <a:srgbClr val="0563C1"/>
+        <a:srgbClr val="2200CC"/>
       </a:hlink>
       <a:folHlink>
-        <a:srgbClr val="954F72"/>
+        <a:srgbClr val="551A8B"/>
       </a:folHlink>
     </a:clrScheme>
     <a:fontScheme name="Office">
